--- a/ljt/论文图片/演示文稿1.pptx
+++ b/ljt/论文图片/演示文稿1.pptx
@@ -8,6 +8,7 @@
     <p:sldId id="256" r:id="rId2"/>
     <p:sldId id="257" r:id="rId3"/>
     <p:sldId id="258" r:id="rId4"/>
+    <p:sldId id="259" r:id="rId5"/>
   </p:sldIdLst>
   <p:sldSz cx="12192000" cy="6858000"/>
   <p:notesSz cx="6858000" cy="9144000"/>
@@ -106,6 +107,11 @@
       </a:defRPr>
     </a:lvl9pPr>
   </p:defaultTextStyle>
+  <p:extLst>
+    <p:ext uri="{EFAFB233-063F-42B5-8137-9DF3F51BA10A}">
+      <p15:sldGuideLst xmlns:p15="http://schemas.microsoft.com/office/powerpoint/2012/main"/>
+    </p:ext>
+  </p:extLst>
 </p:presentation>
 </file>
 
@@ -240,7 +246,7 @@
           <a:p>
             <a:fld id="{332E0D3E-4042-4FF4-85E1-1EC738BD2D9E}" type="datetimeFigureOut">
               <a:rPr lang="zh-CN" altLang="en-US" smtClean="0"/>
-              <a:t>2019/5/16</a:t>
+              <a:t>2019/5/17</a:t>
             </a:fld>
             <a:endParaRPr lang="zh-CN" altLang="en-US"/>
           </a:p>
@@ -410,7 +416,7 @@
           <a:p>
             <a:fld id="{332E0D3E-4042-4FF4-85E1-1EC738BD2D9E}" type="datetimeFigureOut">
               <a:rPr lang="zh-CN" altLang="en-US" smtClean="0"/>
-              <a:t>2019/5/16</a:t>
+              <a:t>2019/5/17</a:t>
             </a:fld>
             <a:endParaRPr lang="zh-CN" altLang="en-US"/>
           </a:p>
@@ -590,7 +596,7 @@
           <a:p>
             <a:fld id="{332E0D3E-4042-4FF4-85E1-1EC738BD2D9E}" type="datetimeFigureOut">
               <a:rPr lang="zh-CN" altLang="en-US" smtClean="0"/>
-              <a:t>2019/5/16</a:t>
+              <a:t>2019/5/17</a:t>
             </a:fld>
             <a:endParaRPr lang="zh-CN" altLang="en-US"/>
           </a:p>
@@ -760,7 +766,7 @@
           <a:p>
             <a:fld id="{332E0D3E-4042-4FF4-85E1-1EC738BD2D9E}" type="datetimeFigureOut">
               <a:rPr lang="zh-CN" altLang="en-US" smtClean="0"/>
-              <a:t>2019/5/16</a:t>
+              <a:t>2019/5/17</a:t>
             </a:fld>
             <a:endParaRPr lang="zh-CN" altLang="en-US"/>
           </a:p>
@@ -1006,7 +1012,7 @@
           <a:p>
             <a:fld id="{332E0D3E-4042-4FF4-85E1-1EC738BD2D9E}" type="datetimeFigureOut">
               <a:rPr lang="zh-CN" altLang="en-US" smtClean="0"/>
-              <a:t>2019/5/16</a:t>
+              <a:t>2019/5/17</a:t>
             </a:fld>
             <a:endParaRPr lang="zh-CN" altLang="en-US"/>
           </a:p>
@@ -1238,7 +1244,7 @@
           <a:p>
             <a:fld id="{332E0D3E-4042-4FF4-85E1-1EC738BD2D9E}" type="datetimeFigureOut">
               <a:rPr lang="zh-CN" altLang="en-US" smtClean="0"/>
-              <a:t>2019/5/16</a:t>
+              <a:t>2019/5/17</a:t>
             </a:fld>
             <a:endParaRPr lang="zh-CN" altLang="en-US"/>
           </a:p>
@@ -1605,7 +1611,7 @@
           <a:p>
             <a:fld id="{332E0D3E-4042-4FF4-85E1-1EC738BD2D9E}" type="datetimeFigureOut">
               <a:rPr lang="zh-CN" altLang="en-US" smtClean="0"/>
-              <a:t>2019/5/16</a:t>
+              <a:t>2019/5/17</a:t>
             </a:fld>
             <a:endParaRPr lang="zh-CN" altLang="en-US"/>
           </a:p>
@@ -1723,7 +1729,7 @@
           <a:p>
             <a:fld id="{332E0D3E-4042-4FF4-85E1-1EC738BD2D9E}" type="datetimeFigureOut">
               <a:rPr lang="zh-CN" altLang="en-US" smtClean="0"/>
-              <a:t>2019/5/16</a:t>
+              <a:t>2019/5/17</a:t>
             </a:fld>
             <a:endParaRPr lang="zh-CN" altLang="en-US"/>
           </a:p>
@@ -1818,7 +1824,7 @@
           <a:p>
             <a:fld id="{332E0D3E-4042-4FF4-85E1-1EC738BD2D9E}" type="datetimeFigureOut">
               <a:rPr lang="zh-CN" altLang="en-US" smtClean="0"/>
-              <a:t>2019/5/16</a:t>
+              <a:t>2019/5/17</a:t>
             </a:fld>
             <a:endParaRPr lang="zh-CN" altLang="en-US"/>
           </a:p>
@@ -2095,7 +2101,7 @@
           <a:p>
             <a:fld id="{332E0D3E-4042-4FF4-85E1-1EC738BD2D9E}" type="datetimeFigureOut">
               <a:rPr lang="zh-CN" altLang="en-US" smtClean="0"/>
-              <a:t>2019/5/16</a:t>
+              <a:t>2019/5/17</a:t>
             </a:fld>
             <a:endParaRPr lang="zh-CN" altLang="en-US"/>
           </a:p>
@@ -2348,7 +2354,7 @@
           <a:p>
             <a:fld id="{332E0D3E-4042-4FF4-85E1-1EC738BD2D9E}" type="datetimeFigureOut">
               <a:rPr lang="zh-CN" altLang="en-US" smtClean="0"/>
-              <a:t>2019/5/16</a:t>
+              <a:t>2019/5/17</a:t>
             </a:fld>
             <a:endParaRPr lang="zh-CN" altLang="en-US"/>
           </a:p>
@@ -2561,7 +2567,7 @@
           <a:p>
             <a:fld id="{332E0D3E-4042-4FF4-85E1-1EC738BD2D9E}" type="datetimeFigureOut">
               <a:rPr lang="zh-CN" altLang="en-US" smtClean="0"/>
-              <a:t>2019/5/16</a:t>
+              <a:t>2019/5/17</a:t>
             </a:fld>
             <a:endParaRPr lang="zh-CN" altLang="en-US"/>
           </a:p>
@@ -3695,8 +3701,8 @@
           </a:p>
         </p:txBody>
       </p:sp>
-      <mc:AlternateContent xmlns:mc="http://schemas.openxmlformats.org/markup-compatibility/2006">
-        <mc:Choice xmlns:a14="http://schemas.microsoft.com/office/drawing/2010/main" Requires="a14">
+      <mc:AlternateContent xmlns:mc="http://schemas.openxmlformats.org/markup-compatibility/2006" xmlns:a14="http://schemas.microsoft.com/office/drawing/2010/main">
+        <mc:Choice Requires="a14">
           <p:sp>
             <p:nvSpPr>
               <p:cNvPr id="26" name="文本框 25"/>
@@ -3788,7 +3794,7 @@
             </p:txBody>
           </p:sp>
         </mc:Choice>
-        <mc:Fallback>
+        <mc:Fallback xmlns="">
           <p:sp>
             <p:nvSpPr>
               <p:cNvPr id="26" name="文本框 25"/>
@@ -3827,8 +3833,8 @@
           </p:sp>
         </mc:Fallback>
       </mc:AlternateContent>
-      <mc:AlternateContent xmlns:mc="http://schemas.openxmlformats.org/markup-compatibility/2006">
-        <mc:Choice xmlns:a14="http://schemas.microsoft.com/office/drawing/2010/main" Requires="a14">
+      <mc:AlternateContent xmlns:mc="http://schemas.openxmlformats.org/markup-compatibility/2006" xmlns:a14="http://schemas.microsoft.com/office/drawing/2010/main">
+        <mc:Choice Requires="a14">
           <p:sp>
             <p:nvSpPr>
               <p:cNvPr id="34" name="文本框 33"/>
@@ -3911,7 +3917,7 @@
             </p:txBody>
           </p:sp>
         </mc:Choice>
-        <mc:Fallback>
+        <mc:Fallback xmlns="">
           <p:sp>
             <p:nvSpPr>
               <p:cNvPr id="34" name="文本框 33"/>
@@ -3950,8 +3956,8 @@
           </p:sp>
         </mc:Fallback>
       </mc:AlternateContent>
-      <mc:AlternateContent xmlns:mc="http://schemas.openxmlformats.org/markup-compatibility/2006">
-        <mc:Choice xmlns:a14="http://schemas.microsoft.com/office/drawing/2010/main" Requires="a14">
+      <mc:AlternateContent xmlns:mc="http://schemas.openxmlformats.org/markup-compatibility/2006" xmlns:a14="http://schemas.microsoft.com/office/drawing/2010/main">
+        <mc:Choice Requires="a14">
           <p:sp>
             <p:nvSpPr>
               <p:cNvPr id="35" name="文本框 34"/>
@@ -4022,7 +4028,7 @@
             </p:txBody>
           </p:sp>
         </mc:Choice>
-        <mc:Fallback>
+        <mc:Fallback xmlns="">
           <p:sp>
             <p:nvSpPr>
               <p:cNvPr id="35" name="文本框 34"/>
@@ -4061,8 +4067,8 @@
           </p:sp>
         </mc:Fallback>
       </mc:AlternateContent>
-      <mc:AlternateContent xmlns:mc="http://schemas.openxmlformats.org/markup-compatibility/2006">
-        <mc:Choice xmlns:a14="http://schemas.microsoft.com/office/drawing/2010/main" Requires="a14">
+      <mc:AlternateContent xmlns:mc="http://schemas.openxmlformats.org/markup-compatibility/2006" xmlns:a14="http://schemas.microsoft.com/office/drawing/2010/main">
+        <mc:Choice Requires="a14">
           <p:sp>
             <p:nvSpPr>
               <p:cNvPr id="36" name="文本框 35"/>
@@ -4133,7 +4139,7 @@
             </p:txBody>
           </p:sp>
         </mc:Choice>
-        <mc:Fallback>
+        <mc:Fallback xmlns="">
           <p:sp>
             <p:nvSpPr>
               <p:cNvPr id="36" name="文本框 35"/>
@@ -4901,8 +4907,8 @@
           </a:p>
         </p:txBody>
       </p:sp>
-      <mc:AlternateContent xmlns:mc="http://schemas.openxmlformats.org/markup-compatibility/2006">
-        <mc:Choice xmlns:a14="http://schemas.microsoft.com/office/drawing/2010/main" Requires="a14">
+      <mc:AlternateContent xmlns:mc="http://schemas.openxmlformats.org/markup-compatibility/2006" xmlns:a14="http://schemas.microsoft.com/office/drawing/2010/main">
+        <mc:Choice Requires="a14">
           <p:sp>
             <p:nvSpPr>
               <p:cNvPr id="57" name="文本框 56"/>
@@ -4973,7 +4979,7 @@
             </p:txBody>
           </p:sp>
         </mc:Choice>
-        <mc:Fallback>
+        <mc:Fallback xmlns="">
           <p:sp>
             <p:nvSpPr>
               <p:cNvPr id="57" name="文本框 56"/>
@@ -5012,8 +5018,8 @@
           </p:sp>
         </mc:Fallback>
       </mc:AlternateContent>
-      <mc:AlternateContent xmlns:mc="http://schemas.openxmlformats.org/markup-compatibility/2006">
-        <mc:Choice xmlns:a14="http://schemas.microsoft.com/office/drawing/2010/main" Requires="a14">
+      <mc:AlternateContent xmlns:mc="http://schemas.openxmlformats.org/markup-compatibility/2006" xmlns:a14="http://schemas.microsoft.com/office/drawing/2010/main">
+        <mc:Choice Requires="a14">
           <p:sp>
             <p:nvSpPr>
               <p:cNvPr id="58" name="文本框 57"/>
@@ -5084,7 +5090,7 @@
             </p:txBody>
           </p:sp>
         </mc:Choice>
-        <mc:Fallback>
+        <mc:Fallback xmlns="">
           <p:sp>
             <p:nvSpPr>
               <p:cNvPr id="58" name="文本框 57"/>
@@ -5123,8 +5129,8 @@
           </p:sp>
         </mc:Fallback>
       </mc:AlternateContent>
-      <mc:AlternateContent xmlns:mc="http://schemas.openxmlformats.org/markup-compatibility/2006">
-        <mc:Choice xmlns:a14="http://schemas.microsoft.com/office/drawing/2010/main" Requires="a14">
+      <mc:AlternateContent xmlns:mc="http://schemas.openxmlformats.org/markup-compatibility/2006" xmlns:a14="http://schemas.microsoft.com/office/drawing/2010/main">
+        <mc:Choice Requires="a14">
           <p:sp>
             <p:nvSpPr>
               <p:cNvPr id="59" name="文本框 58"/>
@@ -5207,7 +5213,7 @@
             </p:txBody>
           </p:sp>
         </mc:Choice>
-        <mc:Fallback>
+        <mc:Fallback xmlns="">
           <p:sp>
             <p:nvSpPr>
               <p:cNvPr id="59" name="文本框 58"/>
@@ -5246,8 +5252,8 @@
           </p:sp>
         </mc:Fallback>
       </mc:AlternateContent>
-      <mc:AlternateContent xmlns:mc="http://schemas.openxmlformats.org/markup-compatibility/2006">
-        <mc:Choice xmlns:a14="http://schemas.microsoft.com/office/drawing/2010/main" Requires="a14">
+      <mc:AlternateContent xmlns:mc="http://schemas.openxmlformats.org/markup-compatibility/2006" xmlns:a14="http://schemas.microsoft.com/office/drawing/2010/main">
+        <mc:Choice Requires="a14">
           <p:sp>
             <p:nvSpPr>
               <p:cNvPr id="60" name="文本框 59"/>
@@ -5330,7 +5336,7 @@
             </p:txBody>
           </p:sp>
         </mc:Choice>
-        <mc:Fallback>
+        <mc:Fallback xmlns="">
           <p:sp>
             <p:nvSpPr>
               <p:cNvPr id="60" name="文本框 59"/>
@@ -6098,8 +6104,8 @@
           </a:p>
         </p:txBody>
       </p:sp>
-      <mc:AlternateContent xmlns:mc="http://schemas.openxmlformats.org/markup-compatibility/2006">
-        <mc:Choice xmlns:a14="http://schemas.microsoft.com/office/drawing/2010/main" Requires="a14">
+      <mc:AlternateContent xmlns:mc="http://schemas.openxmlformats.org/markup-compatibility/2006" xmlns:a14="http://schemas.microsoft.com/office/drawing/2010/main">
+        <mc:Choice Requires="a14">
           <p:sp>
             <p:nvSpPr>
               <p:cNvPr id="105" name="文本框 104"/>
@@ -6170,7 +6176,7 @@
             </p:txBody>
           </p:sp>
         </mc:Choice>
-        <mc:Fallback>
+        <mc:Fallback xmlns="">
           <p:sp>
             <p:nvSpPr>
               <p:cNvPr id="105" name="文本框 104"/>
@@ -6209,8 +6215,8 @@
           </p:sp>
         </mc:Fallback>
       </mc:AlternateContent>
-      <mc:AlternateContent xmlns:mc="http://schemas.openxmlformats.org/markup-compatibility/2006">
-        <mc:Choice xmlns:a14="http://schemas.microsoft.com/office/drawing/2010/main" Requires="a14">
+      <mc:AlternateContent xmlns:mc="http://schemas.openxmlformats.org/markup-compatibility/2006" xmlns:a14="http://schemas.microsoft.com/office/drawing/2010/main">
+        <mc:Choice Requires="a14">
           <p:sp>
             <p:nvSpPr>
               <p:cNvPr id="106" name="文本框 105"/>
@@ -6281,7 +6287,7 @@
             </p:txBody>
           </p:sp>
         </mc:Choice>
-        <mc:Fallback>
+        <mc:Fallback xmlns="">
           <p:sp>
             <p:nvSpPr>
               <p:cNvPr id="106" name="文本框 105"/>
@@ -6320,8 +6326,8 @@
           </p:sp>
         </mc:Fallback>
       </mc:AlternateContent>
-      <mc:AlternateContent xmlns:mc="http://schemas.openxmlformats.org/markup-compatibility/2006">
-        <mc:Choice xmlns:a14="http://schemas.microsoft.com/office/drawing/2010/main" Requires="a14">
+      <mc:AlternateContent xmlns:mc="http://schemas.openxmlformats.org/markup-compatibility/2006" xmlns:a14="http://schemas.microsoft.com/office/drawing/2010/main">
+        <mc:Choice Requires="a14">
           <p:sp>
             <p:nvSpPr>
               <p:cNvPr id="107" name="文本框 106"/>
@@ -6392,7 +6398,7 @@
             </p:txBody>
           </p:sp>
         </mc:Choice>
-        <mc:Fallback>
+        <mc:Fallback xmlns="">
           <p:sp>
             <p:nvSpPr>
               <p:cNvPr id="107" name="文本框 106"/>
@@ -6431,8 +6437,8 @@
           </p:sp>
         </mc:Fallback>
       </mc:AlternateContent>
-      <mc:AlternateContent xmlns:mc="http://schemas.openxmlformats.org/markup-compatibility/2006">
-        <mc:Choice xmlns:a14="http://schemas.microsoft.com/office/drawing/2010/main" Requires="a14">
+      <mc:AlternateContent xmlns:mc="http://schemas.openxmlformats.org/markup-compatibility/2006" xmlns:a14="http://schemas.microsoft.com/office/drawing/2010/main">
+        <mc:Choice Requires="a14">
           <p:sp>
             <p:nvSpPr>
               <p:cNvPr id="108" name="文本框 107"/>
@@ -6503,7 +6509,7 @@
             </p:txBody>
           </p:sp>
         </mc:Choice>
-        <mc:Fallback>
+        <mc:Fallback xmlns="">
           <p:sp>
             <p:nvSpPr>
               <p:cNvPr id="108" name="文本框 107"/>
@@ -9606,8 +9612,8 @@
           </a:p>
         </p:txBody>
       </p:sp>
-      <mc:AlternateContent xmlns:mc="http://schemas.openxmlformats.org/markup-compatibility/2006">
-        <mc:Choice xmlns:a14="http://schemas.microsoft.com/office/drawing/2010/main" Requires="a14">
+      <mc:AlternateContent xmlns:mc="http://schemas.openxmlformats.org/markup-compatibility/2006" xmlns:a14="http://schemas.microsoft.com/office/drawing/2010/main">
+        <mc:Choice Requires="a14">
           <p:sp>
             <p:nvSpPr>
               <p:cNvPr id="156" name="文本框 155"/>
@@ -9630,6 +9636,7 @@
               </a:bodyPr>
               <a:lstStyle/>
               <a:p>
+                <a:pPr/>
                 <a14:m>
                   <m:oMathPara xmlns:m="http://schemas.openxmlformats.org/officeDocument/2006/math">
                     <m:oMathParaPr>
@@ -9663,13 +9670,7 @@
                             <a:rPr lang="en-US" altLang="zh-CN" b="0" i="1" smtClean="0">
                               <a:latin typeface="Cambria Math" panose="02040503050406030204" pitchFamily="18" charset="0"/>
                             </a:rPr>
-                            <m:t>14</m:t>
-                          </m:r>
-                          <m:r>
-                            <a:rPr lang="en-US" altLang="zh-CN" b="0" i="1" smtClean="0">
-                              <a:latin typeface="Cambria Math" panose="02040503050406030204" pitchFamily="18" charset="0"/>
-                            </a:rPr>
-                            <m:t> </m:t>
+                            <m:t>14 </m:t>
                           </m:r>
                         </m:sub>
                       </m:sSub>
@@ -9681,7 +9682,7 @@
             </p:txBody>
           </p:sp>
         </mc:Choice>
-        <mc:Fallback>
+        <mc:Fallback xmlns="">
           <p:sp>
             <p:nvSpPr>
               <p:cNvPr id="156" name="文本框 155"/>
@@ -9784,8 +9785,8 @@
           </a:p>
         </p:txBody>
       </p:sp>
-      <mc:AlternateContent xmlns:mc="http://schemas.openxmlformats.org/markup-compatibility/2006">
-        <mc:Choice xmlns:a14="http://schemas.microsoft.com/office/drawing/2010/main" Requires="a14">
+      <mc:AlternateContent xmlns:mc="http://schemas.openxmlformats.org/markup-compatibility/2006" xmlns:a14="http://schemas.microsoft.com/office/drawing/2010/main">
+        <mc:Choice Requires="a14">
           <p:sp>
             <p:nvSpPr>
               <p:cNvPr id="159" name="文本框 158"/>
@@ -9808,6 +9809,7 @@
               </a:bodyPr>
               <a:lstStyle/>
               <a:p>
+                <a:pPr/>
                 <a14:m>
                   <m:oMathPara xmlns:m="http://schemas.openxmlformats.org/officeDocument/2006/math">
                     <m:oMathParaPr>
@@ -9841,13 +9843,7 @@
                             <a:rPr lang="en-US" altLang="zh-CN" b="0" i="1" smtClean="0">
                               <a:latin typeface="Cambria Math" panose="02040503050406030204" pitchFamily="18" charset="0"/>
                             </a:rPr>
-                            <m:t>12</m:t>
-                          </m:r>
-                          <m:r>
-                            <a:rPr lang="en-US" altLang="zh-CN" b="0" i="1" smtClean="0">
-                              <a:latin typeface="Cambria Math" panose="02040503050406030204" pitchFamily="18" charset="0"/>
-                            </a:rPr>
-                            <m:t> </m:t>
+                            <m:t>12 </m:t>
                           </m:r>
                         </m:sub>
                       </m:sSub>
@@ -9859,7 +9855,7 @@
             </p:txBody>
           </p:sp>
         </mc:Choice>
-        <mc:Fallback>
+        <mc:Fallback xmlns="">
           <p:sp>
             <p:nvSpPr>
               <p:cNvPr id="159" name="文本框 158"/>
@@ -9937,8 +9933,8 @@
           </a:fontRef>
         </p:style>
       </p:cxnSp>
-      <mc:AlternateContent xmlns:mc="http://schemas.openxmlformats.org/markup-compatibility/2006">
-        <mc:Choice xmlns:a14="http://schemas.microsoft.com/office/drawing/2010/main" Requires="a14">
+      <mc:AlternateContent xmlns:mc="http://schemas.openxmlformats.org/markup-compatibility/2006" xmlns:a14="http://schemas.microsoft.com/office/drawing/2010/main">
+        <mc:Choice Requires="a14">
           <p:sp>
             <p:nvSpPr>
               <p:cNvPr id="163" name="文本框 162"/>
@@ -9961,6 +9957,7 @@
               </a:bodyPr>
               <a:lstStyle/>
               <a:p>
+                <a:pPr/>
                 <a14:m>
                   <m:oMathPara xmlns:m="http://schemas.openxmlformats.org/officeDocument/2006/math">
                     <m:oMathParaPr>
@@ -9994,13 +9991,7 @@
                             <a:rPr lang="en-US" altLang="zh-CN" b="0" i="1" smtClean="0">
                               <a:latin typeface="Cambria Math" panose="02040503050406030204" pitchFamily="18" charset="0"/>
                             </a:rPr>
-                            <m:t>1</m:t>
-                          </m:r>
-                          <m:r>
-                            <a:rPr lang="en-US" altLang="zh-CN" b="0" i="1" smtClean="0">
-                              <a:latin typeface="Cambria Math" panose="02040503050406030204" pitchFamily="18" charset="0"/>
-                            </a:rPr>
-                            <m:t>1 </m:t>
+                            <m:t>11 </m:t>
                           </m:r>
                         </m:sub>
                       </m:sSub>
@@ -10012,7 +10003,7 @@
             </p:txBody>
           </p:sp>
         </mc:Choice>
-        <mc:Fallback>
+        <mc:Fallback xmlns="">
           <p:sp>
             <p:nvSpPr>
               <p:cNvPr id="163" name="文本框 162"/>
@@ -10051,8 +10042,8 @@
           </p:sp>
         </mc:Fallback>
       </mc:AlternateContent>
-      <mc:AlternateContent xmlns:mc="http://schemas.openxmlformats.org/markup-compatibility/2006">
-        <mc:Choice xmlns:a14="http://schemas.microsoft.com/office/drawing/2010/main" Requires="a14">
+      <mc:AlternateContent xmlns:mc="http://schemas.openxmlformats.org/markup-compatibility/2006" xmlns:a14="http://schemas.microsoft.com/office/drawing/2010/main">
+        <mc:Choice Requires="a14">
           <p:sp>
             <p:nvSpPr>
               <p:cNvPr id="164" name="文本框 163"/>
@@ -10075,6 +10066,7 @@
               </a:bodyPr>
               <a:lstStyle/>
               <a:p>
+                <a:pPr/>
                 <a14:m>
                   <m:oMathPara xmlns:m="http://schemas.openxmlformats.org/officeDocument/2006/math">
                     <m:oMathParaPr>
@@ -10108,13 +10100,7 @@
                             <a:rPr lang="en-US" altLang="zh-CN" b="0" i="1" smtClean="0">
                               <a:latin typeface="Cambria Math" panose="02040503050406030204" pitchFamily="18" charset="0"/>
                             </a:rPr>
-                            <m:t>13</m:t>
-                          </m:r>
-                          <m:r>
-                            <a:rPr lang="en-US" altLang="zh-CN" b="0" i="1" smtClean="0">
-                              <a:latin typeface="Cambria Math" panose="02040503050406030204" pitchFamily="18" charset="0"/>
-                            </a:rPr>
-                            <m:t> </m:t>
+                            <m:t>13 </m:t>
                           </m:r>
                         </m:sub>
                       </m:sSub>
@@ -10126,7 +10112,7 @@
             </p:txBody>
           </p:sp>
         </mc:Choice>
-        <mc:Fallback>
+        <mc:Fallback xmlns="">
           <p:sp>
             <p:nvSpPr>
               <p:cNvPr id="164" name="文本框 163"/>
@@ -10329,6 +10315,1006 @@
     <p:extLst>
       <p:ext uri="{BB962C8B-B14F-4D97-AF65-F5344CB8AC3E}">
         <p14:creationId xmlns:p14="http://schemas.microsoft.com/office/powerpoint/2010/main" val="596382862"/>
+      </p:ext>
+    </p:extLst>
+  </p:cSld>
+  <p:clrMapOvr>
+    <a:masterClrMapping/>
+  </p:clrMapOvr>
+</p:sld>
+</file>
+
+<file path=ppt/slides/slide4.xml><?xml version="1.0" encoding="utf-8"?>
+<p:sld xmlns:a="http://schemas.openxmlformats.org/drawingml/2006/main" xmlns:r="http://schemas.openxmlformats.org/officeDocument/2006/relationships" xmlns:p="http://schemas.openxmlformats.org/presentationml/2006/main">
+  <p:cSld>
+    <p:spTree>
+      <p:nvGrpSpPr>
+        <p:cNvPr id="1" name=""/>
+        <p:cNvGrpSpPr/>
+        <p:nvPr/>
+      </p:nvGrpSpPr>
+      <p:grpSpPr>
+        <a:xfrm>
+          <a:off x="0" y="0"/>
+          <a:ext cx="0" cy="0"/>
+          <a:chOff x="0" y="0"/>
+          <a:chExt cx="0" cy="0"/>
+        </a:xfrm>
+      </p:grpSpPr>
+      <p:cxnSp>
+        <p:nvCxnSpPr>
+          <p:cNvPr id="7" name="直接连接符 6"/>
+          <p:cNvCxnSpPr/>
+          <p:nvPr/>
+        </p:nvCxnSpPr>
+        <p:spPr>
+          <a:xfrm>
+            <a:off x="1926336" y="563880"/>
+            <a:ext cx="7580376" cy="0"/>
+          </a:xfrm>
+          <a:prstGeom prst="line">
+            <a:avLst/>
+          </a:prstGeom>
+        </p:spPr>
+        <p:style>
+          <a:lnRef idx="1">
+            <a:schemeClr val="dk1"/>
+          </a:lnRef>
+          <a:fillRef idx="0">
+            <a:schemeClr val="dk1"/>
+          </a:fillRef>
+          <a:effectRef idx="0">
+            <a:schemeClr val="dk1"/>
+          </a:effectRef>
+          <a:fontRef idx="minor">
+            <a:schemeClr val="tx1"/>
+          </a:fontRef>
+        </p:style>
+      </p:cxnSp>
+      <p:sp>
+        <p:nvSpPr>
+          <p:cNvPr id="8" name="文本框 7"/>
+          <p:cNvSpPr txBox="1"/>
+          <p:nvPr/>
+        </p:nvSpPr>
+        <p:spPr>
+          <a:xfrm>
+            <a:off x="2063496" y="600456"/>
+            <a:ext cx="7306056" cy="369332"/>
+          </a:xfrm>
+          <a:prstGeom prst="rect">
+            <a:avLst/>
+          </a:prstGeom>
+          <a:noFill/>
+        </p:spPr>
+        <p:txBody>
+          <a:bodyPr wrap="square" rtlCol="0">
+            <a:spAutoFit/>
+          </a:bodyPr>
+          <a:lstStyle/>
+          <a:p>
+            <a:r>
+              <a:rPr lang="en-US" altLang="zh-CN" spc="300" dirty="0" smtClean="0">
+                <a:latin typeface="+mn-ea"/>
+              </a:rPr>
+              <a:t>1    </a:t>
+            </a:r>
+            <a:r>
+              <a:rPr lang="zh-CN" altLang="en-US" spc="300" dirty="0" smtClean="0">
+                <a:latin typeface="+mn-ea"/>
+              </a:rPr>
+              <a:t>集体</a:t>
+            </a:r>
+            <a:r>
+              <a:rPr lang="en-US" altLang="zh-CN" spc="300" dirty="0" smtClean="0">
+                <a:latin typeface="+mn-ea"/>
+              </a:rPr>
+              <a:t>/</a:t>
+            </a:r>
+            <a:r>
+              <a:rPr lang="zh-CN" altLang="en-US" spc="300" dirty="0" smtClean="0">
+                <a:latin typeface="+mn-ea"/>
+              </a:rPr>
+              <a:t>财产</a:t>
+            </a:r>
+            <a:r>
+              <a:rPr lang="en-US" altLang="zh-CN" spc="300" dirty="0" smtClean="0">
+                <a:latin typeface="+mn-ea"/>
+              </a:rPr>
+              <a:t>/</a:t>
+            </a:r>
+            <a:r>
+              <a:rPr lang="zh-CN" altLang="en-US" spc="300" dirty="0" smtClean="0">
+                <a:latin typeface="+mn-ea"/>
+              </a:rPr>
+              <a:t>所有权</a:t>
+            </a:r>
+            <a:r>
+              <a:rPr lang="en-US" altLang="zh-CN" spc="300" dirty="0" smtClean="0">
+                <a:latin typeface="+mn-ea"/>
+              </a:rPr>
+              <a:t>/</a:t>
+            </a:r>
+            <a:r>
+              <a:rPr lang="zh-CN" altLang="en-US" spc="300" dirty="0" smtClean="0">
+                <a:latin typeface="+mn-ea"/>
+              </a:rPr>
+              <a:t>包含</a:t>
+            </a:r>
+            <a:r>
+              <a:rPr lang="en-US" altLang="zh-CN" spc="300" dirty="0" smtClean="0">
+                <a:latin typeface="+mn-ea"/>
+              </a:rPr>
+              <a:t>/</a:t>
+            </a:r>
+            <a:r>
+              <a:rPr lang="zh-CN" altLang="en-US" spc="300" dirty="0" smtClean="0">
+                <a:latin typeface="+mn-ea"/>
+              </a:rPr>
+              <a:t>哪些</a:t>
+            </a:r>
+            <a:r>
+              <a:rPr lang="en-US" altLang="zh-CN" spc="300" dirty="0" smtClean="0">
+                <a:latin typeface="+mn-ea"/>
+              </a:rPr>
+              <a:t>/</a:t>
+            </a:r>
+            <a:r>
+              <a:rPr lang="zh-CN" altLang="en-US" spc="300" dirty="0" smtClean="0">
+                <a:latin typeface="+mn-ea"/>
+              </a:rPr>
+              <a:t>财产</a:t>
+            </a:r>
+            <a:endParaRPr lang="zh-CN" altLang="en-US" spc="300" dirty="0">
+              <a:latin typeface="+mn-ea"/>
+            </a:endParaRPr>
+          </a:p>
+        </p:txBody>
+      </p:sp>
+      <p:cxnSp>
+        <p:nvCxnSpPr>
+          <p:cNvPr id="9" name="直接连接符 8"/>
+          <p:cNvCxnSpPr/>
+          <p:nvPr/>
+        </p:nvCxnSpPr>
+        <p:spPr>
+          <a:xfrm>
+            <a:off x="1926336" y="993649"/>
+            <a:ext cx="7580376" cy="0"/>
+          </a:xfrm>
+          <a:prstGeom prst="line">
+            <a:avLst/>
+          </a:prstGeom>
+        </p:spPr>
+        <p:style>
+          <a:lnRef idx="1">
+            <a:schemeClr val="dk1"/>
+          </a:lnRef>
+          <a:fillRef idx="0">
+            <a:schemeClr val="dk1"/>
+          </a:fillRef>
+          <a:effectRef idx="0">
+            <a:schemeClr val="dk1"/>
+          </a:effectRef>
+          <a:fontRef idx="minor">
+            <a:schemeClr val="tx1"/>
+          </a:fontRef>
+        </p:style>
+      </p:cxnSp>
+      <p:sp>
+        <p:nvSpPr>
+          <p:cNvPr id="10" name="文本框 9"/>
+          <p:cNvSpPr txBox="1"/>
+          <p:nvPr/>
+        </p:nvSpPr>
+        <p:spPr>
+          <a:xfrm>
+            <a:off x="2063496" y="1030225"/>
+            <a:ext cx="7306056" cy="369332"/>
+          </a:xfrm>
+          <a:prstGeom prst="rect">
+            <a:avLst/>
+          </a:prstGeom>
+          <a:noFill/>
+        </p:spPr>
+        <p:txBody>
+          <a:bodyPr wrap="square" rtlCol="0">
+            <a:spAutoFit/>
+          </a:bodyPr>
+          <a:lstStyle/>
+          <a:p>
+            <a:r>
+              <a:rPr lang="en-US" altLang="zh-CN" spc="300" dirty="0" smtClean="0">
+                <a:latin typeface="+mn-ea"/>
+              </a:rPr>
+              <a:t>2    </a:t>
+            </a:r>
+            <a:r>
+              <a:rPr lang="zh-CN" altLang="en-US" spc="300" dirty="0" smtClean="0">
+                <a:latin typeface="+mn-ea"/>
+              </a:rPr>
+              <a:t>集体</a:t>
+            </a:r>
+            <a:r>
+              <a:rPr lang="en-US" altLang="zh-CN" spc="300" dirty="0" smtClean="0">
+                <a:latin typeface="+mn-ea"/>
+              </a:rPr>
+              <a:t>/</a:t>
+            </a:r>
+            <a:r>
+              <a:rPr lang="zh-CN" altLang="en-US" spc="300" dirty="0" smtClean="0">
+                <a:latin typeface="+mn-ea"/>
+              </a:rPr>
+              <a:t>财产</a:t>
+            </a:r>
+            <a:r>
+              <a:rPr lang="en-US" altLang="zh-CN" spc="300" dirty="0" smtClean="0">
+                <a:latin typeface="+mn-ea"/>
+              </a:rPr>
+              <a:t>/</a:t>
+            </a:r>
+            <a:r>
+              <a:rPr lang="zh-CN" altLang="en-US" spc="300" dirty="0" smtClean="0">
+                <a:latin typeface="+mn-ea"/>
+              </a:rPr>
+              <a:t>所有权</a:t>
+            </a:r>
+            <a:r>
+              <a:rPr lang="en-US" altLang="zh-CN" spc="300" dirty="0" smtClean="0">
+                <a:latin typeface="+mn-ea"/>
+              </a:rPr>
+              <a:t>/</a:t>
+            </a:r>
+            <a:r>
+              <a:rPr lang="zh-CN" altLang="en-US" spc="300" dirty="0" smtClean="0">
+                <a:latin typeface="+mn-ea"/>
+              </a:rPr>
+              <a:t>包含</a:t>
+            </a:r>
+            <a:r>
+              <a:rPr lang="en-US" altLang="zh-CN" spc="300" dirty="0" smtClean="0">
+                <a:latin typeface="+mn-ea"/>
+              </a:rPr>
+              <a:t>/</a:t>
+            </a:r>
+            <a:r>
+              <a:rPr lang="zh-CN" altLang="en-US" spc="300" dirty="0" smtClean="0">
+                <a:latin typeface="+mn-ea"/>
+              </a:rPr>
+              <a:t>哪些</a:t>
+            </a:r>
+            <a:r>
+              <a:rPr lang="en-US" altLang="zh-CN" spc="300" dirty="0" smtClean="0">
+                <a:latin typeface="+mn-ea"/>
+              </a:rPr>
+              <a:t>/</a:t>
+            </a:r>
+            <a:r>
+              <a:rPr lang="zh-CN" altLang="en-US" spc="300" dirty="0" smtClean="0">
+                <a:latin typeface="+mn-ea"/>
+              </a:rPr>
+              <a:t>财产</a:t>
+            </a:r>
+            <a:endParaRPr lang="zh-CN" altLang="en-US" spc="300" dirty="0">
+              <a:latin typeface="+mn-ea"/>
+            </a:endParaRPr>
+          </a:p>
+        </p:txBody>
+      </p:sp>
+      <p:cxnSp>
+        <p:nvCxnSpPr>
+          <p:cNvPr id="11" name="直接连接符 10"/>
+          <p:cNvCxnSpPr/>
+          <p:nvPr/>
+        </p:nvCxnSpPr>
+        <p:spPr>
+          <a:xfrm>
+            <a:off x="1926336" y="1423417"/>
+            <a:ext cx="7580376" cy="0"/>
+          </a:xfrm>
+          <a:prstGeom prst="line">
+            <a:avLst/>
+          </a:prstGeom>
+        </p:spPr>
+        <p:style>
+          <a:lnRef idx="1">
+            <a:schemeClr val="dk1"/>
+          </a:lnRef>
+          <a:fillRef idx="0">
+            <a:schemeClr val="dk1"/>
+          </a:fillRef>
+          <a:effectRef idx="0">
+            <a:schemeClr val="dk1"/>
+          </a:effectRef>
+          <a:fontRef idx="minor">
+            <a:schemeClr val="tx1"/>
+          </a:fontRef>
+        </p:style>
+      </p:cxnSp>
+      <p:sp>
+        <p:nvSpPr>
+          <p:cNvPr id="12" name="文本框 11"/>
+          <p:cNvSpPr txBox="1"/>
+          <p:nvPr/>
+        </p:nvSpPr>
+        <p:spPr>
+          <a:xfrm>
+            <a:off x="2063496" y="1469658"/>
+            <a:ext cx="7306056" cy="369332"/>
+          </a:xfrm>
+          <a:prstGeom prst="rect">
+            <a:avLst/>
+          </a:prstGeom>
+          <a:noFill/>
+        </p:spPr>
+        <p:txBody>
+          <a:bodyPr wrap="square" rtlCol="0">
+            <a:spAutoFit/>
+          </a:bodyPr>
+          <a:lstStyle/>
+          <a:p>
+            <a:r>
+              <a:rPr lang="en-US" altLang="zh-CN" spc="300" dirty="0">
+                <a:latin typeface="+mn-ea"/>
+              </a:rPr>
+              <a:t>3</a:t>
+            </a:r>
+            <a:r>
+              <a:rPr lang="en-US" altLang="zh-CN" spc="300" dirty="0" smtClean="0">
+                <a:latin typeface="+mn-ea"/>
+              </a:rPr>
+              <a:t>    </a:t>
+            </a:r>
+            <a:r>
+              <a:rPr lang="zh-CN" altLang="en-US" spc="300" dirty="0" smtClean="0">
+                <a:latin typeface="+mn-ea"/>
+              </a:rPr>
+              <a:t>集体</a:t>
+            </a:r>
+            <a:r>
+              <a:rPr lang="en-US" altLang="zh-CN" spc="300" dirty="0" smtClean="0">
+                <a:latin typeface="+mn-ea"/>
+              </a:rPr>
+              <a:t>/</a:t>
+            </a:r>
+            <a:r>
+              <a:rPr lang="zh-CN" altLang="en-US" spc="300" dirty="0" smtClean="0">
+                <a:latin typeface="+mn-ea"/>
+              </a:rPr>
+              <a:t>财产</a:t>
+            </a:r>
+            <a:r>
+              <a:rPr lang="en-US" altLang="zh-CN" spc="300" dirty="0" smtClean="0">
+                <a:latin typeface="+mn-ea"/>
+              </a:rPr>
+              <a:t>/</a:t>
+            </a:r>
+            <a:r>
+              <a:rPr lang="zh-CN" altLang="en-US" spc="300" dirty="0" smtClean="0">
+                <a:latin typeface="+mn-ea"/>
+              </a:rPr>
+              <a:t>所有权</a:t>
+            </a:r>
+            <a:r>
+              <a:rPr lang="en-US" altLang="zh-CN" spc="300" dirty="0" smtClean="0">
+                <a:latin typeface="+mn-ea"/>
+              </a:rPr>
+              <a:t>/</a:t>
+            </a:r>
+            <a:r>
+              <a:rPr lang="zh-CN" altLang="en-US" spc="300" dirty="0" smtClean="0">
+                <a:latin typeface="+mn-ea"/>
+              </a:rPr>
+              <a:t>包含</a:t>
+            </a:r>
+            <a:r>
+              <a:rPr lang="en-US" altLang="zh-CN" spc="300" dirty="0" smtClean="0">
+                <a:latin typeface="+mn-ea"/>
+              </a:rPr>
+              <a:t>/</a:t>
+            </a:r>
+            <a:r>
+              <a:rPr lang="zh-CN" altLang="en-US" spc="300" dirty="0" smtClean="0">
+                <a:latin typeface="+mn-ea"/>
+              </a:rPr>
+              <a:t>哪些</a:t>
+            </a:r>
+            <a:r>
+              <a:rPr lang="en-US" altLang="zh-CN" spc="300" dirty="0" smtClean="0">
+                <a:latin typeface="+mn-ea"/>
+              </a:rPr>
+              <a:t>/</a:t>
+            </a:r>
+            <a:r>
+              <a:rPr lang="zh-CN" altLang="en-US" spc="300" dirty="0" smtClean="0">
+                <a:latin typeface="+mn-ea"/>
+              </a:rPr>
+              <a:t>财产</a:t>
+            </a:r>
+            <a:endParaRPr lang="zh-CN" altLang="en-US" spc="300" dirty="0">
+              <a:latin typeface="+mn-ea"/>
+            </a:endParaRPr>
+          </a:p>
+        </p:txBody>
+      </p:sp>
+      <p:cxnSp>
+        <p:nvCxnSpPr>
+          <p:cNvPr id="13" name="直接连接符 12"/>
+          <p:cNvCxnSpPr/>
+          <p:nvPr/>
+        </p:nvCxnSpPr>
+        <p:spPr>
+          <a:xfrm>
+            <a:off x="1917192" y="2737100"/>
+            <a:ext cx="7580376" cy="0"/>
+          </a:xfrm>
+          <a:prstGeom prst="line">
+            <a:avLst/>
+          </a:prstGeom>
+        </p:spPr>
+        <p:style>
+          <a:lnRef idx="1">
+            <a:schemeClr val="dk1"/>
+          </a:lnRef>
+          <a:fillRef idx="0">
+            <a:schemeClr val="dk1"/>
+          </a:fillRef>
+          <a:effectRef idx="0">
+            <a:schemeClr val="dk1"/>
+          </a:effectRef>
+          <a:fontRef idx="minor">
+            <a:schemeClr val="tx1"/>
+          </a:fontRef>
+        </p:style>
+      </p:cxnSp>
+      <p:sp>
+        <p:nvSpPr>
+          <p:cNvPr id="14" name="文本框 13"/>
+          <p:cNvSpPr txBox="1"/>
+          <p:nvPr/>
+        </p:nvSpPr>
+        <p:spPr>
+          <a:xfrm>
+            <a:off x="2063496" y="2779254"/>
+            <a:ext cx="7306056" cy="369332"/>
+          </a:xfrm>
+          <a:prstGeom prst="rect">
+            <a:avLst/>
+          </a:prstGeom>
+          <a:noFill/>
+        </p:spPr>
+        <p:txBody>
+          <a:bodyPr wrap="square" rtlCol="0">
+            <a:spAutoFit/>
+          </a:bodyPr>
+          <a:lstStyle/>
+          <a:p>
+            <a:r>
+              <a:rPr lang="en-US" altLang="zh-CN" spc="300" dirty="0">
+                <a:latin typeface="+mn-ea"/>
+              </a:rPr>
+              <a:t>6</a:t>
+            </a:r>
+            <a:r>
+              <a:rPr lang="en-US" altLang="zh-CN" spc="300" dirty="0" smtClean="0">
+                <a:latin typeface="+mn-ea"/>
+              </a:rPr>
+              <a:t>    </a:t>
+            </a:r>
+            <a:r>
+              <a:rPr lang="zh-CN" altLang="en-US" spc="300" dirty="0" smtClean="0">
+                <a:latin typeface="+mn-ea"/>
+              </a:rPr>
+              <a:t>集体</a:t>
+            </a:r>
+            <a:r>
+              <a:rPr lang="en-US" altLang="zh-CN" spc="300" dirty="0" smtClean="0">
+                <a:latin typeface="+mn-ea"/>
+              </a:rPr>
+              <a:t>/</a:t>
+            </a:r>
+            <a:r>
+              <a:rPr lang="zh-CN" altLang="en-US" spc="300" dirty="0" smtClean="0">
+                <a:latin typeface="+mn-ea"/>
+              </a:rPr>
+              <a:t>财产</a:t>
+            </a:r>
+            <a:r>
+              <a:rPr lang="en-US" altLang="zh-CN" spc="300" dirty="0" smtClean="0">
+                <a:latin typeface="+mn-ea"/>
+              </a:rPr>
+              <a:t>/</a:t>
+            </a:r>
+            <a:r>
+              <a:rPr lang="zh-CN" altLang="en-US" spc="300" dirty="0" smtClean="0">
+                <a:latin typeface="+mn-ea"/>
+              </a:rPr>
+              <a:t>所有权</a:t>
+            </a:r>
+            <a:r>
+              <a:rPr lang="en-US" altLang="zh-CN" spc="300" dirty="0" smtClean="0">
+                <a:latin typeface="+mn-ea"/>
+              </a:rPr>
+              <a:t>/</a:t>
+            </a:r>
+            <a:r>
+              <a:rPr lang="zh-CN" altLang="en-US" spc="300" dirty="0" smtClean="0">
+                <a:latin typeface="+mn-ea"/>
+              </a:rPr>
+              <a:t>包含</a:t>
+            </a:r>
+            <a:r>
+              <a:rPr lang="en-US" altLang="zh-CN" spc="300" dirty="0" smtClean="0">
+                <a:latin typeface="+mn-ea"/>
+              </a:rPr>
+              <a:t>/</a:t>
+            </a:r>
+            <a:r>
+              <a:rPr lang="zh-CN" altLang="en-US" spc="300" dirty="0" smtClean="0">
+                <a:latin typeface="+mn-ea"/>
+              </a:rPr>
+              <a:t>哪些</a:t>
+            </a:r>
+            <a:r>
+              <a:rPr lang="en-US" altLang="zh-CN" spc="300" dirty="0" smtClean="0">
+                <a:latin typeface="+mn-ea"/>
+              </a:rPr>
+              <a:t>/</a:t>
+            </a:r>
+            <a:r>
+              <a:rPr lang="zh-CN" altLang="en-US" spc="300" dirty="0" smtClean="0">
+                <a:latin typeface="+mn-ea"/>
+              </a:rPr>
+              <a:t>财产</a:t>
+            </a:r>
+            <a:endParaRPr lang="zh-CN" altLang="en-US" spc="300" dirty="0">
+              <a:latin typeface="+mn-ea"/>
+            </a:endParaRPr>
+          </a:p>
+        </p:txBody>
+      </p:sp>
+      <p:cxnSp>
+        <p:nvCxnSpPr>
+          <p:cNvPr id="15" name="直接连接符 14"/>
+          <p:cNvCxnSpPr/>
+          <p:nvPr/>
+        </p:nvCxnSpPr>
+        <p:spPr>
+          <a:xfrm>
+            <a:off x="1926336" y="2325623"/>
+            <a:ext cx="7580376" cy="0"/>
+          </a:xfrm>
+          <a:prstGeom prst="line">
+            <a:avLst/>
+          </a:prstGeom>
+        </p:spPr>
+        <p:style>
+          <a:lnRef idx="1">
+            <a:schemeClr val="dk1"/>
+          </a:lnRef>
+          <a:fillRef idx="0">
+            <a:schemeClr val="dk1"/>
+          </a:fillRef>
+          <a:effectRef idx="0">
+            <a:schemeClr val="dk1"/>
+          </a:effectRef>
+          <a:fontRef idx="minor">
+            <a:schemeClr val="tx1"/>
+          </a:fontRef>
+        </p:style>
+      </p:cxnSp>
+      <p:sp>
+        <p:nvSpPr>
+          <p:cNvPr id="16" name="文本框 15"/>
+          <p:cNvSpPr txBox="1"/>
+          <p:nvPr/>
+        </p:nvSpPr>
+        <p:spPr>
+          <a:xfrm>
+            <a:off x="2063496" y="2367768"/>
+            <a:ext cx="7306056" cy="369332"/>
+          </a:xfrm>
+          <a:prstGeom prst="rect">
+            <a:avLst/>
+          </a:prstGeom>
+          <a:noFill/>
+        </p:spPr>
+        <p:txBody>
+          <a:bodyPr wrap="square" rtlCol="0">
+            <a:spAutoFit/>
+          </a:bodyPr>
+          <a:lstStyle/>
+          <a:p>
+            <a:r>
+              <a:rPr lang="en-US" altLang="zh-CN" spc="300" dirty="0">
+                <a:latin typeface="+mn-ea"/>
+              </a:rPr>
+              <a:t>5</a:t>
+            </a:r>
+            <a:r>
+              <a:rPr lang="en-US" altLang="zh-CN" spc="300" dirty="0" smtClean="0">
+                <a:latin typeface="+mn-ea"/>
+              </a:rPr>
+              <a:t>    </a:t>
+            </a:r>
+            <a:r>
+              <a:rPr lang="zh-CN" altLang="en-US" spc="300" dirty="0" smtClean="0">
+                <a:latin typeface="+mn-ea"/>
+              </a:rPr>
+              <a:t>集体</a:t>
+            </a:r>
+            <a:r>
+              <a:rPr lang="en-US" altLang="zh-CN" spc="300" dirty="0" smtClean="0">
+                <a:latin typeface="+mn-ea"/>
+              </a:rPr>
+              <a:t>/</a:t>
+            </a:r>
+            <a:r>
+              <a:rPr lang="zh-CN" altLang="en-US" spc="300" dirty="0" smtClean="0">
+                <a:latin typeface="+mn-ea"/>
+              </a:rPr>
+              <a:t>财产</a:t>
+            </a:r>
+            <a:r>
+              <a:rPr lang="en-US" altLang="zh-CN" spc="300" dirty="0" smtClean="0">
+                <a:latin typeface="+mn-ea"/>
+              </a:rPr>
+              <a:t>/</a:t>
+            </a:r>
+            <a:r>
+              <a:rPr lang="zh-CN" altLang="en-US" spc="300" dirty="0" smtClean="0">
+                <a:latin typeface="+mn-ea"/>
+              </a:rPr>
+              <a:t>所有权</a:t>
+            </a:r>
+            <a:r>
+              <a:rPr lang="en-US" altLang="zh-CN" spc="300" dirty="0" smtClean="0">
+                <a:latin typeface="+mn-ea"/>
+              </a:rPr>
+              <a:t>/</a:t>
+            </a:r>
+            <a:r>
+              <a:rPr lang="zh-CN" altLang="en-US" spc="300" dirty="0" smtClean="0">
+                <a:latin typeface="+mn-ea"/>
+              </a:rPr>
+              <a:t>包含</a:t>
+            </a:r>
+            <a:r>
+              <a:rPr lang="en-US" altLang="zh-CN" spc="300" dirty="0" smtClean="0">
+                <a:latin typeface="+mn-ea"/>
+              </a:rPr>
+              <a:t>/</a:t>
+            </a:r>
+            <a:r>
+              <a:rPr lang="zh-CN" altLang="en-US" spc="300" dirty="0" smtClean="0">
+                <a:latin typeface="+mn-ea"/>
+              </a:rPr>
+              <a:t>哪些</a:t>
+            </a:r>
+            <a:r>
+              <a:rPr lang="en-US" altLang="zh-CN" spc="300" dirty="0" smtClean="0">
+                <a:latin typeface="+mn-ea"/>
+              </a:rPr>
+              <a:t>/</a:t>
+            </a:r>
+            <a:r>
+              <a:rPr lang="zh-CN" altLang="en-US" spc="300" dirty="0" smtClean="0">
+                <a:latin typeface="+mn-ea"/>
+              </a:rPr>
+              <a:t>财产</a:t>
+            </a:r>
+            <a:endParaRPr lang="zh-CN" altLang="en-US" spc="300" dirty="0">
+              <a:latin typeface="+mn-ea"/>
+            </a:endParaRPr>
+          </a:p>
+        </p:txBody>
+      </p:sp>
+      <p:cxnSp>
+        <p:nvCxnSpPr>
+          <p:cNvPr id="17" name="直接连接符 16"/>
+          <p:cNvCxnSpPr/>
+          <p:nvPr/>
+        </p:nvCxnSpPr>
+        <p:spPr>
+          <a:xfrm>
+            <a:off x="1962912" y="3593589"/>
+            <a:ext cx="7580376" cy="0"/>
+          </a:xfrm>
+          <a:prstGeom prst="line">
+            <a:avLst/>
+          </a:prstGeom>
+        </p:spPr>
+        <p:style>
+          <a:lnRef idx="1">
+            <a:schemeClr val="dk1"/>
+          </a:lnRef>
+          <a:fillRef idx="0">
+            <a:schemeClr val="dk1"/>
+          </a:fillRef>
+          <a:effectRef idx="0">
+            <a:schemeClr val="dk1"/>
+          </a:effectRef>
+          <a:fontRef idx="minor">
+            <a:schemeClr val="tx1"/>
+          </a:fontRef>
+        </p:style>
+      </p:cxnSp>
+      <p:cxnSp>
+        <p:nvCxnSpPr>
+          <p:cNvPr id="19" name="直接连接符 18"/>
+          <p:cNvCxnSpPr/>
+          <p:nvPr/>
+        </p:nvCxnSpPr>
+        <p:spPr>
+          <a:xfrm>
+            <a:off x="1917192" y="3148586"/>
+            <a:ext cx="7580376" cy="0"/>
+          </a:xfrm>
+          <a:prstGeom prst="line">
+            <a:avLst/>
+          </a:prstGeom>
+        </p:spPr>
+        <p:style>
+          <a:lnRef idx="1">
+            <a:schemeClr val="dk1"/>
+          </a:lnRef>
+          <a:fillRef idx="0">
+            <a:schemeClr val="dk1"/>
+          </a:fillRef>
+          <a:effectRef idx="0">
+            <a:schemeClr val="dk1"/>
+          </a:effectRef>
+          <a:fontRef idx="minor">
+            <a:schemeClr val="tx1"/>
+          </a:fontRef>
+        </p:style>
+      </p:cxnSp>
+      <p:sp>
+        <p:nvSpPr>
+          <p:cNvPr id="20" name="文本框 19"/>
+          <p:cNvSpPr txBox="1"/>
+          <p:nvPr/>
+        </p:nvSpPr>
+        <p:spPr>
+          <a:xfrm>
+            <a:off x="2063496" y="3199873"/>
+            <a:ext cx="7306056" cy="369332"/>
+          </a:xfrm>
+          <a:prstGeom prst="rect">
+            <a:avLst/>
+          </a:prstGeom>
+          <a:noFill/>
+        </p:spPr>
+        <p:txBody>
+          <a:bodyPr wrap="square" rtlCol="0">
+            <a:spAutoFit/>
+          </a:bodyPr>
+          <a:lstStyle/>
+          <a:p>
+            <a:r>
+              <a:rPr lang="en-US" altLang="zh-CN" spc="300" dirty="0">
+                <a:latin typeface="+mn-ea"/>
+              </a:rPr>
+              <a:t>7</a:t>
+            </a:r>
+            <a:r>
+              <a:rPr lang="en-US" altLang="zh-CN" spc="300" dirty="0" smtClean="0">
+                <a:latin typeface="+mn-ea"/>
+              </a:rPr>
+              <a:t>    </a:t>
+            </a:r>
+            <a:r>
+              <a:rPr lang="zh-CN" altLang="en-US" spc="300" dirty="0" smtClean="0">
+                <a:latin typeface="+mn-ea"/>
+              </a:rPr>
+              <a:t>集体</a:t>
+            </a:r>
+            <a:r>
+              <a:rPr lang="en-US" altLang="zh-CN" spc="300" dirty="0" smtClean="0">
+                <a:latin typeface="+mn-ea"/>
+              </a:rPr>
+              <a:t>/</a:t>
+            </a:r>
+            <a:r>
+              <a:rPr lang="zh-CN" altLang="en-US" spc="300" dirty="0" smtClean="0">
+                <a:latin typeface="+mn-ea"/>
+              </a:rPr>
+              <a:t>财产</a:t>
+            </a:r>
+            <a:r>
+              <a:rPr lang="en-US" altLang="zh-CN" spc="300" dirty="0" smtClean="0">
+                <a:latin typeface="+mn-ea"/>
+              </a:rPr>
+              <a:t>/</a:t>
+            </a:r>
+            <a:r>
+              <a:rPr lang="zh-CN" altLang="en-US" spc="300" dirty="0" smtClean="0">
+                <a:latin typeface="+mn-ea"/>
+              </a:rPr>
+              <a:t>所有权</a:t>
+            </a:r>
+            <a:r>
+              <a:rPr lang="en-US" altLang="zh-CN" spc="300" dirty="0" smtClean="0">
+                <a:latin typeface="+mn-ea"/>
+              </a:rPr>
+              <a:t>/</a:t>
+            </a:r>
+            <a:r>
+              <a:rPr lang="zh-CN" altLang="en-US" spc="300" dirty="0" smtClean="0">
+                <a:latin typeface="+mn-ea"/>
+              </a:rPr>
+              <a:t>包含</a:t>
+            </a:r>
+            <a:r>
+              <a:rPr lang="en-US" altLang="zh-CN" spc="300" dirty="0" smtClean="0">
+                <a:latin typeface="+mn-ea"/>
+              </a:rPr>
+              <a:t>/</a:t>
+            </a:r>
+            <a:r>
+              <a:rPr lang="zh-CN" altLang="en-US" spc="300" dirty="0" smtClean="0">
+                <a:latin typeface="+mn-ea"/>
+              </a:rPr>
+              <a:t>哪些</a:t>
+            </a:r>
+            <a:r>
+              <a:rPr lang="en-US" altLang="zh-CN" spc="300" dirty="0" smtClean="0">
+                <a:latin typeface="+mn-ea"/>
+              </a:rPr>
+              <a:t>/</a:t>
+            </a:r>
+            <a:r>
+              <a:rPr lang="zh-CN" altLang="en-US" spc="300" dirty="0" smtClean="0">
+                <a:latin typeface="+mn-ea"/>
+              </a:rPr>
+              <a:t>财产</a:t>
+            </a:r>
+            <a:endParaRPr lang="zh-CN" altLang="en-US" spc="300" dirty="0">
+              <a:latin typeface="+mn-ea"/>
+            </a:endParaRPr>
+          </a:p>
+        </p:txBody>
+      </p:sp>
+      <p:cxnSp>
+        <p:nvCxnSpPr>
+          <p:cNvPr id="21" name="直接连接符 20"/>
+          <p:cNvCxnSpPr/>
+          <p:nvPr/>
+        </p:nvCxnSpPr>
+        <p:spPr>
+          <a:xfrm>
+            <a:off x="1917192" y="1862850"/>
+            <a:ext cx="7580376" cy="0"/>
+          </a:xfrm>
+          <a:prstGeom prst="line">
+            <a:avLst/>
+          </a:prstGeom>
+        </p:spPr>
+        <p:style>
+          <a:lnRef idx="1">
+            <a:schemeClr val="dk1"/>
+          </a:lnRef>
+          <a:fillRef idx="0">
+            <a:schemeClr val="dk1"/>
+          </a:fillRef>
+          <a:effectRef idx="0">
+            <a:schemeClr val="dk1"/>
+          </a:effectRef>
+          <a:fontRef idx="minor">
+            <a:schemeClr val="tx1"/>
+          </a:fontRef>
+        </p:style>
+      </p:cxnSp>
+      <p:sp>
+        <p:nvSpPr>
+          <p:cNvPr id="22" name="文本框 21"/>
+          <p:cNvSpPr txBox="1"/>
+          <p:nvPr/>
+        </p:nvSpPr>
+        <p:spPr>
+          <a:xfrm>
+            <a:off x="2063496" y="1914142"/>
+            <a:ext cx="7306056" cy="369332"/>
+          </a:xfrm>
+          <a:prstGeom prst="rect">
+            <a:avLst/>
+          </a:prstGeom>
+          <a:noFill/>
+        </p:spPr>
+        <p:txBody>
+          <a:bodyPr wrap="square" rtlCol="0">
+            <a:spAutoFit/>
+          </a:bodyPr>
+          <a:lstStyle/>
+          <a:p>
+            <a:r>
+              <a:rPr lang="en-US" altLang="zh-CN" spc="300" dirty="0">
+                <a:latin typeface="+mn-ea"/>
+              </a:rPr>
+              <a:t>4</a:t>
+            </a:r>
+            <a:r>
+              <a:rPr lang="en-US" altLang="zh-CN" spc="300" dirty="0" smtClean="0">
+                <a:latin typeface="+mn-ea"/>
+              </a:rPr>
+              <a:t>    </a:t>
+            </a:r>
+            <a:r>
+              <a:rPr lang="zh-CN" altLang="en-US" spc="300" dirty="0" smtClean="0">
+                <a:latin typeface="+mn-ea"/>
+              </a:rPr>
+              <a:t>集体</a:t>
+            </a:r>
+            <a:r>
+              <a:rPr lang="en-US" altLang="zh-CN" spc="300" dirty="0" smtClean="0">
+                <a:latin typeface="+mn-ea"/>
+              </a:rPr>
+              <a:t>/</a:t>
+            </a:r>
+            <a:r>
+              <a:rPr lang="zh-CN" altLang="en-US" spc="300" dirty="0" smtClean="0">
+                <a:latin typeface="+mn-ea"/>
+              </a:rPr>
+              <a:t>财产</a:t>
+            </a:r>
+            <a:r>
+              <a:rPr lang="en-US" altLang="zh-CN" spc="300" dirty="0" smtClean="0">
+                <a:latin typeface="+mn-ea"/>
+              </a:rPr>
+              <a:t>/</a:t>
+            </a:r>
+            <a:r>
+              <a:rPr lang="zh-CN" altLang="en-US" spc="300" dirty="0" smtClean="0">
+                <a:latin typeface="+mn-ea"/>
+              </a:rPr>
+              <a:t>所有权</a:t>
+            </a:r>
+            <a:r>
+              <a:rPr lang="en-US" altLang="zh-CN" spc="300" dirty="0" smtClean="0">
+                <a:latin typeface="+mn-ea"/>
+              </a:rPr>
+              <a:t>/</a:t>
+            </a:r>
+            <a:r>
+              <a:rPr lang="zh-CN" altLang="en-US" spc="300" dirty="0" smtClean="0">
+                <a:latin typeface="+mn-ea"/>
+              </a:rPr>
+              <a:t>包含</a:t>
+            </a:r>
+            <a:r>
+              <a:rPr lang="en-US" altLang="zh-CN" spc="300" dirty="0" smtClean="0">
+                <a:latin typeface="+mn-ea"/>
+              </a:rPr>
+              <a:t>/</a:t>
+            </a:r>
+            <a:r>
+              <a:rPr lang="zh-CN" altLang="en-US" spc="300" dirty="0" smtClean="0">
+                <a:latin typeface="+mn-ea"/>
+              </a:rPr>
+              <a:t>哪些</a:t>
+            </a:r>
+            <a:r>
+              <a:rPr lang="en-US" altLang="zh-CN" spc="300" dirty="0" smtClean="0">
+                <a:latin typeface="+mn-ea"/>
+              </a:rPr>
+              <a:t>/</a:t>
+            </a:r>
+            <a:r>
+              <a:rPr lang="zh-CN" altLang="en-US" spc="300" dirty="0" smtClean="0">
+                <a:latin typeface="+mn-ea"/>
+              </a:rPr>
+              <a:t>财产</a:t>
+            </a:r>
+            <a:endParaRPr lang="zh-CN" altLang="en-US" spc="300" dirty="0">
+              <a:latin typeface="+mn-ea"/>
+            </a:endParaRPr>
+          </a:p>
+        </p:txBody>
+      </p:sp>
+    </p:spTree>
+    <p:extLst>
+      <p:ext uri="{BB962C8B-B14F-4D97-AF65-F5344CB8AC3E}">
+        <p14:creationId xmlns:p14="http://schemas.microsoft.com/office/powerpoint/2010/main" val="4276976850"/>
       </p:ext>
     </p:extLst>
   </p:cSld>

--- a/ljt/论文图片/演示文稿1.pptx
+++ b/ljt/论文图片/演示文稿1.pptx
@@ -9,6 +9,8 @@
     <p:sldId id="257" r:id="rId3"/>
     <p:sldId id="258" r:id="rId4"/>
     <p:sldId id="259" r:id="rId5"/>
+    <p:sldId id="260" r:id="rId6"/>
+    <p:sldId id="261" r:id="rId7"/>
   </p:sldIdLst>
   <p:sldSz cx="12192000" cy="6858000"/>
   <p:notesSz cx="6858000" cy="9144000"/>
@@ -246,7 +248,7 @@
           <a:p>
             <a:fld id="{332E0D3E-4042-4FF4-85E1-1EC738BD2D9E}" type="datetimeFigureOut">
               <a:rPr lang="zh-CN" altLang="en-US" smtClean="0"/>
-              <a:t>2019/5/17</a:t>
+              <a:t>2019/5/25</a:t>
             </a:fld>
             <a:endParaRPr lang="zh-CN" altLang="en-US"/>
           </a:p>
@@ -416,7 +418,7 @@
           <a:p>
             <a:fld id="{332E0D3E-4042-4FF4-85E1-1EC738BD2D9E}" type="datetimeFigureOut">
               <a:rPr lang="zh-CN" altLang="en-US" smtClean="0"/>
-              <a:t>2019/5/17</a:t>
+              <a:t>2019/5/25</a:t>
             </a:fld>
             <a:endParaRPr lang="zh-CN" altLang="en-US"/>
           </a:p>
@@ -596,7 +598,7 @@
           <a:p>
             <a:fld id="{332E0D3E-4042-4FF4-85E1-1EC738BD2D9E}" type="datetimeFigureOut">
               <a:rPr lang="zh-CN" altLang="en-US" smtClean="0"/>
-              <a:t>2019/5/17</a:t>
+              <a:t>2019/5/25</a:t>
             </a:fld>
             <a:endParaRPr lang="zh-CN" altLang="en-US"/>
           </a:p>
@@ -766,7 +768,7 @@
           <a:p>
             <a:fld id="{332E0D3E-4042-4FF4-85E1-1EC738BD2D9E}" type="datetimeFigureOut">
               <a:rPr lang="zh-CN" altLang="en-US" smtClean="0"/>
-              <a:t>2019/5/17</a:t>
+              <a:t>2019/5/25</a:t>
             </a:fld>
             <a:endParaRPr lang="zh-CN" altLang="en-US"/>
           </a:p>
@@ -1012,7 +1014,7 @@
           <a:p>
             <a:fld id="{332E0D3E-4042-4FF4-85E1-1EC738BD2D9E}" type="datetimeFigureOut">
               <a:rPr lang="zh-CN" altLang="en-US" smtClean="0"/>
-              <a:t>2019/5/17</a:t>
+              <a:t>2019/5/25</a:t>
             </a:fld>
             <a:endParaRPr lang="zh-CN" altLang="en-US"/>
           </a:p>
@@ -1244,7 +1246,7 @@
           <a:p>
             <a:fld id="{332E0D3E-4042-4FF4-85E1-1EC738BD2D9E}" type="datetimeFigureOut">
               <a:rPr lang="zh-CN" altLang="en-US" smtClean="0"/>
-              <a:t>2019/5/17</a:t>
+              <a:t>2019/5/25</a:t>
             </a:fld>
             <a:endParaRPr lang="zh-CN" altLang="en-US"/>
           </a:p>
@@ -1611,7 +1613,7 @@
           <a:p>
             <a:fld id="{332E0D3E-4042-4FF4-85E1-1EC738BD2D9E}" type="datetimeFigureOut">
               <a:rPr lang="zh-CN" altLang="en-US" smtClean="0"/>
-              <a:t>2019/5/17</a:t>
+              <a:t>2019/5/25</a:t>
             </a:fld>
             <a:endParaRPr lang="zh-CN" altLang="en-US"/>
           </a:p>
@@ -1729,7 +1731,7 @@
           <a:p>
             <a:fld id="{332E0D3E-4042-4FF4-85E1-1EC738BD2D9E}" type="datetimeFigureOut">
               <a:rPr lang="zh-CN" altLang="en-US" smtClean="0"/>
-              <a:t>2019/5/17</a:t>
+              <a:t>2019/5/25</a:t>
             </a:fld>
             <a:endParaRPr lang="zh-CN" altLang="en-US"/>
           </a:p>
@@ -1824,7 +1826,7 @@
           <a:p>
             <a:fld id="{332E0D3E-4042-4FF4-85E1-1EC738BD2D9E}" type="datetimeFigureOut">
               <a:rPr lang="zh-CN" altLang="en-US" smtClean="0"/>
-              <a:t>2019/5/17</a:t>
+              <a:t>2019/5/25</a:t>
             </a:fld>
             <a:endParaRPr lang="zh-CN" altLang="en-US"/>
           </a:p>
@@ -2101,7 +2103,7 @@
           <a:p>
             <a:fld id="{332E0D3E-4042-4FF4-85E1-1EC738BD2D9E}" type="datetimeFigureOut">
               <a:rPr lang="zh-CN" altLang="en-US" smtClean="0"/>
-              <a:t>2019/5/17</a:t>
+              <a:t>2019/5/25</a:t>
             </a:fld>
             <a:endParaRPr lang="zh-CN" altLang="en-US"/>
           </a:p>
@@ -2354,7 +2356,7 @@
           <a:p>
             <a:fld id="{332E0D3E-4042-4FF4-85E1-1EC738BD2D9E}" type="datetimeFigureOut">
               <a:rPr lang="zh-CN" altLang="en-US" smtClean="0"/>
-              <a:t>2019/5/17</a:t>
+              <a:t>2019/5/25</a:t>
             </a:fld>
             <a:endParaRPr lang="zh-CN" altLang="en-US"/>
           </a:p>
@@ -2567,7 +2569,7 @@
           <a:p>
             <a:fld id="{332E0D3E-4042-4FF4-85E1-1EC738BD2D9E}" type="datetimeFigureOut">
               <a:rPr lang="zh-CN" altLang="en-US" smtClean="0"/>
-              <a:t>2019/5/17</a:t>
+              <a:t>2019/5/25</a:t>
             </a:fld>
             <a:endParaRPr lang="zh-CN" altLang="en-US"/>
           </a:p>
@@ -3110,10 +3112,10 @@
           <a:lstStyle/>
           <a:p>
             <a:r>
-              <a:rPr lang="en-US" altLang="zh-CN" dirty="0" smtClean="0"/>
+              <a:rPr lang="en-US" altLang="zh-CN" smtClean="0"/>
               <a:t>h1</a:t>
             </a:r>
-            <a:endParaRPr lang="zh-CN" altLang="en-US" dirty="0"/>
+            <a:endParaRPr lang="zh-CN" altLang="en-US"/>
           </a:p>
         </p:txBody>
       </p:sp>
@@ -3485,10 +3487,10 @@
           <a:lstStyle/>
           <a:p>
             <a:r>
-              <a:rPr lang="en-US" altLang="zh-CN" dirty="0" smtClean="0"/>
+              <a:rPr lang="en-US" altLang="zh-CN" smtClean="0"/>
               <a:t>h2</a:t>
             </a:r>
-            <a:endParaRPr lang="zh-CN" altLang="en-US" dirty="0"/>
+            <a:endParaRPr lang="zh-CN" altLang="en-US"/>
           </a:p>
         </p:txBody>
       </p:sp>
@@ -3515,10 +3517,10 @@
           <a:lstStyle/>
           <a:p>
             <a:r>
-              <a:rPr lang="en-US" altLang="zh-CN" dirty="0" smtClean="0"/>
+              <a:rPr lang="en-US" altLang="zh-CN" smtClean="0"/>
               <a:t>h4</a:t>
             </a:r>
-            <a:endParaRPr lang="zh-CN" altLang="en-US" dirty="0"/>
+            <a:endParaRPr lang="zh-CN" altLang="en-US"/>
           </a:p>
         </p:txBody>
       </p:sp>
@@ -3545,10 +3547,10 @@
           <a:lstStyle/>
           <a:p>
             <a:r>
-              <a:rPr lang="en-US" altLang="zh-CN" dirty="0" smtClean="0"/>
+              <a:rPr lang="en-US" altLang="zh-CN" smtClean="0"/>
               <a:t>h3</a:t>
             </a:r>
-            <a:endParaRPr lang="zh-CN" altLang="en-US" dirty="0"/>
+            <a:endParaRPr lang="zh-CN" altLang="en-US"/>
           </a:p>
         </p:txBody>
       </p:sp>
@@ -3690,14 +3692,14 @@
           <a:lstStyle/>
           <a:p>
             <a:r>
-              <a:rPr lang="en-US" altLang="zh-CN" dirty="0"/>
+              <a:rPr lang="en-US" altLang="zh-CN"/>
               <a:t>c</a:t>
             </a:r>
             <a:r>
-              <a:rPr lang="en-US" altLang="zh-CN" dirty="0" smtClean="0"/>
+              <a:rPr lang="en-US" altLang="zh-CN" smtClean="0"/>
               <a:t>1</a:t>
             </a:r>
-            <a:endParaRPr lang="zh-CN" altLang="en-US" dirty="0"/>
+            <a:endParaRPr lang="zh-CN" altLang="en-US"/>
           </a:p>
         </p:txBody>
       </p:sp>
@@ -3726,7 +3728,7 @@
               <a:lstStyle/>
               <a:p>
                 <a:r>
-                  <a:rPr lang="en-US" altLang="zh-CN" dirty="0" smtClean="0"/>
+                  <a:rPr lang="en-US" altLang="zh-CN" smtClean="0"/>
                   <a:t>*</a:t>
                 </a:r>
                 <a14:m>
@@ -3786,10 +3788,10 @@
                   </m:oMath>
                 </a14:m>
                 <a:r>
-                  <a:rPr lang="en-US" altLang="zh-CN" dirty="0" smtClean="0"/>
+                  <a:rPr lang="en-US" altLang="zh-CN" smtClean="0"/>
                   <a:t> +</a:t>
                 </a:r>
-                <a:endParaRPr lang="zh-CN" altLang="en-US" dirty="0"/>
+                <a:endParaRPr lang="zh-CN" altLang="en-US"/>
               </a:p>
             </p:txBody>
           </p:sp>
@@ -3858,7 +3860,7 @@
               <a:lstStyle/>
               <a:p>
                 <a:r>
-                  <a:rPr lang="en-US" altLang="zh-CN" dirty="0" smtClean="0"/>
+                  <a:rPr lang="en-US" altLang="zh-CN" smtClean="0"/>
                   <a:t>*</a:t>
                 </a:r>
                 <a14:m>
@@ -3909,10 +3911,10 @@
                   </m:oMath>
                 </a14:m>
                 <a:r>
-                  <a:rPr lang="en-US" altLang="zh-CN" dirty="0" smtClean="0"/>
+                  <a:rPr lang="en-US" altLang="zh-CN" smtClean="0"/>
                   <a:t> +</a:t>
                 </a:r>
-                <a:endParaRPr lang="zh-CN" altLang="en-US" dirty="0"/>
+                <a:endParaRPr lang="zh-CN" altLang="en-US"/>
               </a:p>
             </p:txBody>
           </p:sp>
@@ -3981,7 +3983,7 @@
               <a:lstStyle/>
               <a:p>
                 <a:r>
-                  <a:rPr lang="en-US" altLang="zh-CN" dirty="0" smtClean="0"/>
+                  <a:rPr lang="en-US" altLang="zh-CN" smtClean="0"/>
                   <a:t>*</a:t>
                 </a:r>
                 <a14:m>
@@ -4020,10 +4022,10 @@
                   </m:oMath>
                 </a14:m>
                 <a:r>
-                  <a:rPr lang="en-US" altLang="zh-CN" dirty="0" smtClean="0"/>
+                  <a:rPr lang="en-US" altLang="zh-CN" smtClean="0"/>
                   <a:t> +</a:t>
                 </a:r>
-                <a:endParaRPr lang="zh-CN" altLang="en-US" dirty="0"/>
+                <a:endParaRPr lang="zh-CN" altLang="en-US"/>
               </a:p>
             </p:txBody>
           </p:sp>
@@ -4092,7 +4094,7 @@
               <a:lstStyle/>
               <a:p>
                 <a:r>
-                  <a:rPr lang="en-US" altLang="zh-CN" dirty="0" smtClean="0"/>
+                  <a:rPr lang="en-US" altLang="zh-CN" smtClean="0"/>
                   <a:t>*</a:t>
                 </a:r>
                 <a14:m>
@@ -4131,10 +4133,10 @@
                   </m:oMath>
                 </a14:m>
                 <a:r>
-                  <a:rPr lang="en-US" altLang="zh-CN" dirty="0" smtClean="0"/>
+                  <a:rPr lang="en-US" altLang="zh-CN" smtClean="0"/>
                   <a:t> =</a:t>
                 </a:r>
-                <a:endParaRPr lang="zh-CN" altLang="en-US" dirty="0"/>
+                <a:endParaRPr lang="zh-CN" altLang="en-US"/>
               </a:p>
             </p:txBody>
           </p:sp>
@@ -4316,10 +4318,10 @@
           <a:lstStyle/>
           <a:p>
             <a:r>
-              <a:rPr lang="en-US" altLang="zh-CN" dirty="0" smtClean="0"/>
+              <a:rPr lang="en-US" altLang="zh-CN" smtClean="0"/>
               <a:t>h1</a:t>
             </a:r>
-            <a:endParaRPr lang="zh-CN" altLang="en-US" dirty="0"/>
+            <a:endParaRPr lang="zh-CN" altLang="en-US"/>
           </a:p>
         </p:txBody>
       </p:sp>
@@ -4691,10 +4693,10 @@
           <a:lstStyle/>
           <a:p>
             <a:r>
-              <a:rPr lang="en-US" altLang="zh-CN" dirty="0" smtClean="0"/>
+              <a:rPr lang="en-US" altLang="zh-CN" smtClean="0"/>
               <a:t>h2</a:t>
             </a:r>
-            <a:endParaRPr lang="zh-CN" altLang="en-US" dirty="0"/>
+            <a:endParaRPr lang="zh-CN" altLang="en-US"/>
           </a:p>
         </p:txBody>
       </p:sp>
@@ -4721,10 +4723,10 @@
           <a:lstStyle/>
           <a:p>
             <a:r>
-              <a:rPr lang="en-US" altLang="zh-CN" dirty="0" smtClean="0"/>
+              <a:rPr lang="en-US" altLang="zh-CN" smtClean="0"/>
               <a:t>h4</a:t>
             </a:r>
-            <a:endParaRPr lang="zh-CN" altLang="en-US" dirty="0"/>
+            <a:endParaRPr lang="zh-CN" altLang="en-US"/>
           </a:p>
         </p:txBody>
       </p:sp>
@@ -4751,10 +4753,10 @@
           <a:lstStyle/>
           <a:p>
             <a:r>
-              <a:rPr lang="en-US" altLang="zh-CN" dirty="0" smtClean="0"/>
+              <a:rPr lang="en-US" altLang="zh-CN" smtClean="0"/>
               <a:t>h3</a:t>
             </a:r>
-            <a:endParaRPr lang="zh-CN" altLang="en-US" dirty="0"/>
+            <a:endParaRPr lang="zh-CN" altLang="en-US"/>
           </a:p>
         </p:txBody>
       </p:sp>
@@ -4896,14 +4898,14 @@
           <a:lstStyle/>
           <a:p>
             <a:r>
-              <a:rPr lang="en-US" altLang="zh-CN" dirty="0" smtClean="0"/>
+              <a:rPr lang="en-US" altLang="zh-CN" smtClean="0"/>
               <a:t>c</a:t>
             </a:r>
             <a:r>
-              <a:rPr lang="en-US" altLang="zh-CN" dirty="0"/>
+              <a:rPr lang="en-US" altLang="zh-CN"/>
               <a:t>2</a:t>
             </a:r>
-            <a:endParaRPr lang="zh-CN" altLang="en-US" dirty="0"/>
+            <a:endParaRPr lang="zh-CN" altLang="en-US"/>
           </a:p>
         </p:txBody>
       </p:sp>
@@ -4932,7 +4934,7 @@
               <a:lstStyle/>
               <a:p>
                 <a:r>
-                  <a:rPr lang="en-US" altLang="zh-CN" dirty="0" smtClean="0"/>
+                  <a:rPr lang="en-US" altLang="zh-CN" smtClean="0"/>
                   <a:t>*</a:t>
                 </a:r>
                 <a14:m>
@@ -4971,10 +4973,10 @@
                   </m:oMath>
                 </a14:m>
                 <a:r>
-                  <a:rPr lang="en-US" altLang="zh-CN" dirty="0" smtClean="0"/>
+                  <a:rPr lang="en-US" altLang="zh-CN" smtClean="0"/>
                   <a:t> +</a:t>
                 </a:r>
-                <a:endParaRPr lang="zh-CN" altLang="en-US" dirty="0"/>
+                <a:endParaRPr lang="zh-CN" altLang="en-US"/>
               </a:p>
             </p:txBody>
           </p:sp>
@@ -5043,7 +5045,7 @@
               <a:lstStyle/>
               <a:p>
                 <a:r>
-                  <a:rPr lang="en-US" altLang="zh-CN" dirty="0" smtClean="0"/>
+                  <a:rPr lang="en-US" altLang="zh-CN" smtClean="0"/>
                   <a:t>*</a:t>
                 </a:r>
                 <a14:m>
@@ -5082,10 +5084,10 @@
                   </m:oMath>
                 </a14:m>
                 <a:r>
-                  <a:rPr lang="en-US" altLang="zh-CN" dirty="0" smtClean="0"/>
+                  <a:rPr lang="en-US" altLang="zh-CN" smtClean="0"/>
                   <a:t> +</a:t>
                 </a:r>
-                <a:endParaRPr lang="zh-CN" altLang="en-US" dirty="0"/>
+                <a:endParaRPr lang="zh-CN" altLang="en-US"/>
               </a:p>
             </p:txBody>
           </p:sp>
@@ -5154,7 +5156,7 @@
               <a:lstStyle/>
               <a:p>
                 <a:r>
-                  <a:rPr lang="en-US" altLang="zh-CN" dirty="0" smtClean="0"/>
+                  <a:rPr lang="en-US" altLang="zh-CN" smtClean="0"/>
                   <a:t>*</a:t>
                 </a:r>
                 <a14:m>
@@ -5205,10 +5207,10 @@
                   </m:oMath>
                 </a14:m>
                 <a:r>
-                  <a:rPr lang="en-US" altLang="zh-CN" dirty="0" smtClean="0"/>
+                  <a:rPr lang="en-US" altLang="zh-CN" smtClean="0"/>
                   <a:t> +</a:t>
                 </a:r>
-                <a:endParaRPr lang="zh-CN" altLang="en-US" dirty="0"/>
+                <a:endParaRPr lang="zh-CN" altLang="en-US"/>
               </a:p>
             </p:txBody>
           </p:sp>
@@ -5277,7 +5279,7 @@
               <a:lstStyle/>
               <a:p>
                 <a:r>
-                  <a:rPr lang="en-US" altLang="zh-CN" dirty="0" smtClean="0"/>
+                  <a:rPr lang="en-US" altLang="zh-CN" smtClean="0"/>
                   <a:t>*</a:t>
                 </a:r>
                 <a14:m>
@@ -5328,10 +5330,10 @@
                   </m:oMath>
                 </a14:m>
                 <a:r>
-                  <a:rPr lang="en-US" altLang="zh-CN" dirty="0" smtClean="0"/>
+                  <a:rPr lang="en-US" altLang="zh-CN" smtClean="0"/>
                   <a:t> =</a:t>
                 </a:r>
-                <a:endParaRPr lang="zh-CN" altLang="en-US" dirty="0"/>
+                <a:endParaRPr lang="zh-CN" altLang="en-US"/>
               </a:p>
             </p:txBody>
           </p:sp>
@@ -5513,10 +5515,10 @@
           <a:lstStyle/>
           <a:p>
             <a:r>
-              <a:rPr lang="en-US" altLang="zh-CN" dirty="0" smtClean="0"/>
+              <a:rPr lang="en-US" altLang="zh-CN" smtClean="0"/>
               <a:t>h1</a:t>
             </a:r>
-            <a:endParaRPr lang="zh-CN" altLang="en-US" dirty="0"/>
+            <a:endParaRPr lang="zh-CN" altLang="en-US"/>
           </a:p>
         </p:txBody>
       </p:sp>
@@ -5888,10 +5890,10 @@
           <a:lstStyle/>
           <a:p>
             <a:r>
-              <a:rPr lang="en-US" altLang="zh-CN" dirty="0" smtClean="0"/>
+              <a:rPr lang="en-US" altLang="zh-CN" smtClean="0"/>
               <a:t>h2</a:t>
             </a:r>
-            <a:endParaRPr lang="zh-CN" altLang="en-US" dirty="0"/>
+            <a:endParaRPr lang="zh-CN" altLang="en-US"/>
           </a:p>
         </p:txBody>
       </p:sp>
@@ -5918,10 +5920,10 @@
           <a:lstStyle/>
           <a:p>
             <a:r>
-              <a:rPr lang="en-US" altLang="zh-CN" dirty="0" smtClean="0"/>
+              <a:rPr lang="en-US" altLang="zh-CN" smtClean="0"/>
               <a:t>h4</a:t>
             </a:r>
-            <a:endParaRPr lang="zh-CN" altLang="en-US" dirty="0"/>
+            <a:endParaRPr lang="zh-CN" altLang="en-US"/>
           </a:p>
         </p:txBody>
       </p:sp>
@@ -5948,10 +5950,10 @@
           <a:lstStyle/>
           <a:p>
             <a:r>
-              <a:rPr lang="en-US" altLang="zh-CN" dirty="0" smtClean="0"/>
+              <a:rPr lang="en-US" altLang="zh-CN" smtClean="0"/>
               <a:t>h3</a:t>
             </a:r>
-            <a:endParaRPr lang="zh-CN" altLang="en-US" dirty="0"/>
+            <a:endParaRPr lang="zh-CN" altLang="en-US"/>
           </a:p>
         </p:txBody>
       </p:sp>
@@ -6093,14 +6095,14 @@
           <a:lstStyle/>
           <a:p>
             <a:r>
-              <a:rPr lang="en-US" altLang="zh-CN" dirty="0" smtClean="0"/>
+              <a:rPr lang="en-US" altLang="zh-CN" smtClean="0"/>
               <a:t>c</a:t>
             </a:r>
             <a:r>
-              <a:rPr lang="en-US" altLang="zh-CN" dirty="0"/>
+              <a:rPr lang="en-US" altLang="zh-CN"/>
               <a:t>3</a:t>
             </a:r>
-            <a:endParaRPr lang="zh-CN" altLang="en-US" dirty="0"/>
+            <a:endParaRPr lang="zh-CN" altLang="en-US"/>
           </a:p>
         </p:txBody>
       </p:sp>
@@ -6129,7 +6131,7 @@
               <a:lstStyle/>
               <a:p>
                 <a:r>
-                  <a:rPr lang="en-US" altLang="zh-CN" dirty="0" smtClean="0"/>
+                  <a:rPr lang="en-US" altLang="zh-CN" smtClean="0"/>
                   <a:t>*</a:t>
                 </a:r>
                 <a14:m>
@@ -6168,10 +6170,10 @@
                   </m:oMath>
                 </a14:m>
                 <a:r>
-                  <a:rPr lang="en-US" altLang="zh-CN" dirty="0" smtClean="0"/>
+                  <a:rPr lang="en-US" altLang="zh-CN" smtClean="0"/>
                   <a:t> +</a:t>
                 </a:r>
-                <a:endParaRPr lang="zh-CN" altLang="en-US" dirty="0"/>
+                <a:endParaRPr lang="zh-CN" altLang="en-US"/>
               </a:p>
             </p:txBody>
           </p:sp>
@@ -6240,7 +6242,7 @@
               <a:lstStyle/>
               <a:p>
                 <a:r>
-                  <a:rPr lang="en-US" altLang="zh-CN" dirty="0" smtClean="0"/>
+                  <a:rPr lang="en-US" altLang="zh-CN" smtClean="0"/>
                   <a:t>*</a:t>
                 </a:r>
                 <a14:m>
@@ -6279,10 +6281,10 @@
                   </m:oMath>
                 </a14:m>
                 <a:r>
-                  <a:rPr lang="en-US" altLang="zh-CN" dirty="0" smtClean="0"/>
+                  <a:rPr lang="en-US" altLang="zh-CN" smtClean="0"/>
                   <a:t> +</a:t>
                 </a:r>
-                <a:endParaRPr lang="zh-CN" altLang="en-US" dirty="0"/>
+                <a:endParaRPr lang="zh-CN" altLang="en-US"/>
               </a:p>
             </p:txBody>
           </p:sp>
@@ -6351,7 +6353,7 @@
               <a:lstStyle/>
               <a:p>
                 <a:r>
-                  <a:rPr lang="en-US" altLang="zh-CN" dirty="0" smtClean="0"/>
+                  <a:rPr lang="en-US" altLang="zh-CN" smtClean="0"/>
                   <a:t>*</a:t>
                 </a:r>
                 <a14:m>
@@ -6390,10 +6392,10 @@
                   </m:oMath>
                 </a14:m>
                 <a:r>
-                  <a:rPr lang="en-US" altLang="zh-CN" dirty="0" smtClean="0"/>
+                  <a:rPr lang="en-US" altLang="zh-CN" smtClean="0"/>
                   <a:t> +</a:t>
                 </a:r>
-                <a:endParaRPr lang="zh-CN" altLang="en-US" dirty="0"/>
+                <a:endParaRPr lang="zh-CN" altLang="en-US"/>
               </a:p>
             </p:txBody>
           </p:sp>
@@ -6462,7 +6464,7 @@
               <a:lstStyle/>
               <a:p>
                 <a:r>
-                  <a:rPr lang="en-US" altLang="zh-CN" dirty="0" smtClean="0"/>
+                  <a:rPr lang="en-US" altLang="zh-CN" smtClean="0"/>
                   <a:t>*</a:t>
                 </a:r>
                 <a14:m>
@@ -6501,10 +6503,10 @@
                   </m:oMath>
                 </a14:m>
                 <a:r>
-                  <a:rPr lang="en-US" altLang="zh-CN" dirty="0" smtClean="0"/>
+                  <a:rPr lang="en-US" altLang="zh-CN" smtClean="0"/>
                   <a:t> =</a:t>
                 </a:r>
-                <a:endParaRPr lang="zh-CN" altLang="en-US" dirty="0"/>
+                <a:endParaRPr lang="zh-CN" altLang="en-US"/>
               </a:p>
             </p:txBody>
           </p:sp>
@@ -6571,7 +6573,7 @@
           <a:lstStyle/>
           <a:p>
             <a:r>
-              <a:rPr lang="zh-CN" altLang="en-US" sz="1600" dirty="0">
+              <a:rPr lang="zh-CN" altLang="en-US" sz="1600">
                 <a:latin typeface="微软雅黑" panose="020B0503020204020204" pitchFamily="34" charset="-122"/>
                 <a:ea typeface="微软雅黑" panose="020B0503020204020204" pitchFamily="34" charset="-122"/>
               </a:rPr>
@@ -6603,7 +6605,7 @@
           <a:lstStyle/>
           <a:p>
             <a:r>
-              <a:rPr lang="zh-CN" altLang="en-US" sz="1600" dirty="0">
+              <a:rPr lang="zh-CN" altLang="en-US" sz="1600">
                 <a:latin typeface="微软雅黑" panose="020B0503020204020204" pitchFamily="34" charset="-122"/>
                 <a:ea typeface="微软雅黑" panose="020B0503020204020204" pitchFamily="34" charset="-122"/>
               </a:rPr>
@@ -6635,7 +6637,7 @@
           <a:lstStyle/>
           <a:p>
             <a:r>
-              <a:rPr lang="zh-CN" altLang="en-US" sz="1600" dirty="0">
+              <a:rPr lang="zh-CN" altLang="en-US" sz="1600">
                 <a:latin typeface="微软雅黑" panose="020B0503020204020204" pitchFamily="34" charset="-122"/>
                 <a:ea typeface="微软雅黑" panose="020B0503020204020204" pitchFamily="34" charset="-122"/>
               </a:rPr>
@@ -6667,7 +6669,7 @@
           <a:lstStyle/>
           <a:p>
             <a:r>
-              <a:rPr lang="zh-CN" altLang="en-US" sz="1600" dirty="0">
+              <a:rPr lang="zh-CN" altLang="en-US" sz="1600">
                 <a:latin typeface="微软雅黑" panose="020B0503020204020204" pitchFamily="34" charset="-122"/>
                 <a:ea typeface="微软雅黑" panose="020B0503020204020204" pitchFamily="34" charset="-122"/>
               </a:rPr>
@@ -6699,20 +6701,20 @@
           <a:lstStyle/>
           <a:p>
             <a:r>
-              <a:rPr lang="zh-CN" altLang="en-US" sz="1600" dirty="0">
+              <a:rPr lang="zh-CN" altLang="en-US" sz="1600">
                 <a:latin typeface="微软雅黑" panose="020B0503020204020204" pitchFamily="34" charset="-122"/>
                 <a:ea typeface="微软雅黑" panose="020B0503020204020204" pitchFamily="34" charset="-122"/>
               </a:rPr>
               <a:t>盗窃</a:t>
             </a:r>
             <a:r>
-              <a:rPr lang="zh-CN" altLang="en-US" sz="1600" dirty="0" smtClean="0">
+              <a:rPr lang="zh-CN" altLang="en-US" sz="1600" smtClean="0">
                 <a:latin typeface="微软雅黑" panose="020B0503020204020204" pitchFamily="34" charset="-122"/>
                 <a:ea typeface="微软雅黑" panose="020B0503020204020204" pitchFamily="34" charset="-122"/>
               </a:rPr>
               <a:t>财物罪</a:t>
             </a:r>
-            <a:endParaRPr lang="zh-CN" altLang="en-US" sz="1600" dirty="0">
+            <a:endParaRPr lang="zh-CN" altLang="en-US" sz="1600">
               <a:latin typeface="微软雅黑" panose="020B0503020204020204" pitchFamily="34" charset="-122"/>
               <a:ea typeface="微软雅黑" panose="020B0503020204020204" pitchFamily="34" charset="-122"/>
             </a:endParaRPr>
@@ -6742,13 +6744,13 @@
           <a:lstStyle/>
           <a:p>
             <a:r>
-              <a:rPr lang="zh-CN" altLang="en-US" sz="1600" dirty="0" smtClean="0">
+              <a:rPr lang="zh-CN" altLang="en-US" sz="1600" smtClean="0">
                 <a:latin typeface="微软雅黑" panose="020B0503020204020204" pitchFamily="34" charset="-122"/>
                 <a:ea typeface="微软雅黑" panose="020B0503020204020204" pitchFamily="34" charset="-122"/>
               </a:rPr>
               <a:t>量刑标准</a:t>
             </a:r>
-            <a:endParaRPr lang="zh-CN" altLang="en-US" sz="1600" dirty="0">
+            <a:endParaRPr lang="zh-CN" altLang="en-US" sz="1600">
               <a:latin typeface="微软雅黑" panose="020B0503020204020204" pitchFamily="34" charset="-122"/>
               <a:ea typeface="微软雅黑" panose="020B0503020204020204" pitchFamily="34" charset="-122"/>
             </a:endParaRPr>
@@ -6778,7 +6780,7 @@
           <a:lstStyle/>
           <a:p>
             <a:r>
-              <a:rPr lang="en-US" altLang="zh-CN" sz="1600" dirty="0">
+              <a:rPr lang="en-US" altLang="zh-CN" sz="1600">
                 <a:solidFill>
                   <a:srgbClr val="FF0000"/>
                 </a:solidFill>
@@ -6787,7 +6789,7 @@
               </a:rPr>
               <a:t>stop</a:t>
             </a:r>
-            <a:endParaRPr lang="zh-CN" altLang="en-US" sz="1600" dirty="0">
+            <a:endParaRPr lang="zh-CN" altLang="en-US" sz="1600">
               <a:solidFill>
                 <a:srgbClr val="FF0000"/>
               </a:solidFill>
@@ -9210,10 +9212,10 @@
           <a:lstStyle/>
           <a:p>
             <a:r>
-              <a:rPr lang="en-US" altLang="zh-CN" dirty="0" smtClean="0"/>
+              <a:rPr lang="en-US" altLang="zh-CN" smtClean="0"/>
               <a:t>h1</a:t>
             </a:r>
-            <a:endParaRPr lang="zh-CN" altLang="en-US" dirty="0"/>
+            <a:endParaRPr lang="zh-CN" altLang="en-US"/>
           </a:p>
         </p:txBody>
       </p:sp>
@@ -9545,10 +9547,10 @@
           <a:lstStyle/>
           <a:p>
             <a:r>
-              <a:rPr lang="en-US" altLang="zh-CN" dirty="0" smtClean="0"/>
+              <a:rPr lang="en-US" altLang="zh-CN" smtClean="0"/>
               <a:t>h2</a:t>
             </a:r>
-            <a:endParaRPr lang="zh-CN" altLang="en-US" dirty="0"/>
+            <a:endParaRPr lang="zh-CN" altLang="en-US"/>
           </a:p>
         </p:txBody>
       </p:sp>
@@ -9575,10 +9577,10 @@
           <a:lstStyle/>
           <a:p>
             <a:r>
-              <a:rPr lang="en-US" altLang="zh-CN" dirty="0" smtClean="0"/>
+              <a:rPr lang="en-US" altLang="zh-CN" smtClean="0"/>
               <a:t>h3</a:t>
             </a:r>
-            <a:endParaRPr lang="zh-CN" altLang="en-US" dirty="0"/>
+            <a:endParaRPr lang="zh-CN" altLang="en-US"/>
           </a:p>
         </p:txBody>
       </p:sp>
@@ -9605,10 +9607,10 @@
           <a:lstStyle/>
           <a:p>
             <a:r>
-              <a:rPr lang="en-US" altLang="zh-CN" dirty="0" smtClean="0"/>
+              <a:rPr lang="en-US" altLang="zh-CN" smtClean="0"/>
               <a:t>h4</a:t>
             </a:r>
-            <a:endParaRPr lang="zh-CN" altLang="en-US" dirty="0"/>
+            <a:endParaRPr lang="zh-CN" altLang="en-US"/>
           </a:p>
         </p:txBody>
       </p:sp>
@@ -9677,7 +9679,7 @@
                     </m:oMath>
                   </m:oMathPara>
                 </a14:m>
-                <a:endParaRPr lang="zh-CN" altLang="en-US" dirty="0"/>
+                <a:endParaRPr lang="zh-CN" altLang="en-US"/>
               </a:p>
             </p:txBody>
           </p:sp>
@@ -9744,14 +9746,14 @@
           <a:lstStyle/>
           <a:p>
             <a:r>
-              <a:rPr lang="en-US" altLang="zh-CN" dirty="0" smtClean="0"/>
+              <a:rPr lang="en-US" altLang="zh-CN" smtClean="0"/>
               <a:t>c</a:t>
             </a:r>
             <a:r>
-              <a:rPr lang="en-US" altLang="zh-CN" dirty="0"/>
+              <a:rPr lang="en-US" altLang="zh-CN"/>
               <a:t>2</a:t>
             </a:r>
-            <a:endParaRPr lang="zh-CN" altLang="en-US" dirty="0"/>
+            <a:endParaRPr lang="zh-CN" altLang="en-US"/>
           </a:p>
         </p:txBody>
       </p:sp>
@@ -9778,10 +9780,10 @@
           <a:lstStyle/>
           <a:p>
             <a:r>
-              <a:rPr lang="en-US" altLang="zh-CN" dirty="0" smtClean="0"/>
+              <a:rPr lang="en-US" altLang="zh-CN" smtClean="0"/>
               <a:t>c3</a:t>
             </a:r>
-            <a:endParaRPr lang="zh-CN" altLang="en-US" dirty="0"/>
+            <a:endParaRPr lang="zh-CN" altLang="en-US"/>
           </a:p>
         </p:txBody>
       </p:sp>
@@ -9850,7 +9852,7 @@
                     </m:oMath>
                   </m:oMathPara>
                 </a14:m>
-                <a:endParaRPr lang="zh-CN" altLang="en-US" dirty="0"/>
+                <a:endParaRPr lang="zh-CN" altLang="en-US"/>
               </a:p>
             </p:txBody>
           </p:sp>
@@ -9998,7 +10000,7 @@
                     </m:oMath>
                   </m:oMathPara>
                 </a14:m>
-                <a:endParaRPr lang="zh-CN" altLang="en-US" dirty="0"/>
+                <a:endParaRPr lang="zh-CN" altLang="en-US"/>
               </a:p>
             </p:txBody>
           </p:sp>
@@ -10107,7 +10109,7 @@
                     </m:oMath>
                   </m:oMathPara>
                 </a14:m>
-                <a:endParaRPr lang="zh-CN" altLang="en-US" dirty="0"/>
+                <a:endParaRPr lang="zh-CN" altLang="en-US"/>
               </a:p>
             </p:txBody>
           </p:sp>
@@ -10174,14 +10176,14 @@
           <a:lstStyle/>
           <a:p>
             <a:r>
-              <a:rPr lang="en-US" altLang="zh-CN" dirty="0"/>
+              <a:rPr lang="en-US" altLang="zh-CN"/>
               <a:t>c</a:t>
             </a:r>
             <a:r>
-              <a:rPr lang="en-US" altLang="zh-CN" dirty="0" smtClean="0"/>
+              <a:rPr lang="en-US" altLang="zh-CN" smtClean="0"/>
               <a:t>1</a:t>
             </a:r>
-            <a:endParaRPr lang="zh-CN" altLang="en-US" dirty="0"/>
+            <a:endParaRPr lang="zh-CN" altLang="en-US"/>
           </a:p>
         </p:txBody>
       </p:sp>
@@ -10303,7 +10305,7 @@
         </p:blipFill>
         <p:spPr>
           <a:xfrm>
-            <a:off x="2666434" y="3439336"/>
+            <a:off x="2666434" y="3137584"/>
             <a:ext cx="6070169" cy="2429007"/>
           </a:xfrm>
           <a:prstGeom prst="rect">
@@ -10327,6 +10329,14 @@
 <file path=ppt/slides/slide4.xml><?xml version="1.0" encoding="utf-8"?>
 <p:sld xmlns:a="http://schemas.openxmlformats.org/drawingml/2006/main" xmlns:r="http://schemas.openxmlformats.org/officeDocument/2006/relationships" xmlns:p="http://schemas.openxmlformats.org/presentationml/2006/main">
   <p:cSld>
+    <p:bg>
+      <p:bgPr>
+        <a:solidFill>
+          <a:schemeClr val="bg1"/>
+        </a:solidFill>
+        <a:effectLst/>
+      </p:bgPr>
+    </p:bg>
     <p:spTree>
       <p:nvGrpSpPr>
         <p:cNvPr id="1" name=""/>
@@ -10341,30 +10351,400 @@
           <a:chExt cx="0" cy="0"/>
         </a:xfrm>
       </p:grpSpPr>
+      <p:sp>
+        <p:nvSpPr>
+          <p:cNvPr id="2" name="矩形 1"/>
+          <p:cNvSpPr/>
+          <p:nvPr/>
+        </p:nvSpPr>
+        <p:spPr>
+          <a:xfrm>
+            <a:off x="1812889" y="1629353"/>
+            <a:ext cx="739471" cy="469128"/>
+          </a:xfrm>
+          <a:prstGeom prst="rect">
+            <a:avLst/>
+          </a:prstGeom>
+          <a:solidFill>
+            <a:schemeClr val="bg1"/>
+          </a:solidFill>
+          <a:ln w="22860">
+            <a:solidFill>
+              <a:schemeClr val="accent1">
+                <a:lumMod val="75000"/>
+              </a:schemeClr>
+            </a:solidFill>
+          </a:ln>
+          <a:effectLst/>
+        </p:spPr>
+        <p:style>
+          <a:lnRef idx="2">
+            <a:schemeClr val="accent1">
+              <a:shade val="50000"/>
+            </a:schemeClr>
+          </a:lnRef>
+          <a:fillRef idx="1">
+            <a:schemeClr val="accent1"/>
+          </a:fillRef>
+          <a:effectRef idx="0">
+            <a:schemeClr val="accent1"/>
+          </a:effectRef>
+          <a:fontRef idx="minor">
+            <a:schemeClr val="lt1"/>
+          </a:fontRef>
+        </p:style>
+        <p:txBody>
+          <a:bodyPr rtlCol="0" anchor="ctr"/>
+          <a:lstStyle/>
+          <a:p>
+            <a:pPr algn="ctr"/>
+            <a:r>
+              <a:rPr lang="en-US" altLang="zh-CN" sz="2000" i="1" smtClean="0">
+                <a:solidFill>
+                  <a:schemeClr val="tx1"/>
+                </a:solidFill>
+                <a:latin typeface="Times New Roman" panose="02020603050405020304" pitchFamily="18" charset="0"/>
+                <a:cs typeface="Times New Roman" panose="02020603050405020304" pitchFamily="18" charset="0"/>
+              </a:rPr>
+              <a:t>x</a:t>
+            </a:r>
+            <a:r>
+              <a:rPr lang="en-US" altLang="zh-CN" sz="2000" baseline="-25000" smtClean="0">
+                <a:solidFill>
+                  <a:schemeClr val="tx1"/>
+                </a:solidFill>
+              </a:rPr>
+              <a:t>1</a:t>
+            </a:r>
+            <a:endParaRPr lang="zh-CN" altLang="en-US" sz="2000" baseline="-25000">
+              <a:solidFill>
+                <a:schemeClr val="tx1"/>
+              </a:solidFill>
+            </a:endParaRPr>
+          </a:p>
+        </p:txBody>
+      </p:sp>
+      <p:sp>
+        <p:nvSpPr>
+          <p:cNvPr id="18" name="矩形 17"/>
+          <p:cNvSpPr/>
+          <p:nvPr/>
+        </p:nvSpPr>
+        <p:spPr>
+          <a:xfrm>
+            <a:off x="1812889" y="2495383"/>
+            <a:ext cx="739471" cy="469128"/>
+          </a:xfrm>
+          <a:prstGeom prst="rect">
+            <a:avLst/>
+          </a:prstGeom>
+          <a:solidFill>
+            <a:schemeClr val="bg1"/>
+          </a:solidFill>
+          <a:ln w="22860">
+            <a:solidFill>
+              <a:schemeClr val="accent1">
+                <a:lumMod val="75000"/>
+              </a:schemeClr>
+            </a:solidFill>
+          </a:ln>
+          <a:effectLst/>
+        </p:spPr>
+        <p:style>
+          <a:lnRef idx="2">
+            <a:schemeClr val="accent1">
+              <a:shade val="50000"/>
+            </a:schemeClr>
+          </a:lnRef>
+          <a:fillRef idx="1">
+            <a:schemeClr val="accent1"/>
+          </a:fillRef>
+          <a:effectRef idx="0">
+            <a:schemeClr val="accent1"/>
+          </a:effectRef>
+          <a:fontRef idx="minor">
+            <a:schemeClr val="lt1"/>
+          </a:fontRef>
+        </p:style>
+        <p:txBody>
+          <a:bodyPr rtlCol="0" anchor="ctr"/>
+          <a:lstStyle/>
+          <a:p>
+            <a:pPr algn="ctr"/>
+            <a:r>
+              <a:rPr lang="en-US" altLang="zh-CN" sz="2000" i="1" smtClean="0">
+                <a:solidFill>
+                  <a:schemeClr val="tx1"/>
+                </a:solidFill>
+                <a:latin typeface="Times New Roman" panose="02020603050405020304" pitchFamily="18" charset="0"/>
+                <a:cs typeface="Times New Roman" panose="02020603050405020304" pitchFamily="18" charset="0"/>
+              </a:rPr>
+              <a:t>x</a:t>
+            </a:r>
+            <a:r>
+              <a:rPr lang="en-US" altLang="zh-CN" sz="2000" baseline="-25000" smtClean="0">
+                <a:solidFill>
+                  <a:schemeClr val="tx1"/>
+                </a:solidFill>
+              </a:rPr>
+              <a:t>2</a:t>
+            </a:r>
+            <a:endParaRPr lang="zh-CN" altLang="en-US" sz="2000" baseline="-25000">
+              <a:solidFill>
+                <a:schemeClr val="tx1"/>
+              </a:solidFill>
+            </a:endParaRPr>
+          </a:p>
+        </p:txBody>
+      </p:sp>
+      <p:sp>
+        <p:nvSpPr>
+          <p:cNvPr id="23" name="矩形 22"/>
+          <p:cNvSpPr/>
+          <p:nvPr/>
+        </p:nvSpPr>
+        <p:spPr>
+          <a:xfrm>
+            <a:off x="1812889" y="3361413"/>
+            <a:ext cx="739471" cy="469128"/>
+          </a:xfrm>
+          <a:prstGeom prst="rect">
+            <a:avLst/>
+          </a:prstGeom>
+          <a:solidFill>
+            <a:schemeClr val="bg1"/>
+          </a:solidFill>
+          <a:ln w="22860">
+            <a:solidFill>
+              <a:schemeClr val="accent1">
+                <a:lumMod val="75000"/>
+              </a:schemeClr>
+            </a:solidFill>
+          </a:ln>
+          <a:effectLst/>
+        </p:spPr>
+        <p:style>
+          <a:lnRef idx="2">
+            <a:schemeClr val="accent1">
+              <a:shade val="50000"/>
+            </a:schemeClr>
+          </a:lnRef>
+          <a:fillRef idx="1">
+            <a:schemeClr val="accent1"/>
+          </a:fillRef>
+          <a:effectRef idx="0">
+            <a:schemeClr val="accent1"/>
+          </a:effectRef>
+          <a:fontRef idx="minor">
+            <a:schemeClr val="lt1"/>
+          </a:fontRef>
+        </p:style>
+        <p:txBody>
+          <a:bodyPr rtlCol="0" anchor="ctr"/>
+          <a:lstStyle/>
+          <a:p>
+            <a:pPr algn="ctr"/>
+            <a:r>
+              <a:rPr lang="en-US" altLang="zh-CN" sz="2000" i="1" smtClean="0">
+                <a:solidFill>
+                  <a:schemeClr val="tx1"/>
+                </a:solidFill>
+                <a:latin typeface="Times New Roman" panose="02020603050405020304" pitchFamily="18" charset="0"/>
+                <a:cs typeface="Times New Roman" panose="02020603050405020304" pitchFamily="18" charset="0"/>
+              </a:rPr>
+              <a:t>x</a:t>
+            </a:r>
+            <a:r>
+              <a:rPr lang="en-US" altLang="zh-CN" sz="2000" baseline="-25000" smtClean="0">
+                <a:solidFill>
+                  <a:schemeClr val="tx1"/>
+                </a:solidFill>
+              </a:rPr>
+              <a:t>3</a:t>
+            </a:r>
+            <a:endParaRPr lang="zh-CN" altLang="en-US" sz="2000" baseline="-25000">
+              <a:solidFill>
+                <a:schemeClr val="tx1"/>
+              </a:solidFill>
+            </a:endParaRPr>
+          </a:p>
+        </p:txBody>
+      </p:sp>
+      <p:sp>
+        <p:nvSpPr>
+          <p:cNvPr id="24" name="矩形 23"/>
+          <p:cNvSpPr/>
+          <p:nvPr/>
+        </p:nvSpPr>
+        <p:spPr>
+          <a:xfrm>
+            <a:off x="1812889" y="4227443"/>
+            <a:ext cx="739471" cy="469128"/>
+          </a:xfrm>
+          <a:prstGeom prst="rect">
+            <a:avLst/>
+          </a:prstGeom>
+          <a:solidFill>
+            <a:schemeClr val="bg1"/>
+          </a:solidFill>
+          <a:ln w="22860">
+            <a:solidFill>
+              <a:schemeClr val="accent1">
+                <a:lumMod val="75000"/>
+              </a:schemeClr>
+            </a:solidFill>
+          </a:ln>
+          <a:effectLst/>
+        </p:spPr>
+        <p:style>
+          <a:lnRef idx="2">
+            <a:schemeClr val="accent1">
+              <a:shade val="50000"/>
+            </a:schemeClr>
+          </a:lnRef>
+          <a:fillRef idx="1">
+            <a:schemeClr val="accent1"/>
+          </a:fillRef>
+          <a:effectRef idx="0">
+            <a:schemeClr val="accent1"/>
+          </a:effectRef>
+          <a:fontRef idx="minor">
+            <a:schemeClr val="lt1"/>
+          </a:fontRef>
+        </p:style>
+        <p:txBody>
+          <a:bodyPr rtlCol="0" anchor="ctr"/>
+          <a:lstStyle/>
+          <a:p>
+            <a:pPr algn="ctr"/>
+            <a:r>
+              <a:rPr lang="en-US" altLang="zh-CN" sz="2000" i="1" smtClean="0">
+                <a:solidFill>
+                  <a:schemeClr val="tx1"/>
+                </a:solidFill>
+                <a:latin typeface="Times New Roman" panose="02020603050405020304" pitchFamily="18" charset="0"/>
+                <a:cs typeface="Times New Roman" panose="02020603050405020304" pitchFamily="18" charset="0"/>
+              </a:rPr>
+              <a:t>x</a:t>
+            </a:r>
+            <a:r>
+              <a:rPr lang="en-US" altLang="zh-CN" sz="2000" baseline="-25000" smtClean="0">
+                <a:solidFill>
+                  <a:schemeClr val="tx1"/>
+                </a:solidFill>
+              </a:rPr>
+              <a:t>4</a:t>
+            </a:r>
+            <a:endParaRPr lang="zh-CN" altLang="en-US" sz="2000" baseline="-25000">
+              <a:solidFill>
+                <a:schemeClr val="tx1"/>
+              </a:solidFill>
+            </a:endParaRPr>
+          </a:p>
+        </p:txBody>
+      </p:sp>
+      <p:sp>
+        <p:nvSpPr>
+          <p:cNvPr id="25" name="矩形 24"/>
+          <p:cNvSpPr/>
+          <p:nvPr/>
+        </p:nvSpPr>
+        <p:spPr>
+          <a:xfrm>
+            <a:off x="1673743" y="449249"/>
+            <a:ext cx="1017771" cy="469128"/>
+          </a:xfrm>
+          <a:prstGeom prst="rect">
+            <a:avLst/>
+          </a:prstGeom>
+          <a:solidFill>
+            <a:schemeClr val="bg1"/>
+          </a:solidFill>
+          <a:ln w="22860">
+            <a:solidFill>
+              <a:srgbClr val="00B050"/>
+            </a:solidFill>
+          </a:ln>
+          <a:effectLst/>
+        </p:spPr>
+        <p:style>
+          <a:lnRef idx="2">
+            <a:schemeClr val="accent1">
+              <a:shade val="50000"/>
+            </a:schemeClr>
+          </a:lnRef>
+          <a:fillRef idx="1">
+            <a:schemeClr val="accent1"/>
+          </a:fillRef>
+          <a:effectRef idx="0">
+            <a:schemeClr val="accent1"/>
+          </a:effectRef>
+          <a:fontRef idx="minor">
+            <a:schemeClr val="lt1"/>
+          </a:fontRef>
+        </p:style>
+        <p:txBody>
+          <a:bodyPr rtlCol="0" anchor="ctr"/>
+          <a:lstStyle/>
+          <a:p>
+            <a:pPr algn="ctr"/>
+            <a:r>
+              <a:rPr lang="zh-CN" altLang="en-US" sz="1600" smtClean="0">
+                <a:solidFill>
+                  <a:schemeClr val="tx1"/>
+                </a:solidFill>
+                <a:latin typeface="黑体" panose="02010609060101010101" pitchFamily="49" charset="-122"/>
+                <a:ea typeface="黑体" panose="02010609060101010101" pitchFamily="49" charset="-122"/>
+                <a:cs typeface="Times New Roman" panose="02020603050405020304" pitchFamily="18" charset="0"/>
+              </a:rPr>
+              <a:t>输入</a:t>
+            </a:r>
+            <a:endParaRPr lang="zh-CN" altLang="en-US" sz="1600" baseline="-25000">
+              <a:solidFill>
+                <a:schemeClr val="tx1"/>
+              </a:solidFill>
+              <a:latin typeface="黑体" panose="02010609060101010101" pitchFamily="49" charset="-122"/>
+              <a:ea typeface="黑体" panose="02010609060101010101" pitchFamily="49" charset="-122"/>
+            </a:endParaRPr>
+          </a:p>
+        </p:txBody>
+      </p:sp>
       <p:cxnSp>
         <p:nvCxnSpPr>
-          <p:cNvPr id="7" name="直接连接符 6"/>
-          <p:cNvCxnSpPr/>
+          <p:cNvPr id="4" name="直接箭头连接符 3"/>
+          <p:cNvCxnSpPr>
+            <a:stCxn id="25" idx="2"/>
+            <a:endCxn id="2" idx="0"/>
+          </p:cNvCxnSpPr>
           <p:nvPr/>
         </p:nvCxnSpPr>
         <p:spPr>
-          <a:xfrm>
-            <a:off x="1926336" y="563880"/>
-            <a:ext cx="7580376" cy="0"/>
-          </a:xfrm>
-          <a:prstGeom prst="line">
+          <a:xfrm flipH="1">
+            <a:off x="2182625" y="918377"/>
+            <a:ext cx="4" cy="710976"/>
+          </a:xfrm>
+          <a:prstGeom prst="straightConnector1">
             <a:avLst/>
           </a:prstGeom>
+          <a:ln w="22860">
+            <a:solidFill>
+              <a:schemeClr val="tx1">
+                <a:lumMod val="75000"/>
+                <a:lumOff val="25000"/>
+              </a:schemeClr>
+            </a:solidFill>
+            <a:tailEnd type="triangle"/>
+          </a:ln>
         </p:spPr>
         <p:style>
           <a:lnRef idx="1">
-            <a:schemeClr val="dk1"/>
+            <a:schemeClr val="accent1"/>
           </a:lnRef>
           <a:fillRef idx="0">
-            <a:schemeClr val="dk1"/>
+            <a:schemeClr val="accent1"/>
           </a:fillRef>
           <a:effectRef idx="0">
-            <a:schemeClr val="dk1"/>
+            <a:schemeClr val="accent1"/>
           </a:effectRef>
           <a:fontRef idx="minor">
             <a:schemeClr val="tx1"/>
@@ -10373,128 +10753,662 @@
       </p:cxnSp>
       <p:sp>
         <p:nvSpPr>
-          <p:cNvPr id="8" name="文本框 7"/>
-          <p:cNvSpPr txBox="1"/>
+          <p:cNvPr id="26" name="矩形 25"/>
+          <p:cNvSpPr/>
           <p:nvPr/>
         </p:nvSpPr>
         <p:spPr>
           <a:xfrm>
-            <a:off x="2063496" y="600456"/>
-            <a:ext cx="7306056" cy="369332"/>
+            <a:off x="3562181" y="1089329"/>
+            <a:ext cx="659958" cy="4039262"/>
           </a:xfrm>
           <a:prstGeom prst="rect">
             <a:avLst/>
           </a:prstGeom>
-          <a:noFill/>
-        </p:spPr>
+          <a:solidFill>
+            <a:schemeClr val="bg1"/>
+          </a:solidFill>
+          <a:ln w="22860">
+            <a:solidFill>
+              <a:schemeClr val="accent1"/>
+            </a:solidFill>
+          </a:ln>
+        </p:spPr>
+        <p:style>
+          <a:lnRef idx="2">
+            <a:schemeClr val="accent1">
+              <a:shade val="50000"/>
+            </a:schemeClr>
+          </a:lnRef>
+          <a:fillRef idx="1">
+            <a:schemeClr val="accent1"/>
+          </a:fillRef>
+          <a:effectRef idx="0">
+            <a:schemeClr val="accent1"/>
+          </a:effectRef>
+          <a:fontRef idx="minor">
+            <a:schemeClr val="lt1"/>
+          </a:fontRef>
+        </p:style>
         <p:txBody>
-          <a:bodyPr wrap="square" rtlCol="0">
-            <a:spAutoFit/>
-          </a:bodyPr>
+          <a:bodyPr rtlCol="0" anchor="ctr"/>
           <a:lstStyle/>
           <a:p>
-            <a:r>
-              <a:rPr lang="en-US" altLang="zh-CN" spc="300" dirty="0" smtClean="0">
-                <a:latin typeface="+mn-ea"/>
-              </a:rPr>
-              <a:t>1    </a:t>
-            </a:r>
-            <a:r>
-              <a:rPr lang="zh-CN" altLang="en-US" spc="300" dirty="0" smtClean="0">
-                <a:latin typeface="+mn-ea"/>
-              </a:rPr>
-              <a:t>集体</a:t>
-            </a:r>
-            <a:r>
-              <a:rPr lang="en-US" altLang="zh-CN" spc="300" dirty="0" smtClean="0">
-                <a:latin typeface="+mn-ea"/>
-              </a:rPr>
-              <a:t>/</a:t>
-            </a:r>
-            <a:r>
-              <a:rPr lang="zh-CN" altLang="en-US" spc="300" dirty="0" smtClean="0">
-                <a:latin typeface="+mn-ea"/>
-              </a:rPr>
-              <a:t>财产</a:t>
-            </a:r>
-            <a:r>
-              <a:rPr lang="en-US" altLang="zh-CN" spc="300" dirty="0" smtClean="0">
-                <a:latin typeface="+mn-ea"/>
-              </a:rPr>
-              <a:t>/</a:t>
-            </a:r>
-            <a:r>
-              <a:rPr lang="zh-CN" altLang="en-US" spc="300" dirty="0" smtClean="0">
-                <a:latin typeface="+mn-ea"/>
-              </a:rPr>
-              <a:t>所有权</a:t>
-            </a:r>
-            <a:r>
-              <a:rPr lang="en-US" altLang="zh-CN" spc="300" dirty="0" smtClean="0">
-                <a:latin typeface="+mn-ea"/>
-              </a:rPr>
-              <a:t>/</a:t>
-            </a:r>
-            <a:r>
-              <a:rPr lang="zh-CN" altLang="en-US" spc="300" dirty="0" smtClean="0">
-                <a:latin typeface="+mn-ea"/>
-              </a:rPr>
-              <a:t>包含</a:t>
-            </a:r>
-            <a:r>
-              <a:rPr lang="en-US" altLang="zh-CN" spc="300" dirty="0" smtClean="0">
-                <a:latin typeface="+mn-ea"/>
-              </a:rPr>
-              <a:t>/</a:t>
-            </a:r>
-            <a:r>
-              <a:rPr lang="zh-CN" altLang="en-US" spc="300" dirty="0" smtClean="0">
-                <a:latin typeface="+mn-ea"/>
-              </a:rPr>
-              <a:t>哪些</a:t>
-            </a:r>
-            <a:r>
-              <a:rPr lang="en-US" altLang="zh-CN" spc="300" dirty="0" smtClean="0">
-                <a:latin typeface="+mn-ea"/>
-              </a:rPr>
-              <a:t>/</a:t>
-            </a:r>
-            <a:r>
-              <a:rPr lang="zh-CN" altLang="en-US" spc="300" dirty="0" smtClean="0">
-                <a:latin typeface="+mn-ea"/>
-              </a:rPr>
-              <a:t>财产</a:t>
-            </a:r>
-            <a:endParaRPr lang="zh-CN" altLang="en-US" spc="300" dirty="0">
-              <a:latin typeface="+mn-ea"/>
-            </a:endParaRPr>
+            <a:pPr algn="ctr"/>
+            <a:endParaRPr lang="zh-CN" altLang="en-US"/>
           </a:p>
         </p:txBody>
       </p:sp>
+      <p:grpSp>
+        <p:nvGrpSpPr>
+          <p:cNvPr id="27" name="组合 26"/>
+          <p:cNvGrpSpPr/>
+          <p:nvPr/>
+        </p:nvGrpSpPr>
+        <p:grpSpPr>
+          <a:xfrm>
+            <a:off x="3706302" y="1688960"/>
+            <a:ext cx="371722" cy="349914"/>
+            <a:chOff x="1366" y="1803466"/>
+            <a:chExt cx="1811734" cy="1811734"/>
+          </a:xfrm>
+          <a:solidFill>
+            <a:srgbClr val="00B050"/>
+          </a:solidFill>
+        </p:grpSpPr>
+        <p:sp>
+          <p:nvSpPr>
+            <p:cNvPr id="28" name="椭圆 27"/>
+            <p:cNvSpPr/>
+            <p:nvPr/>
+          </p:nvSpPr>
+          <p:spPr>
+            <a:xfrm>
+              <a:off x="1366" y="1803466"/>
+              <a:ext cx="1811734" cy="1811734"/>
+            </a:xfrm>
+            <a:prstGeom prst="ellipse">
+              <a:avLst/>
+            </a:prstGeom>
+            <a:grpFill/>
+          </p:spPr>
+          <p:style>
+            <a:lnRef idx="2">
+              <a:schemeClr val="lt1">
+                <a:hueOff val="0"/>
+                <a:satOff val="0"/>
+                <a:lumOff val="0"/>
+                <a:alphaOff val="0"/>
+              </a:schemeClr>
+            </a:lnRef>
+            <a:fillRef idx="1">
+              <a:schemeClr val="accent1">
+                <a:hueOff val="0"/>
+                <a:satOff val="0"/>
+                <a:lumOff val="0"/>
+                <a:alphaOff val="0"/>
+              </a:schemeClr>
+            </a:fillRef>
+            <a:effectRef idx="0">
+              <a:schemeClr val="accent1">
+                <a:hueOff val="0"/>
+                <a:satOff val="0"/>
+                <a:lumOff val="0"/>
+                <a:alphaOff val="0"/>
+              </a:schemeClr>
+            </a:effectRef>
+            <a:fontRef idx="minor">
+              <a:schemeClr val="lt1"/>
+            </a:fontRef>
+          </p:style>
+        </p:sp>
+        <p:sp>
+          <p:nvSpPr>
+            <p:cNvPr id="29" name="椭圆 4"/>
+            <p:cNvSpPr/>
+            <p:nvPr/>
+          </p:nvSpPr>
+          <p:spPr>
+            <a:xfrm>
+              <a:off x="266688" y="2068788"/>
+              <a:ext cx="1281090" cy="1281090"/>
+            </a:xfrm>
+            <a:prstGeom prst="rect">
+              <a:avLst/>
+            </a:prstGeom>
+            <a:grpFill/>
+          </p:spPr>
+          <p:style>
+            <a:lnRef idx="0">
+              <a:scrgbClr r="0" g="0" b="0"/>
+            </a:lnRef>
+            <a:fillRef idx="0">
+              <a:scrgbClr r="0" g="0" b="0"/>
+            </a:fillRef>
+            <a:effectRef idx="0">
+              <a:scrgbClr r="0" g="0" b="0"/>
+            </a:effectRef>
+            <a:fontRef idx="minor">
+              <a:schemeClr val="lt1"/>
+            </a:fontRef>
+          </p:style>
+          <p:txBody>
+            <a:bodyPr spcFirstLastPara="0" vert="horz" wrap="square" lIns="50800" tIns="50800" rIns="50800" bIns="50800" numCol="1" spcCol="1270" anchor="ctr" anchorCtr="0">
+              <a:noAutofit/>
+            </a:bodyPr>
+            <a:lstStyle/>
+            <a:p>
+              <a:pPr lvl="0" algn="ctr" defTabSz="1778000">
+                <a:lnSpc>
+                  <a:spcPct val="90000"/>
+                </a:lnSpc>
+                <a:spcBef>
+                  <a:spcPct val="0"/>
+                </a:spcBef>
+                <a:spcAft>
+                  <a:spcPct val="35000"/>
+                </a:spcAft>
+              </a:pPr>
+              <a:endParaRPr lang="zh-CN" altLang="en-US" sz="4000" kern="1200"/>
+            </a:p>
+          </p:txBody>
+        </p:sp>
+      </p:grpSp>
+      <p:grpSp>
+        <p:nvGrpSpPr>
+          <p:cNvPr id="31" name="组合 30"/>
+          <p:cNvGrpSpPr/>
+          <p:nvPr/>
+        </p:nvGrpSpPr>
+        <p:grpSpPr>
+          <a:xfrm>
+            <a:off x="3706301" y="2554990"/>
+            <a:ext cx="371722" cy="349914"/>
+            <a:chOff x="1366" y="1803466"/>
+            <a:chExt cx="1811734" cy="1811734"/>
+          </a:xfrm>
+          <a:solidFill>
+            <a:srgbClr val="00B050"/>
+          </a:solidFill>
+        </p:grpSpPr>
+        <p:sp>
+          <p:nvSpPr>
+            <p:cNvPr id="32" name="椭圆 31"/>
+            <p:cNvSpPr/>
+            <p:nvPr/>
+          </p:nvSpPr>
+          <p:spPr>
+            <a:xfrm>
+              <a:off x="1366" y="1803466"/>
+              <a:ext cx="1811734" cy="1811734"/>
+            </a:xfrm>
+            <a:prstGeom prst="ellipse">
+              <a:avLst/>
+            </a:prstGeom>
+            <a:grpFill/>
+          </p:spPr>
+          <p:style>
+            <a:lnRef idx="2">
+              <a:schemeClr val="lt1">
+                <a:hueOff val="0"/>
+                <a:satOff val="0"/>
+                <a:lumOff val="0"/>
+                <a:alphaOff val="0"/>
+              </a:schemeClr>
+            </a:lnRef>
+            <a:fillRef idx="1">
+              <a:schemeClr val="accent1">
+                <a:hueOff val="0"/>
+                <a:satOff val="0"/>
+                <a:lumOff val="0"/>
+                <a:alphaOff val="0"/>
+              </a:schemeClr>
+            </a:fillRef>
+            <a:effectRef idx="0">
+              <a:schemeClr val="accent1">
+                <a:hueOff val="0"/>
+                <a:satOff val="0"/>
+                <a:lumOff val="0"/>
+                <a:alphaOff val="0"/>
+              </a:schemeClr>
+            </a:effectRef>
+            <a:fontRef idx="minor">
+              <a:schemeClr val="lt1"/>
+            </a:fontRef>
+          </p:style>
+        </p:sp>
+        <p:sp>
+          <p:nvSpPr>
+            <p:cNvPr id="33" name="椭圆 4"/>
+            <p:cNvSpPr/>
+            <p:nvPr/>
+          </p:nvSpPr>
+          <p:spPr>
+            <a:xfrm>
+              <a:off x="266688" y="2068788"/>
+              <a:ext cx="1281090" cy="1281090"/>
+            </a:xfrm>
+            <a:prstGeom prst="rect">
+              <a:avLst/>
+            </a:prstGeom>
+            <a:grpFill/>
+          </p:spPr>
+          <p:style>
+            <a:lnRef idx="0">
+              <a:scrgbClr r="0" g="0" b="0"/>
+            </a:lnRef>
+            <a:fillRef idx="0">
+              <a:scrgbClr r="0" g="0" b="0"/>
+            </a:fillRef>
+            <a:effectRef idx="0">
+              <a:scrgbClr r="0" g="0" b="0"/>
+            </a:effectRef>
+            <a:fontRef idx="minor">
+              <a:schemeClr val="lt1"/>
+            </a:fontRef>
+          </p:style>
+          <p:txBody>
+            <a:bodyPr spcFirstLastPara="0" vert="horz" wrap="square" lIns="50800" tIns="50800" rIns="50800" bIns="50800" numCol="1" spcCol="1270" anchor="ctr" anchorCtr="0">
+              <a:noAutofit/>
+            </a:bodyPr>
+            <a:lstStyle/>
+            <a:p>
+              <a:pPr lvl="0" algn="ctr" defTabSz="1778000">
+                <a:lnSpc>
+                  <a:spcPct val="90000"/>
+                </a:lnSpc>
+                <a:spcBef>
+                  <a:spcPct val="0"/>
+                </a:spcBef>
+                <a:spcAft>
+                  <a:spcPct val="35000"/>
+                </a:spcAft>
+              </a:pPr>
+              <a:endParaRPr lang="zh-CN" altLang="en-US" sz="4000" kern="1200"/>
+            </a:p>
+          </p:txBody>
+        </p:sp>
+      </p:grpSp>
+      <p:grpSp>
+        <p:nvGrpSpPr>
+          <p:cNvPr id="34" name="组合 33"/>
+          <p:cNvGrpSpPr/>
+          <p:nvPr/>
+        </p:nvGrpSpPr>
+        <p:grpSpPr>
+          <a:xfrm>
+            <a:off x="3706300" y="3424360"/>
+            <a:ext cx="371722" cy="349914"/>
+            <a:chOff x="1366" y="1803466"/>
+            <a:chExt cx="1811734" cy="1811734"/>
+          </a:xfrm>
+          <a:solidFill>
+            <a:srgbClr val="00B050"/>
+          </a:solidFill>
+        </p:grpSpPr>
+        <p:sp>
+          <p:nvSpPr>
+            <p:cNvPr id="35" name="椭圆 34"/>
+            <p:cNvSpPr/>
+            <p:nvPr/>
+          </p:nvSpPr>
+          <p:spPr>
+            <a:xfrm>
+              <a:off x="1366" y="1803466"/>
+              <a:ext cx="1811734" cy="1811734"/>
+            </a:xfrm>
+            <a:prstGeom prst="ellipse">
+              <a:avLst/>
+            </a:prstGeom>
+            <a:grpFill/>
+          </p:spPr>
+          <p:style>
+            <a:lnRef idx="2">
+              <a:schemeClr val="lt1">
+                <a:hueOff val="0"/>
+                <a:satOff val="0"/>
+                <a:lumOff val="0"/>
+                <a:alphaOff val="0"/>
+              </a:schemeClr>
+            </a:lnRef>
+            <a:fillRef idx="1">
+              <a:schemeClr val="accent1">
+                <a:hueOff val="0"/>
+                <a:satOff val="0"/>
+                <a:lumOff val="0"/>
+                <a:alphaOff val="0"/>
+              </a:schemeClr>
+            </a:fillRef>
+            <a:effectRef idx="0">
+              <a:schemeClr val="accent1">
+                <a:hueOff val="0"/>
+                <a:satOff val="0"/>
+                <a:lumOff val="0"/>
+                <a:alphaOff val="0"/>
+              </a:schemeClr>
+            </a:effectRef>
+            <a:fontRef idx="minor">
+              <a:schemeClr val="lt1"/>
+            </a:fontRef>
+          </p:style>
+        </p:sp>
+        <p:sp>
+          <p:nvSpPr>
+            <p:cNvPr id="36" name="椭圆 4"/>
+            <p:cNvSpPr/>
+            <p:nvPr/>
+          </p:nvSpPr>
+          <p:spPr>
+            <a:xfrm>
+              <a:off x="266688" y="2068788"/>
+              <a:ext cx="1281090" cy="1281090"/>
+            </a:xfrm>
+            <a:prstGeom prst="rect">
+              <a:avLst/>
+            </a:prstGeom>
+            <a:grpFill/>
+          </p:spPr>
+          <p:style>
+            <a:lnRef idx="0">
+              <a:scrgbClr r="0" g="0" b="0"/>
+            </a:lnRef>
+            <a:fillRef idx="0">
+              <a:scrgbClr r="0" g="0" b="0"/>
+            </a:fillRef>
+            <a:effectRef idx="0">
+              <a:scrgbClr r="0" g="0" b="0"/>
+            </a:effectRef>
+            <a:fontRef idx="minor">
+              <a:schemeClr val="lt1"/>
+            </a:fontRef>
+          </p:style>
+          <p:txBody>
+            <a:bodyPr spcFirstLastPara="0" vert="horz" wrap="square" lIns="50800" tIns="50800" rIns="50800" bIns="50800" numCol="1" spcCol="1270" anchor="ctr" anchorCtr="0">
+              <a:noAutofit/>
+            </a:bodyPr>
+            <a:lstStyle/>
+            <a:p>
+              <a:pPr lvl="0" algn="ctr" defTabSz="1778000">
+                <a:lnSpc>
+                  <a:spcPct val="90000"/>
+                </a:lnSpc>
+                <a:spcBef>
+                  <a:spcPct val="0"/>
+                </a:spcBef>
+                <a:spcAft>
+                  <a:spcPct val="35000"/>
+                </a:spcAft>
+              </a:pPr>
+              <a:endParaRPr lang="zh-CN" altLang="en-US" sz="4000" kern="1200"/>
+            </a:p>
+          </p:txBody>
+        </p:sp>
+      </p:grpSp>
+      <p:grpSp>
+        <p:nvGrpSpPr>
+          <p:cNvPr id="37" name="组合 36"/>
+          <p:cNvGrpSpPr/>
+          <p:nvPr/>
+        </p:nvGrpSpPr>
+        <p:grpSpPr>
+          <a:xfrm>
+            <a:off x="3706300" y="4290390"/>
+            <a:ext cx="371722" cy="349914"/>
+            <a:chOff x="1366" y="1803466"/>
+            <a:chExt cx="1811734" cy="1811734"/>
+          </a:xfrm>
+          <a:solidFill>
+            <a:srgbClr val="00B050"/>
+          </a:solidFill>
+        </p:grpSpPr>
+        <p:sp>
+          <p:nvSpPr>
+            <p:cNvPr id="38" name="椭圆 37"/>
+            <p:cNvSpPr/>
+            <p:nvPr/>
+          </p:nvSpPr>
+          <p:spPr>
+            <a:xfrm>
+              <a:off x="1366" y="1803466"/>
+              <a:ext cx="1811734" cy="1811734"/>
+            </a:xfrm>
+            <a:prstGeom prst="ellipse">
+              <a:avLst/>
+            </a:prstGeom>
+            <a:grpFill/>
+          </p:spPr>
+          <p:style>
+            <a:lnRef idx="2">
+              <a:schemeClr val="lt1">
+                <a:hueOff val="0"/>
+                <a:satOff val="0"/>
+                <a:lumOff val="0"/>
+                <a:alphaOff val="0"/>
+              </a:schemeClr>
+            </a:lnRef>
+            <a:fillRef idx="1">
+              <a:schemeClr val="accent1">
+                <a:hueOff val="0"/>
+                <a:satOff val="0"/>
+                <a:lumOff val="0"/>
+                <a:alphaOff val="0"/>
+              </a:schemeClr>
+            </a:fillRef>
+            <a:effectRef idx="0">
+              <a:schemeClr val="accent1">
+                <a:hueOff val="0"/>
+                <a:satOff val="0"/>
+                <a:lumOff val="0"/>
+                <a:alphaOff val="0"/>
+              </a:schemeClr>
+            </a:effectRef>
+            <a:fontRef idx="minor">
+              <a:schemeClr val="lt1"/>
+            </a:fontRef>
+          </p:style>
+        </p:sp>
+        <p:sp>
+          <p:nvSpPr>
+            <p:cNvPr id="39" name="椭圆 4"/>
+            <p:cNvSpPr/>
+            <p:nvPr/>
+          </p:nvSpPr>
+          <p:spPr>
+            <a:xfrm>
+              <a:off x="266688" y="2068788"/>
+              <a:ext cx="1281090" cy="1281090"/>
+            </a:xfrm>
+            <a:prstGeom prst="rect">
+              <a:avLst/>
+            </a:prstGeom>
+            <a:grpFill/>
+          </p:spPr>
+          <p:style>
+            <a:lnRef idx="0">
+              <a:scrgbClr r="0" g="0" b="0"/>
+            </a:lnRef>
+            <a:fillRef idx="0">
+              <a:scrgbClr r="0" g="0" b="0"/>
+            </a:fillRef>
+            <a:effectRef idx="0">
+              <a:scrgbClr r="0" g="0" b="0"/>
+            </a:effectRef>
+            <a:fontRef idx="minor">
+              <a:schemeClr val="lt1"/>
+            </a:fontRef>
+          </p:style>
+          <p:txBody>
+            <a:bodyPr spcFirstLastPara="0" vert="horz" wrap="square" lIns="50800" tIns="50800" rIns="50800" bIns="50800" numCol="1" spcCol="1270" anchor="ctr" anchorCtr="0">
+              <a:noAutofit/>
+            </a:bodyPr>
+            <a:lstStyle/>
+            <a:p>
+              <a:pPr lvl="0" algn="ctr" defTabSz="1778000">
+                <a:lnSpc>
+                  <a:spcPct val="90000"/>
+                </a:lnSpc>
+                <a:spcBef>
+                  <a:spcPct val="0"/>
+                </a:spcBef>
+                <a:spcAft>
+                  <a:spcPct val="35000"/>
+                </a:spcAft>
+              </a:pPr>
+              <a:endParaRPr lang="zh-CN" altLang="en-US" sz="4000" kern="1200"/>
+            </a:p>
+          </p:txBody>
+        </p:sp>
+      </p:grpSp>
       <p:cxnSp>
         <p:nvCxnSpPr>
-          <p:cNvPr id="9" name="直接连接符 8"/>
-          <p:cNvCxnSpPr/>
+          <p:cNvPr id="41" name="直接箭头连接符 40"/>
+          <p:cNvCxnSpPr>
+            <a:stCxn id="2" idx="3"/>
+            <a:endCxn id="28" idx="2"/>
+          </p:cNvCxnSpPr>
           <p:nvPr/>
         </p:nvCxnSpPr>
         <p:spPr>
           <a:xfrm>
-            <a:off x="1926336" y="993649"/>
-            <a:ext cx="7580376" cy="0"/>
-          </a:xfrm>
-          <a:prstGeom prst="line">
+            <a:off x="2552360" y="1863917"/>
+            <a:ext cx="1153942" cy="0"/>
+          </a:xfrm>
+          <a:prstGeom prst="straightConnector1">
             <a:avLst/>
           </a:prstGeom>
+          <a:ln w="19050">
+            <a:solidFill>
+              <a:schemeClr val="accent2"/>
+            </a:solidFill>
+            <a:tailEnd type="triangle"/>
+          </a:ln>
         </p:spPr>
         <p:style>
           <a:lnRef idx="1">
-            <a:schemeClr val="dk1"/>
+            <a:schemeClr val="accent1"/>
           </a:lnRef>
           <a:fillRef idx="0">
-            <a:schemeClr val="dk1"/>
+            <a:schemeClr val="accent1"/>
           </a:fillRef>
           <a:effectRef idx="0">
-            <a:schemeClr val="dk1"/>
+            <a:schemeClr val="accent1"/>
+          </a:effectRef>
+          <a:fontRef idx="minor">
+            <a:schemeClr val="tx1"/>
+          </a:fontRef>
+        </p:style>
+      </p:cxnSp>
+      <p:cxnSp>
+        <p:nvCxnSpPr>
+          <p:cNvPr id="44" name="直接箭头连接符 43"/>
+          <p:cNvCxnSpPr>
+            <a:stCxn id="18" idx="3"/>
+            <a:endCxn id="32" idx="2"/>
+          </p:cNvCxnSpPr>
+          <p:nvPr/>
+        </p:nvCxnSpPr>
+        <p:spPr>
+          <a:xfrm>
+            <a:off x="2552360" y="2729947"/>
+            <a:ext cx="1153941" cy="0"/>
+          </a:xfrm>
+          <a:prstGeom prst="straightConnector1">
+            <a:avLst/>
+          </a:prstGeom>
+          <a:ln w="19050">
+            <a:solidFill>
+              <a:schemeClr val="accent2"/>
+            </a:solidFill>
+            <a:tailEnd type="triangle"/>
+          </a:ln>
+        </p:spPr>
+        <p:style>
+          <a:lnRef idx="1">
+            <a:schemeClr val="accent1"/>
+          </a:lnRef>
+          <a:fillRef idx="0">
+            <a:schemeClr val="accent1"/>
+          </a:fillRef>
+          <a:effectRef idx="0">
+            <a:schemeClr val="accent1"/>
+          </a:effectRef>
+          <a:fontRef idx="minor">
+            <a:schemeClr val="tx1"/>
+          </a:fontRef>
+        </p:style>
+      </p:cxnSp>
+      <p:cxnSp>
+        <p:nvCxnSpPr>
+          <p:cNvPr id="47" name="直接箭头连接符 46"/>
+          <p:cNvCxnSpPr>
+            <a:stCxn id="23" idx="3"/>
+            <a:endCxn id="36" idx="1"/>
+          </p:cNvCxnSpPr>
+          <p:nvPr/>
+        </p:nvCxnSpPr>
+        <p:spPr>
+          <a:xfrm>
+            <a:off x="2552360" y="3595977"/>
+            <a:ext cx="1208377" cy="3341"/>
+          </a:xfrm>
+          <a:prstGeom prst="straightConnector1">
+            <a:avLst/>
+          </a:prstGeom>
+          <a:ln w="19050">
+            <a:solidFill>
+              <a:schemeClr val="accent2"/>
+            </a:solidFill>
+            <a:tailEnd type="triangle"/>
+          </a:ln>
+        </p:spPr>
+        <p:style>
+          <a:lnRef idx="1">
+            <a:schemeClr val="accent1"/>
+          </a:lnRef>
+          <a:fillRef idx="0">
+            <a:schemeClr val="accent1"/>
+          </a:fillRef>
+          <a:effectRef idx="0">
+            <a:schemeClr val="accent1"/>
+          </a:effectRef>
+          <a:fontRef idx="minor">
+            <a:schemeClr val="tx1"/>
+          </a:fontRef>
+        </p:style>
+      </p:cxnSp>
+      <p:cxnSp>
+        <p:nvCxnSpPr>
+          <p:cNvPr id="49" name="直接箭头连接符 48"/>
+          <p:cNvCxnSpPr>
+            <a:stCxn id="24" idx="3"/>
+            <a:endCxn id="38" idx="2"/>
+          </p:cNvCxnSpPr>
+          <p:nvPr/>
+        </p:nvCxnSpPr>
+        <p:spPr>
+          <a:xfrm>
+            <a:off x="2552360" y="4462007"/>
+            <a:ext cx="1153940" cy="3340"/>
+          </a:xfrm>
+          <a:prstGeom prst="straightConnector1">
+            <a:avLst/>
+          </a:prstGeom>
+          <a:ln w="19050">
+            <a:solidFill>
+              <a:schemeClr val="accent2"/>
+            </a:solidFill>
+            <a:tailEnd type="triangle"/>
+          </a:ln>
+        </p:spPr>
+        <p:style>
+          <a:lnRef idx="1">
+            <a:schemeClr val="accent1"/>
+          </a:lnRef>
+          <a:fillRef idx="0">
+            <a:schemeClr val="accent1"/>
+          </a:fillRef>
+          <a:effectRef idx="0">
+            <a:schemeClr val="accent1"/>
           </a:effectRef>
           <a:fontRef idx="minor">
             <a:schemeClr val="tx1"/>
@@ -10503,128 +11417,231 @@
       </p:cxnSp>
       <p:sp>
         <p:nvSpPr>
-          <p:cNvPr id="10" name="文本框 9"/>
-          <p:cNvSpPr txBox="1"/>
+          <p:cNvPr id="51" name="椭圆 50"/>
+          <p:cNvSpPr/>
           <p:nvPr/>
         </p:nvSpPr>
         <p:spPr>
           <a:xfrm>
-            <a:off x="2063496" y="1030225"/>
-            <a:ext cx="7306056" cy="369332"/>
-          </a:xfrm>
-          <a:prstGeom prst="rect">
+            <a:off x="5231960" y="2495383"/>
+            <a:ext cx="3005593" cy="1497496"/>
+          </a:xfrm>
+          <a:prstGeom prst="ellipse">
             <a:avLst/>
           </a:prstGeom>
-          <a:noFill/>
-        </p:spPr>
+          <a:solidFill>
+            <a:schemeClr val="bg1"/>
+          </a:solidFill>
+        </p:spPr>
+        <p:style>
+          <a:lnRef idx="2">
+            <a:schemeClr val="accent1">
+              <a:shade val="50000"/>
+            </a:schemeClr>
+          </a:lnRef>
+          <a:fillRef idx="1">
+            <a:schemeClr val="accent1"/>
+          </a:fillRef>
+          <a:effectRef idx="0">
+            <a:schemeClr val="accent1"/>
+          </a:effectRef>
+          <a:fontRef idx="minor">
+            <a:schemeClr val="lt1"/>
+          </a:fontRef>
+        </p:style>
         <p:txBody>
-          <a:bodyPr wrap="square" rtlCol="0">
-            <a:spAutoFit/>
-          </a:bodyPr>
+          <a:bodyPr rtlCol="0" anchor="ctr"/>
           <a:lstStyle/>
           <a:p>
-            <a:r>
-              <a:rPr lang="en-US" altLang="zh-CN" spc="300" dirty="0" smtClean="0">
-                <a:latin typeface="+mn-ea"/>
-              </a:rPr>
-              <a:t>2    </a:t>
-            </a:r>
-            <a:r>
-              <a:rPr lang="zh-CN" altLang="en-US" spc="300" dirty="0" smtClean="0">
-                <a:latin typeface="+mn-ea"/>
-              </a:rPr>
-              <a:t>集体</a:t>
-            </a:r>
-            <a:r>
-              <a:rPr lang="en-US" altLang="zh-CN" spc="300" dirty="0" smtClean="0">
-                <a:latin typeface="+mn-ea"/>
-              </a:rPr>
-              <a:t>/</a:t>
-            </a:r>
-            <a:r>
-              <a:rPr lang="zh-CN" altLang="en-US" spc="300" dirty="0" smtClean="0">
-                <a:latin typeface="+mn-ea"/>
-              </a:rPr>
-              <a:t>财产</a:t>
-            </a:r>
-            <a:r>
-              <a:rPr lang="en-US" altLang="zh-CN" spc="300" dirty="0" smtClean="0">
-                <a:latin typeface="+mn-ea"/>
-              </a:rPr>
-              <a:t>/</a:t>
-            </a:r>
-            <a:r>
-              <a:rPr lang="zh-CN" altLang="en-US" spc="300" dirty="0" smtClean="0">
-                <a:latin typeface="+mn-ea"/>
-              </a:rPr>
-              <a:t>所有权</a:t>
-            </a:r>
-            <a:r>
-              <a:rPr lang="en-US" altLang="zh-CN" spc="300" dirty="0" smtClean="0">
-                <a:latin typeface="+mn-ea"/>
-              </a:rPr>
-              <a:t>/</a:t>
-            </a:r>
-            <a:r>
-              <a:rPr lang="zh-CN" altLang="en-US" spc="300" dirty="0" smtClean="0">
-                <a:latin typeface="+mn-ea"/>
-              </a:rPr>
-              <a:t>包含</a:t>
-            </a:r>
-            <a:r>
-              <a:rPr lang="en-US" altLang="zh-CN" spc="300" dirty="0" smtClean="0">
-                <a:latin typeface="+mn-ea"/>
-              </a:rPr>
-              <a:t>/</a:t>
-            </a:r>
-            <a:r>
-              <a:rPr lang="zh-CN" altLang="en-US" spc="300" dirty="0" smtClean="0">
-                <a:latin typeface="+mn-ea"/>
-              </a:rPr>
-              <a:t>哪些</a:t>
-            </a:r>
-            <a:r>
-              <a:rPr lang="en-US" altLang="zh-CN" spc="300" dirty="0" smtClean="0">
-                <a:latin typeface="+mn-ea"/>
-              </a:rPr>
-              <a:t>/</a:t>
-            </a:r>
-            <a:r>
-              <a:rPr lang="zh-CN" altLang="en-US" spc="300" dirty="0" smtClean="0">
-                <a:latin typeface="+mn-ea"/>
-              </a:rPr>
-              <a:t>财产</a:t>
-            </a:r>
-            <a:endParaRPr lang="zh-CN" altLang="en-US" spc="300" dirty="0">
-              <a:latin typeface="+mn-ea"/>
-            </a:endParaRPr>
+            <a:pPr algn="ctr"/>
+            <a:endParaRPr lang="zh-CN" altLang="en-US"/>
           </a:p>
         </p:txBody>
       </p:sp>
       <p:cxnSp>
         <p:nvCxnSpPr>
-          <p:cNvPr id="11" name="直接连接符 10"/>
-          <p:cNvCxnSpPr/>
+          <p:cNvPr id="53" name="直接连接符 52"/>
+          <p:cNvCxnSpPr>
+            <a:stCxn id="51" idx="0"/>
+            <a:endCxn id="51" idx="4"/>
+          </p:cNvCxnSpPr>
           <p:nvPr/>
         </p:nvCxnSpPr>
         <p:spPr>
           <a:xfrm>
-            <a:off x="1926336" y="1423417"/>
-            <a:ext cx="7580376" cy="0"/>
+            <a:off x="6734757" y="2495383"/>
+            <a:ext cx="0" cy="1497496"/>
           </a:xfrm>
           <a:prstGeom prst="line">
             <a:avLst/>
           </a:prstGeom>
+          <a:ln w="28575"/>
         </p:spPr>
         <p:style>
           <a:lnRef idx="1">
-            <a:schemeClr val="dk1"/>
+            <a:schemeClr val="accent1"/>
           </a:lnRef>
           <a:fillRef idx="0">
-            <a:schemeClr val="dk1"/>
+            <a:schemeClr val="accent1"/>
           </a:fillRef>
           <a:effectRef idx="0">
-            <a:schemeClr val="dk1"/>
+            <a:schemeClr val="accent1"/>
+          </a:effectRef>
+          <a:fontRef idx="minor">
+            <a:schemeClr val="tx1"/>
+          </a:fontRef>
+        </p:style>
+      </p:cxnSp>
+      <p:cxnSp>
+        <p:nvCxnSpPr>
+          <p:cNvPr id="55" name="直接箭头连接符 54"/>
+          <p:cNvCxnSpPr>
+            <a:stCxn id="28" idx="6"/>
+            <a:endCxn id="51" idx="2"/>
+          </p:cNvCxnSpPr>
+          <p:nvPr/>
+        </p:nvCxnSpPr>
+        <p:spPr>
+          <a:xfrm>
+            <a:off x="4078024" y="1863917"/>
+            <a:ext cx="1153936" cy="1380214"/>
+          </a:xfrm>
+          <a:prstGeom prst="straightConnector1">
+            <a:avLst/>
+          </a:prstGeom>
+          <a:ln w="19050">
+            <a:solidFill>
+              <a:schemeClr val="accent2"/>
+            </a:solidFill>
+            <a:tailEnd type="triangle"/>
+          </a:ln>
+        </p:spPr>
+        <p:style>
+          <a:lnRef idx="1">
+            <a:schemeClr val="accent1"/>
+          </a:lnRef>
+          <a:fillRef idx="0">
+            <a:schemeClr val="accent1"/>
+          </a:fillRef>
+          <a:effectRef idx="0">
+            <a:schemeClr val="accent1"/>
+          </a:effectRef>
+          <a:fontRef idx="minor">
+            <a:schemeClr val="tx1"/>
+          </a:fontRef>
+        </p:style>
+      </p:cxnSp>
+      <p:cxnSp>
+        <p:nvCxnSpPr>
+          <p:cNvPr id="58" name="直接箭头连接符 57"/>
+          <p:cNvCxnSpPr>
+            <a:stCxn id="32" idx="6"/>
+            <a:endCxn id="51" idx="2"/>
+          </p:cNvCxnSpPr>
+          <p:nvPr/>
+        </p:nvCxnSpPr>
+        <p:spPr>
+          <a:xfrm>
+            <a:off x="4078023" y="2729947"/>
+            <a:ext cx="1153937" cy="514184"/>
+          </a:xfrm>
+          <a:prstGeom prst="straightConnector1">
+            <a:avLst/>
+          </a:prstGeom>
+          <a:ln w="19050">
+            <a:solidFill>
+              <a:schemeClr val="accent2"/>
+            </a:solidFill>
+            <a:tailEnd type="triangle"/>
+          </a:ln>
+        </p:spPr>
+        <p:style>
+          <a:lnRef idx="1">
+            <a:schemeClr val="accent1"/>
+          </a:lnRef>
+          <a:fillRef idx="0">
+            <a:schemeClr val="accent1"/>
+          </a:fillRef>
+          <a:effectRef idx="0">
+            <a:schemeClr val="accent1"/>
+          </a:effectRef>
+          <a:fontRef idx="minor">
+            <a:schemeClr val="tx1"/>
+          </a:fontRef>
+        </p:style>
+      </p:cxnSp>
+      <p:cxnSp>
+        <p:nvCxnSpPr>
+          <p:cNvPr id="61" name="直接箭头连接符 60"/>
+          <p:cNvCxnSpPr>
+            <a:stCxn id="35" idx="6"/>
+            <a:endCxn id="51" idx="2"/>
+          </p:cNvCxnSpPr>
+          <p:nvPr/>
+        </p:nvCxnSpPr>
+        <p:spPr>
+          <a:xfrm flipV="1">
+            <a:off x="4078022" y="3244131"/>
+            <a:ext cx="1153938" cy="355186"/>
+          </a:xfrm>
+          <a:prstGeom prst="straightConnector1">
+            <a:avLst/>
+          </a:prstGeom>
+          <a:ln w="19050">
+            <a:solidFill>
+              <a:schemeClr val="accent2"/>
+            </a:solidFill>
+            <a:tailEnd type="triangle"/>
+          </a:ln>
+        </p:spPr>
+        <p:style>
+          <a:lnRef idx="1">
+            <a:schemeClr val="accent1"/>
+          </a:lnRef>
+          <a:fillRef idx="0">
+            <a:schemeClr val="accent1"/>
+          </a:fillRef>
+          <a:effectRef idx="0">
+            <a:schemeClr val="accent1"/>
+          </a:effectRef>
+          <a:fontRef idx="minor">
+            <a:schemeClr val="tx1"/>
+          </a:fontRef>
+        </p:style>
+      </p:cxnSp>
+      <p:cxnSp>
+        <p:nvCxnSpPr>
+          <p:cNvPr id="64" name="直接箭头连接符 63"/>
+          <p:cNvCxnSpPr>
+            <a:stCxn id="38" idx="6"/>
+            <a:endCxn id="51" idx="2"/>
+          </p:cNvCxnSpPr>
+          <p:nvPr/>
+        </p:nvCxnSpPr>
+        <p:spPr>
+          <a:xfrm flipV="1">
+            <a:off x="4078022" y="3244131"/>
+            <a:ext cx="1153938" cy="1221216"/>
+          </a:xfrm>
+          <a:prstGeom prst="straightConnector1">
+            <a:avLst/>
+          </a:prstGeom>
+          <a:ln w="19050">
+            <a:solidFill>
+              <a:schemeClr val="accent2"/>
+            </a:solidFill>
+            <a:tailEnd type="triangle"/>
+          </a:ln>
+        </p:spPr>
+        <p:style>
+          <a:lnRef idx="1">
+            <a:schemeClr val="accent1"/>
+          </a:lnRef>
+          <a:fillRef idx="0">
+            <a:schemeClr val="accent1"/>
+          </a:fillRef>
+          <a:effectRef idx="0">
+            <a:schemeClr val="accent1"/>
           </a:effectRef>
           <a:fontRef idx="minor">
             <a:schemeClr val="tx1"/>
@@ -10633,14 +11650,14 @@
       </p:cxnSp>
       <p:sp>
         <p:nvSpPr>
-          <p:cNvPr id="12" name="文本框 11"/>
+          <p:cNvPr id="66" name="文本框 65"/>
           <p:cNvSpPr txBox="1"/>
           <p:nvPr/>
         </p:nvSpPr>
         <p:spPr>
           <a:xfrm>
-            <a:off x="2063496" y="1469658"/>
-            <a:ext cx="7306056" cy="369332"/>
+            <a:off x="3492050" y="5351592"/>
+            <a:ext cx="800219" cy="338554"/>
           </a:xfrm>
           <a:prstGeom prst="rect">
             <a:avLst/>
@@ -10648,119 +11665,367 @@
           <a:noFill/>
         </p:spPr>
         <p:txBody>
-          <a:bodyPr wrap="square" rtlCol="0">
+          <a:bodyPr wrap="none" rtlCol="0">
             <a:spAutoFit/>
           </a:bodyPr>
           <a:lstStyle/>
           <a:p>
             <a:r>
-              <a:rPr lang="en-US" altLang="zh-CN" spc="300" dirty="0">
-                <a:latin typeface="+mn-ea"/>
+              <a:rPr lang="zh-CN" altLang="en-US" sz="1600">
+                <a:latin typeface="黑体" panose="02010609060101010101" pitchFamily="49" charset="-122"/>
+                <a:ea typeface="黑体" panose="02010609060101010101" pitchFamily="49" charset="-122"/>
+              </a:rPr>
+              <a:t>输入层</a:t>
+            </a:r>
+          </a:p>
+        </p:txBody>
+      </p:sp>
+      <p:sp>
+        <p:nvSpPr>
+          <p:cNvPr id="67" name="文本框 66"/>
+          <p:cNvSpPr txBox="1"/>
+          <p:nvPr/>
+        </p:nvSpPr>
+        <p:spPr>
+          <a:xfrm>
+            <a:off x="4292269" y="1916369"/>
+            <a:ext cx="389850" cy="338554"/>
+          </a:xfrm>
+          <a:prstGeom prst="rect">
+            <a:avLst/>
+          </a:prstGeom>
+          <a:noFill/>
+        </p:spPr>
+        <p:txBody>
+          <a:bodyPr wrap="none" rtlCol="0">
+            <a:spAutoFit/>
+          </a:bodyPr>
+          <a:lstStyle/>
+          <a:p>
+            <a:r>
+              <a:rPr lang="en-US" altLang="zh-CN" sz="1600" i="1" smtClean="0">
+                <a:latin typeface="Times New Roman" panose="02020603050405020304" pitchFamily="18" charset="0"/>
+                <a:cs typeface="Times New Roman" panose="02020603050405020304" pitchFamily="18" charset="0"/>
+              </a:rPr>
+              <a:t>w</a:t>
+            </a:r>
+            <a:r>
+              <a:rPr lang="en-US" altLang="zh-CN" sz="1600" baseline="-25000" smtClean="0">
+                <a:latin typeface="Times New Roman" panose="02020603050405020304" pitchFamily="18" charset="0"/>
+                <a:cs typeface="Times New Roman" panose="02020603050405020304" pitchFamily="18" charset="0"/>
+              </a:rPr>
+              <a:t>1</a:t>
+            </a:r>
+            <a:endParaRPr lang="zh-CN" altLang="en-US" sz="1600" baseline="-25000">
+              <a:latin typeface="Times New Roman" panose="02020603050405020304" pitchFamily="18" charset="0"/>
+              <a:cs typeface="Times New Roman" panose="02020603050405020304" pitchFamily="18" charset="0"/>
+            </a:endParaRPr>
+          </a:p>
+        </p:txBody>
+      </p:sp>
+      <p:sp>
+        <p:nvSpPr>
+          <p:cNvPr id="68" name="文本框 67"/>
+          <p:cNvSpPr txBox="1"/>
+          <p:nvPr/>
+        </p:nvSpPr>
+        <p:spPr>
+          <a:xfrm>
+            <a:off x="4265022" y="3025526"/>
+            <a:ext cx="389850" cy="338554"/>
+          </a:xfrm>
+          <a:prstGeom prst="rect">
+            <a:avLst/>
+          </a:prstGeom>
+          <a:noFill/>
+        </p:spPr>
+        <p:txBody>
+          <a:bodyPr wrap="none" rtlCol="0">
+            <a:spAutoFit/>
+          </a:bodyPr>
+          <a:lstStyle/>
+          <a:p>
+            <a:r>
+              <a:rPr lang="en-US" altLang="zh-CN" sz="1600" i="1" smtClean="0">
+                <a:latin typeface="Times New Roman" panose="02020603050405020304" pitchFamily="18" charset="0"/>
+                <a:cs typeface="Times New Roman" panose="02020603050405020304" pitchFamily="18" charset="0"/>
+              </a:rPr>
+              <a:t>w</a:t>
+            </a:r>
+            <a:r>
+              <a:rPr lang="en-US" altLang="zh-CN" sz="1600" baseline="-25000" smtClean="0">
+                <a:latin typeface="Times New Roman" panose="02020603050405020304" pitchFamily="18" charset="0"/>
+                <a:cs typeface="Times New Roman" panose="02020603050405020304" pitchFamily="18" charset="0"/>
               </a:rPr>
               <a:t>3</a:t>
             </a:r>
-            <a:r>
-              <a:rPr lang="en-US" altLang="zh-CN" spc="300" dirty="0" smtClean="0">
-                <a:latin typeface="+mn-ea"/>
+            <a:endParaRPr lang="zh-CN" altLang="en-US" sz="1600" baseline="-25000">
+              <a:latin typeface="Times New Roman" panose="02020603050405020304" pitchFamily="18" charset="0"/>
+              <a:cs typeface="Times New Roman" panose="02020603050405020304" pitchFamily="18" charset="0"/>
+            </a:endParaRPr>
+          </a:p>
+        </p:txBody>
+      </p:sp>
+      <p:sp>
+        <p:nvSpPr>
+          <p:cNvPr id="69" name="文本框 68"/>
+          <p:cNvSpPr txBox="1"/>
+          <p:nvPr/>
+        </p:nvSpPr>
+        <p:spPr>
+          <a:xfrm>
+            <a:off x="4262773" y="3626821"/>
+            <a:ext cx="389850" cy="338554"/>
+          </a:xfrm>
+          <a:prstGeom prst="rect">
+            <a:avLst/>
+          </a:prstGeom>
+          <a:noFill/>
+        </p:spPr>
+        <p:txBody>
+          <a:bodyPr wrap="none" rtlCol="0">
+            <a:spAutoFit/>
+          </a:bodyPr>
+          <a:lstStyle/>
+          <a:p>
+            <a:r>
+              <a:rPr lang="en-US" altLang="zh-CN" sz="1600" i="1" smtClean="0">
+                <a:latin typeface="Times New Roman" panose="02020603050405020304" pitchFamily="18" charset="0"/>
+                <a:cs typeface="Times New Roman" panose="02020603050405020304" pitchFamily="18" charset="0"/>
               </a:rPr>
-              <a:t>    </a:t>
-            </a:r>
-            <a:r>
-              <a:rPr lang="zh-CN" altLang="en-US" spc="300" dirty="0" smtClean="0">
-                <a:latin typeface="+mn-ea"/>
+              <a:t>w</a:t>
+            </a:r>
+            <a:r>
+              <a:rPr lang="en-US" altLang="zh-CN" sz="1600" baseline="-25000" smtClean="0">
+                <a:latin typeface="Times New Roman" panose="02020603050405020304" pitchFamily="18" charset="0"/>
+                <a:cs typeface="Times New Roman" panose="02020603050405020304" pitchFamily="18" charset="0"/>
               </a:rPr>
-              <a:t>集体</a:t>
-            </a:r>
-            <a:r>
-              <a:rPr lang="en-US" altLang="zh-CN" spc="300" dirty="0" smtClean="0">
-                <a:latin typeface="+mn-ea"/>
+              <a:t>4</a:t>
+            </a:r>
+            <a:endParaRPr lang="zh-CN" altLang="en-US" sz="1600" baseline="-25000">
+              <a:latin typeface="Times New Roman" panose="02020603050405020304" pitchFamily="18" charset="0"/>
+              <a:cs typeface="Times New Roman" panose="02020603050405020304" pitchFamily="18" charset="0"/>
+            </a:endParaRPr>
+          </a:p>
+        </p:txBody>
+      </p:sp>
+      <p:sp>
+        <p:nvSpPr>
+          <p:cNvPr id="70" name="文本框 69"/>
+          <p:cNvSpPr txBox="1"/>
+          <p:nvPr/>
+        </p:nvSpPr>
+        <p:spPr>
+          <a:xfrm>
+            <a:off x="4262773" y="2512015"/>
+            <a:ext cx="389850" cy="338554"/>
+          </a:xfrm>
+          <a:prstGeom prst="rect">
+            <a:avLst/>
+          </a:prstGeom>
+          <a:noFill/>
+        </p:spPr>
+        <p:txBody>
+          <a:bodyPr wrap="none" rtlCol="0">
+            <a:spAutoFit/>
+          </a:bodyPr>
+          <a:lstStyle/>
+          <a:p>
+            <a:r>
+              <a:rPr lang="en-US" altLang="zh-CN" sz="1600" i="1" smtClean="0">
+                <a:latin typeface="Times New Roman" panose="02020603050405020304" pitchFamily="18" charset="0"/>
+                <a:cs typeface="Times New Roman" panose="02020603050405020304" pitchFamily="18" charset="0"/>
               </a:rPr>
-              <a:t>/</a:t>
-            </a:r>
-            <a:r>
-              <a:rPr lang="zh-CN" altLang="en-US" spc="300" dirty="0" smtClean="0">
-                <a:latin typeface="+mn-ea"/>
+              <a:t>w</a:t>
+            </a:r>
+            <a:r>
+              <a:rPr lang="en-US" altLang="zh-CN" sz="1600" baseline="-25000" smtClean="0">
+                <a:latin typeface="Times New Roman" panose="02020603050405020304" pitchFamily="18" charset="0"/>
+                <a:cs typeface="Times New Roman" panose="02020603050405020304" pitchFamily="18" charset="0"/>
               </a:rPr>
-              <a:t>财产</a:t>
-            </a:r>
-            <a:r>
-              <a:rPr lang="en-US" altLang="zh-CN" spc="300" dirty="0" smtClean="0">
-                <a:latin typeface="+mn-ea"/>
+              <a:t>2</a:t>
+            </a:r>
+            <a:endParaRPr lang="zh-CN" altLang="en-US" sz="1600" baseline="-25000">
+              <a:latin typeface="Times New Roman" panose="02020603050405020304" pitchFamily="18" charset="0"/>
+              <a:cs typeface="Times New Roman" panose="02020603050405020304" pitchFamily="18" charset="0"/>
+            </a:endParaRPr>
+          </a:p>
+        </p:txBody>
+      </p:sp>
+      <p:sp>
+        <p:nvSpPr>
+          <p:cNvPr id="71" name="文本框 70"/>
+          <p:cNvSpPr txBox="1"/>
+          <p:nvPr/>
+        </p:nvSpPr>
+        <p:spPr>
+          <a:xfrm>
+            <a:off x="5918661" y="2882374"/>
+            <a:ext cx="478016" cy="584775"/>
+          </a:xfrm>
+          <a:prstGeom prst="rect">
+            <a:avLst/>
+          </a:prstGeom>
+          <a:noFill/>
+        </p:spPr>
+        <p:txBody>
+          <a:bodyPr wrap="none" rtlCol="0">
+            <a:spAutoFit/>
+          </a:bodyPr>
+          <a:lstStyle/>
+          <a:p>
+            <a:r>
+              <a:rPr lang="zh-CN" altLang="en-US" sz="3200" b="1" smtClean="0">
+                <a:latin typeface="Times New Roman" panose="02020603050405020304" pitchFamily="18" charset="0"/>
+                <a:cs typeface="Times New Roman" panose="02020603050405020304" pitchFamily="18" charset="0"/>
               </a:rPr>
-              <a:t>/</a:t>
-            </a:r>
-            <a:r>
-              <a:rPr lang="zh-CN" altLang="en-US" spc="300" dirty="0" smtClean="0">
-                <a:latin typeface="+mn-ea"/>
+              <a:t>∑</a:t>
+            </a:r>
+            <a:endParaRPr lang="zh-CN" altLang="en-US" sz="3200" b="1">
+              <a:latin typeface="Times New Roman" panose="02020603050405020304" pitchFamily="18" charset="0"/>
+              <a:cs typeface="Times New Roman" panose="02020603050405020304" pitchFamily="18" charset="0"/>
+            </a:endParaRPr>
+          </a:p>
+        </p:txBody>
+      </p:sp>
+      <p:sp>
+        <p:nvSpPr>
+          <p:cNvPr id="72" name="文本框 71"/>
+          <p:cNvSpPr txBox="1"/>
+          <p:nvPr/>
+        </p:nvSpPr>
+        <p:spPr>
+          <a:xfrm>
+            <a:off x="7167490" y="2902415"/>
+            <a:ext cx="320922" cy="584775"/>
+          </a:xfrm>
+          <a:prstGeom prst="rect">
+            <a:avLst/>
+          </a:prstGeom>
+          <a:noFill/>
+        </p:spPr>
+        <p:txBody>
+          <a:bodyPr wrap="none" rtlCol="0">
+            <a:spAutoFit/>
+          </a:bodyPr>
+          <a:lstStyle/>
+          <a:p>
+            <a:r>
+              <a:rPr lang="en-US" altLang="zh-CN" sz="3200" b="1" i="1">
+                <a:latin typeface="Times New Roman" panose="02020603050405020304" pitchFamily="18" charset="0"/>
+                <a:cs typeface="Times New Roman" panose="02020603050405020304" pitchFamily="18" charset="0"/>
               </a:rPr>
-              <a:t>所有权</a:t>
-            </a:r>
-            <a:r>
-              <a:rPr lang="en-US" altLang="zh-CN" spc="300" dirty="0" smtClean="0">
-                <a:latin typeface="+mn-ea"/>
+              <a:t>f</a:t>
+            </a:r>
+            <a:endParaRPr lang="zh-CN" altLang="en-US" sz="3200" b="1" i="1">
+              <a:latin typeface="Times New Roman" panose="02020603050405020304" pitchFamily="18" charset="0"/>
+              <a:cs typeface="Times New Roman" panose="02020603050405020304" pitchFamily="18" charset="0"/>
+            </a:endParaRPr>
+          </a:p>
+        </p:txBody>
+      </p:sp>
+      <p:sp>
+        <p:nvSpPr>
+          <p:cNvPr id="73" name="文本框 72"/>
+          <p:cNvSpPr txBox="1"/>
+          <p:nvPr/>
+        </p:nvSpPr>
+        <p:spPr>
+          <a:xfrm>
+            <a:off x="6232055" y="1805292"/>
+            <a:ext cx="1005403" cy="338554"/>
+          </a:xfrm>
+          <a:prstGeom prst="rect">
+            <a:avLst/>
+          </a:prstGeom>
+          <a:noFill/>
+        </p:spPr>
+        <p:txBody>
+          <a:bodyPr wrap="none" rtlCol="0">
+            <a:spAutoFit/>
+          </a:bodyPr>
+          <a:lstStyle/>
+          <a:p>
+            <a:r>
+              <a:rPr lang="zh-CN" altLang="en-US" sz="1600" smtClean="0">
+                <a:latin typeface="黑体" panose="02010609060101010101" pitchFamily="49" charset="-122"/>
+                <a:ea typeface="黑体" panose="02010609060101010101" pitchFamily="49" charset="-122"/>
               </a:rPr>
-              <a:t>/</a:t>
-            </a:r>
-            <a:r>
-              <a:rPr lang="zh-CN" altLang="en-US" spc="300" dirty="0" smtClean="0">
-                <a:latin typeface="+mn-ea"/>
-              </a:rPr>
-              <a:t>包含</a:t>
-            </a:r>
-            <a:r>
-              <a:rPr lang="en-US" altLang="zh-CN" spc="300" dirty="0" smtClean="0">
-                <a:latin typeface="+mn-ea"/>
-              </a:rPr>
-              <a:t>/</a:t>
-            </a:r>
-            <a:r>
-              <a:rPr lang="zh-CN" altLang="en-US" spc="300" dirty="0" smtClean="0">
-                <a:latin typeface="+mn-ea"/>
-              </a:rPr>
-              <a:t>哪些</a:t>
-            </a:r>
-            <a:r>
-              <a:rPr lang="en-US" altLang="zh-CN" spc="300" dirty="0" smtClean="0">
-                <a:latin typeface="+mn-ea"/>
-              </a:rPr>
-              <a:t>/</a:t>
-            </a:r>
-            <a:r>
-              <a:rPr lang="zh-CN" altLang="en-US" spc="300" dirty="0" smtClean="0">
-                <a:latin typeface="+mn-ea"/>
-              </a:rPr>
-              <a:t>财产</a:t>
-            </a:r>
-            <a:endParaRPr lang="zh-CN" altLang="en-US" spc="300" dirty="0">
-              <a:latin typeface="+mn-ea"/>
+              <a:t>神经细胞</a:t>
+            </a:r>
+            <a:endParaRPr lang="zh-CN" altLang="en-US" sz="1600">
+              <a:latin typeface="黑体" panose="02010609060101010101" pitchFamily="49" charset="-122"/>
+              <a:ea typeface="黑体" panose="02010609060101010101" pitchFamily="49" charset="-122"/>
             </a:endParaRPr>
           </a:p>
         </p:txBody>
       </p:sp>
       <p:cxnSp>
         <p:nvCxnSpPr>
-          <p:cNvPr id="13" name="直接连接符 12"/>
+          <p:cNvPr id="75" name="直接箭头连接符 74"/>
           <p:cNvCxnSpPr/>
           <p:nvPr/>
         </p:nvCxnSpPr>
         <p:spPr>
-          <a:xfrm>
-            <a:off x="1917192" y="2737100"/>
-            <a:ext cx="7580376" cy="0"/>
-          </a:xfrm>
-          <a:prstGeom prst="line">
+          <a:xfrm flipV="1">
+            <a:off x="5740842" y="3965375"/>
+            <a:ext cx="349857" cy="674929"/>
+          </a:xfrm>
+          <a:prstGeom prst="straightConnector1">
             <a:avLst/>
           </a:prstGeom>
+          <a:ln w="19050">
+            <a:solidFill>
+              <a:schemeClr val="tx1"/>
+            </a:solidFill>
+            <a:tailEnd type="triangle"/>
+          </a:ln>
         </p:spPr>
         <p:style>
           <a:lnRef idx="1">
-            <a:schemeClr val="dk1"/>
+            <a:schemeClr val="accent1"/>
           </a:lnRef>
           <a:fillRef idx="0">
-            <a:schemeClr val="dk1"/>
+            <a:schemeClr val="accent1"/>
           </a:fillRef>
           <a:effectRef idx="0">
-            <a:schemeClr val="dk1"/>
+            <a:schemeClr val="accent1"/>
+          </a:effectRef>
+          <a:fontRef idx="minor">
+            <a:schemeClr val="tx1"/>
+          </a:fontRef>
+        </p:style>
+      </p:cxnSp>
+      <p:cxnSp>
+        <p:nvCxnSpPr>
+          <p:cNvPr id="76" name="直接箭头连接符 75"/>
+          <p:cNvCxnSpPr/>
+          <p:nvPr/>
+        </p:nvCxnSpPr>
+        <p:spPr>
+          <a:xfrm flipH="1" flipV="1">
+            <a:off x="7488414" y="3891651"/>
+            <a:ext cx="359523" cy="732694"/>
+          </a:xfrm>
+          <a:prstGeom prst="straightConnector1">
+            <a:avLst/>
+          </a:prstGeom>
+          <a:ln w="19050">
+            <a:solidFill>
+              <a:schemeClr val="tx1"/>
+            </a:solidFill>
+            <a:tailEnd type="triangle"/>
+          </a:ln>
+        </p:spPr>
+        <p:style>
+          <a:lnRef idx="1">
+            <a:schemeClr val="accent1"/>
+          </a:lnRef>
+          <a:fillRef idx="0">
+            <a:schemeClr val="accent1"/>
+          </a:fillRef>
+          <a:effectRef idx="0">
+            <a:schemeClr val="accent1"/>
           </a:effectRef>
           <a:fontRef idx="minor">
             <a:schemeClr val="tx1"/>
@@ -10769,14 +12034,14 @@
       </p:cxnSp>
       <p:sp>
         <p:nvSpPr>
-          <p:cNvPr id="14" name="文本框 13"/>
+          <p:cNvPr id="81" name="文本框 80"/>
           <p:cNvSpPr txBox="1"/>
           <p:nvPr/>
         </p:nvSpPr>
         <p:spPr>
           <a:xfrm>
-            <a:off x="2063496" y="2779254"/>
-            <a:ext cx="7306056" cy="369332"/>
+            <a:off x="5443324" y="4755582"/>
+            <a:ext cx="595035" cy="338554"/>
           </a:xfrm>
           <a:prstGeom prst="rect">
             <a:avLst/>
@@ -10784,119 +12049,150 @@
           <a:noFill/>
         </p:spPr>
         <p:txBody>
-          <a:bodyPr wrap="square" rtlCol="0">
+          <a:bodyPr wrap="none" rtlCol="0">
             <a:spAutoFit/>
           </a:bodyPr>
           <a:lstStyle/>
           <a:p>
             <a:r>
-              <a:rPr lang="en-US" altLang="zh-CN" spc="300" dirty="0">
-                <a:latin typeface="+mn-ea"/>
+              <a:rPr lang="zh-CN" altLang="en-US" sz="1600">
+                <a:latin typeface="黑体" panose="02010609060101010101" pitchFamily="49" charset="-122"/>
+                <a:ea typeface="黑体" panose="02010609060101010101" pitchFamily="49" charset="-122"/>
               </a:rPr>
-              <a:t>6</a:t>
-            </a:r>
-            <a:r>
-              <a:rPr lang="en-US" altLang="zh-CN" spc="300" dirty="0" smtClean="0">
-                <a:latin typeface="+mn-ea"/>
+              <a:t>聚合</a:t>
+            </a:r>
+          </a:p>
+        </p:txBody>
+      </p:sp>
+      <p:sp>
+        <p:nvSpPr>
+          <p:cNvPr id="82" name="文本框 81"/>
+          <p:cNvSpPr txBox="1"/>
+          <p:nvPr/>
+        </p:nvSpPr>
+        <p:spPr>
+          <a:xfrm>
+            <a:off x="7488412" y="4696571"/>
+            <a:ext cx="1005403" cy="338554"/>
+          </a:xfrm>
+          <a:prstGeom prst="rect">
+            <a:avLst/>
+          </a:prstGeom>
+          <a:noFill/>
+        </p:spPr>
+        <p:txBody>
+          <a:bodyPr wrap="none" rtlCol="0">
+            <a:spAutoFit/>
+          </a:bodyPr>
+          <a:lstStyle/>
+          <a:p>
+            <a:r>
+              <a:rPr lang="zh-CN" altLang="en-US" sz="1600">
+                <a:latin typeface="黑体" panose="02010609060101010101" pitchFamily="49" charset="-122"/>
+                <a:ea typeface="黑体" panose="02010609060101010101" pitchFamily="49" charset="-122"/>
               </a:rPr>
-              <a:t>    </a:t>
-            </a:r>
-            <a:r>
-              <a:rPr lang="zh-CN" altLang="en-US" spc="300" dirty="0" smtClean="0">
-                <a:latin typeface="+mn-ea"/>
+              <a:t>激励函数</a:t>
+            </a:r>
+          </a:p>
+        </p:txBody>
+      </p:sp>
+      <p:sp>
+        <p:nvSpPr>
+          <p:cNvPr id="83" name="矩形 82"/>
+          <p:cNvSpPr/>
+          <p:nvPr/>
+        </p:nvSpPr>
+        <p:spPr>
+          <a:xfrm>
+            <a:off x="9740350" y="3017574"/>
+            <a:ext cx="739471" cy="469128"/>
+          </a:xfrm>
+          <a:prstGeom prst="rect">
+            <a:avLst/>
+          </a:prstGeom>
+          <a:solidFill>
+            <a:schemeClr val="bg1"/>
+          </a:solidFill>
+          <a:ln w="22860">
+            <a:solidFill>
+              <a:schemeClr val="accent1">
+                <a:lumMod val="75000"/>
+              </a:schemeClr>
+            </a:solidFill>
+          </a:ln>
+          <a:effectLst/>
+        </p:spPr>
+        <p:style>
+          <a:lnRef idx="2">
+            <a:schemeClr val="accent1">
+              <a:shade val="50000"/>
+            </a:schemeClr>
+          </a:lnRef>
+          <a:fillRef idx="1">
+            <a:schemeClr val="accent1"/>
+          </a:fillRef>
+          <a:effectRef idx="0">
+            <a:schemeClr val="accent1"/>
+          </a:effectRef>
+          <a:fontRef idx="minor">
+            <a:schemeClr val="lt1"/>
+          </a:fontRef>
+        </p:style>
+        <p:txBody>
+          <a:bodyPr rtlCol="0" anchor="ctr"/>
+          <a:lstStyle/>
+          <a:p>
+            <a:pPr algn="ctr"/>
+            <a:r>
+              <a:rPr lang="en-US" altLang="zh-CN" sz="2000" i="1" smtClean="0">
+                <a:solidFill>
+                  <a:schemeClr val="tx1"/>
+                </a:solidFill>
+                <a:latin typeface="Times New Roman" panose="02020603050405020304" pitchFamily="18" charset="0"/>
+                <a:cs typeface="Times New Roman" panose="02020603050405020304" pitchFamily="18" charset="0"/>
               </a:rPr>
-              <a:t>集体</a:t>
-            </a:r>
-            <a:r>
-              <a:rPr lang="en-US" altLang="zh-CN" spc="300" dirty="0" smtClean="0">
-                <a:latin typeface="+mn-ea"/>
-              </a:rPr>
-              <a:t>/</a:t>
-            </a:r>
-            <a:r>
-              <a:rPr lang="zh-CN" altLang="en-US" spc="300" dirty="0" smtClean="0">
-                <a:latin typeface="+mn-ea"/>
-              </a:rPr>
-              <a:t>财产</a:t>
-            </a:r>
-            <a:r>
-              <a:rPr lang="en-US" altLang="zh-CN" spc="300" dirty="0" smtClean="0">
-                <a:latin typeface="+mn-ea"/>
-              </a:rPr>
-              <a:t>/</a:t>
-            </a:r>
-            <a:r>
-              <a:rPr lang="zh-CN" altLang="en-US" spc="300" dirty="0" smtClean="0">
-                <a:latin typeface="+mn-ea"/>
-              </a:rPr>
-              <a:t>所有权</a:t>
-            </a:r>
-            <a:r>
-              <a:rPr lang="en-US" altLang="zh-CN" spc="300" dirty="0" smtClean="0">
-                <a:latin typeface="+mn-ea"/>
-              </a:rPr>
-              <a:t>/</a:t>
-            </a:r>
-            <a:r>
-              <a:rPr lang="zh-CN" altLang="en-US" spc="300" dirty="0" smtClean="0">
-                <a:latin typeface="+mn-ea"/>
-              </a:rPr>
-              <a:t>包含</a:t>
-            </a:r>
-            <a:r>
-              <a:rPr lang="en-US" altLang="zh-CN" spc="300" dirty="0" smtClean="0">
-                <a:latin typeface="+mn-ea"/>
-              </a:rPr>
-              <a:t>/</a:t>
-            </a:r>
-            <a:r>
-              <a:rPr lang="zh-CN" altLang="en-US" spc="300" dirty="0" smtClean="0">
-                <a:latin typeface="+mn-ea"/>
-              </a:rPr>
-              <a:t>哪些</a:t>
-            </a:r>
-            <a:r>
-              <a:rPr lang="en-US" altLang="zh-CN" spc="300" dirty="0" smtClean="0">
-                <a:latin typeface="+mn-ea"/>
-              </a:rPr>
-              <a:t>/</a:t>
-            </a:r>
-            <a:r>
-              <a:rPr lang="zh-CN" altLang="en-US" spc="300" dirty="0" smtClean="0">
-                <a:latin typeface="+mn-ea"/>
-              </a:rPr>
-              <a:t>财产</a:t>
-            </a:r>
-            <a:endParaRPr lang="zh-CN" altLang="en-US" spc="300" dirty="0">
-              <a:latin typeface="+mn-ea"/>
+              <a:t>y</a:t>
+            </a:r>
+            <a:endParaRPr lang="zh-CN" altLang="en-US" sz="2000" baseline="-25000">
+              <a:solidFill>
+                <a:schemeClr val="tx1"/>
+              </a:solidFill>
             </a:endParaRPr>
           </a:p>
         </p:txBody>
       </p:sp>
       <p:cxnSp>
         <p:nvCxnSpPr>
-          <p:cNvPr id="15" name="直接连接符 14"/>
-          <p:cNvCxnSpPr/>
+          <p:cNvPr id="84" name="直接箭头连接符 83"/>
+          <p:cNvCxnSpPr>
+            <a:endCxn id="83" idx="1"/>
+          </p:cNvCxnSpPr>
           <p:nvPr/>
         </p:nvCxnSpPr>
         <p:spPr>
           <a:xfrm>
-            <a:off x="1926336" y="2325623"/>
-            <a:ext cx="7580376" cy="0"/>
-          </a:xfrm>
-          <a:prstGeom prst="line">
+            <a:off x="8237553" y="3252138"/>
+            <a:ext cx="1502797" cy="0"/>
+          </a:xfrm>
+          <a:prstGeom prst="straightConnector1">
             <a:avLst/>
           </a:prstGeom>
+          <a:ln w="19050">
+            <a:solidFill>
+              <a:schemeClr val="accent2"/>
+            </a:solidFill>
+            <a:tailEnd type="triangle"/>
+          </a:ln>
         </p:spPr>
         <p:style>
           <a:lnRef idx="1">
-            <a:schemeClr val="dk1"/>
+            <a:schemeClr val="accent1"/>
           </a:lnRef>
           <a:fillRef idx="0">
-            <a:schemeClr val="dk1"/>
+            <a:schemeClr val="accent1"/>
           </a:fillRef>
           <a:effectRef idx="0">
-            <a:schemeClr val="dk1"/>
+            <a:schemeClr val="accent1"/>
           </a:effectRef>
           <a:fontRef idx="minor">
             <a:schemeClr val="tx1"/>
@@ -10905,412 +12201,122 @@
       </p:cxnSp>
       <p:sp>
         <p:nvSpPr>
-          <p:cNvPr id="16" name="文本框 15"/>
-          <p:cNvSpPr txBox="1"/>
+          <p:cNvPr id="86" name="矩形 85"/>
+          <p:cNvSpPr/>
           <p:nvPr/>
         </p:nvSpPr>
         <p:spPr>
           <a:xfrm>
-            <a:off x="2063496" y="2367768"/>
-            <a:ext cx="7306056" cy="369332"/>
+            <a:off x="9601199" y="1569746"/>
+            <a:ext cx="1017771" cy="469128"/>
           </a:xfrm>
           <a:prstGeom prst="rect">
             <a:avLst/>
           </a:prstGeom>
-          <a:noFill/>
-        </p:spPr>
+          <a:solidFill>
+            <a:schemeClr val="bg1"/>
+          </a:solidFill>
+          <a:ln w="22860">
+            <a:solidFill>
+              <a:srgbClr val="00B050"/>
+            </a:solidFill>
+          </a:ln>
+          <a:effectLst/>
+        </p:spPr>
+        <p:style>
+          <a:lnRef idx="2">
+            <a:schemeClr val="accent1">
+              <a:shade val="50000"/>
+            </a:schemeClr>
+          </a:lnRef>
+          <a:fillRef idx="1">
+            <a:schemeClr val="accent1"/>
+          </a:fillRef>
+          <a:effectRef idx="0">
+            <a:schemeClr val="accent1"/>
+          </a:effectRef>
+          <a:fontRef idx="minor">
+            <a:schemeClr val="lt1"/>
+          </a:fontRef>
+        </p:style>
         <p:txBody>
-          <a:bodyPr wrap="square" rtlCol="0">
-            <a:spAutoFit/>
-          </a:bodyPr>
+          <a:bodyPr rtlCol="0" anchor="ctr"/>
           <a:lstStyle/>
           <a:p>
-            <a:r>
-              <a:rPr lang="en-US" altLang="zh-CN" spc="300" dirty="0">
-                <a:latin typeface="+mn-ea"/>
+            <a:pPr algn="ctr"/>
+            <a:r>
+              <a:rPr lang="zh-CN" altLang="en-US" sz="1600" smtClean="0">
+                <a:solidFill>
+                  <a:schemeClr val="tx1"/>
+                </a:solidFill>
+                <a:latin typeface="黑体" panose="02010609060101010101" pitchFamily="49" charset="-122"/>
+                <a:ea typeface="黑体" panose="02010609060101010101" pitchFamily="49" charset="-122"/>
+                <a:cs typeface="Times New Roman" panose="02020603050405020304" pitchFamily="18" charset="0"/>
               </a:rPr>
-              <a:t>5</a:t>
-            </a:r>
-            <a:r>
-              <a:rPr lang="en-US" altLang="zh-CN" spc="300" dirty="0" smtClean="0">
-                <a:latin typeface="+mn-ea"/>
+              <a:t>输</a:t>
+            </a:r>
+            <a:r>
+              <a:rPr lang="zh-CN" altLang="en-US" sz="1600">
+                <a:solidFill>
+                  <a:schemeClr val="tx1"/>
+                </a:solidFill>
+                <a:latin typeface="黑体" panose="02010609060101010101" pitchFamily="49" charset="-122"/>
+                <a:ea typeface="黑体" panose="02010609060101010101" pitchFamily="49" charset="-122"/>
+                <a:cs typeface="Times New Roman" panose="02020603050405020304" pitchFamily="18" charset="0"/>
               </a:rPr>
-              <a:t>    </a:t>
-            </a:r>
-            <a:r>
-              <a:rPr lang="zh-CN" altLang="en-US" spc="300" dirty="0" smtClean="0">
-                <a:latin typeface="+mn-ea"/>
-              </a:rPr>
-              <a:t>集体</a:t>
-            </a:r>
-            <a:r>
-              <a:rPr lang="en-US" altLang="zh-CN" spc="300" dirty="0" smtClean="0">
-                <a:latin typeface="+mn-ea"/>
-              </a:rPr>
-              <a:t>/</a:t>
-            </a:r>
-            <a:r>
-              <a:rPr lang="zh-CN" altLang="en-US" spc="300" dirty="0" smtClean="0">
-                <a:latin typeface="+mn-ea"/>
-              </a:rPr>
-              <a:t>财产</a:t>
-            </a:r>
-            <a:r>
-              <a:rPr lang="en-US" altLang="zh-CN" spc="300" dirty="0" smtClean="0">
-                <a:latin typeface="+mn-ea"/>
-              </a:rPr>
-              <a:t>/</a:t>
-            </a:r>
-            <a:r>
-              <a:rPr lang="zh-CN" altLang="en-US" spc="300" dirty="0" smtClean="0">
-                <a:latin typeface="+mn-ea"/>
-              </a:rPr>
-              <a:t>所有权</a:t>
-            </a:r>
-            <a:r>
-              <a:rPr lang="en-US" altLang="zh-CN" spc="300" dirty="0" smtClean="0">
-                <a:latin typeface="+mn-ea"/>
-              </a:rPr>
-              <a:t>/</a:t>
-            </a:r>
-            <a:r>
-              <a:rPr lang="zh-CN" altLang="en-US" spc="300" dirty="0" smtClean="0">
-                <a:latin typeface="+mn-ea"/>
-              </a:rPr>
-              <a:t>包含</a:t>
-            </a:r>
-            <a:r>
-              <a:rPr lang="en-US" altLang="zh-CN" spc="300" dirty="0" smtClean="0">
-                <a:latin typeface="+mn-ea"/>
-              </a:rPr>
-              <a:t>/</a:t>
-            </a:r>
-            <a:r>
-              <a:rPr lang="zh-CN" altLang="en-US" spc="300" dirty="0" smtClean="0">
-                <a:latin typeface="+mn-ea"/>
-              </a:rPr>
-              <a:t>哪些</a:t>
-            </a:r>
-            <a:r>
-              <a:rPr lang="en-US" altLang="zh-CN" spc="300" dirty="0" smtClean="0">
-                <a:latin typeface="+mn-ea"/>
-              </a:rPr>
-              <a:t>/</a:t>
-            </a:r>
-            <a:r>
-              <a:rPr lang="zh-CN" altLang="en-US" spc="300" dirty="0" smtClean="0">
-                <a:latin typeface="+mn-ea"/>
-              </a:rPr>
-              <a:t>财产</a:t>
-            </a:r>
-            <a:endParaRPr lang="zh-CN" altLang="en-US" spc="300" dirty="0">
-              <a:latin typeface="+mn-ea"/>
+              <a:t>出</a:t>
+            </a:r>
+            <a:endParaRPr lang="zh-CN" altLang="en-US" sz="1600" baseline="-25000">
+              <a:solidFill>
+                <a:schemeClr val="tx1"/>
+              </a:solidFill>
+              <a:latin typeface="黑体" panose="02010609060101010101" pitchFamily="49" charset="-122"/>
+              <a:ea typeface="黑体" panose="02010609060101010101" pitchFamily="49" charset="-122"/>
             </a:endParaRPr>
           </a:p>
         </p:txBody>
       </p:sp>
       <p:cxnSp>
         <p:nvCxnSpPr>
-          <p:cNvPr id="17" name="直接连接符 16"/>
-          <p:cNvCxnSpPr/>
+          <p:cNvPr id="87" name="直接箭头连接符 86"/>
+          <p:cNvCxnSpPr>
+            <a:endCxn id="83" idx="0"/>
+          </p:cNvCxnSpPr>
           <p:nvPr/>
         </p:nvCxnSpPr>
         <p:spPr>
-          <a:xfrm>
-            <a:off x="1962912" y="3593589"/>
-            <a:ext cx="7580376" cy="0"/>
-          </a:xfrm>
-          <a:prstGeom prst="line">
+          <a:xfrm flipH="1">
+            <a:off x="10110086" y="2038874"/>
+            <a:ext cx="12922" cy="978700"/>
+          </a:xfrm>
+          <a:prstGeom prst="straightConnector1">
             <a:avLst/>
           </a:prstGeom>
+          <a:ln w="22860">
+            <a:solidFill>
+              <a:schemeClr val="tx1">
+                <a:lumMod val="75000"/>
+                <a:lumOff val="25000"/>
+              </a:schemeClr>
+            </a:solidFill>
+            <a:tailEnd type="triangle"/>
+          </a:ln>
         </p:spPr>
         <p:style>
           <a:lnRef idx="1">
-            <a:schemeClr val="dk1"/>
+            <a:schemeClr val="accent1"/>
           </a:lnRef>
           <a:fillRef idx="0">
-            <a:schemeClr val="dk1"/>
+            <a:schemeClr val="accent1"/>
           </a:fillRef>
           <a:effectRef idx="0">
-            <a:schemeClr val="dk1"/>
+            <a:schemeClr val="accent1"/>
           </a:effectRef>
           <a:fontRef idx="minor">
             <a:schemeClr val="tx1"/>
           </a:fontRef>
         </p:style>
       </p:cxnSp>
-      <p:cxnSp>
-        <p:nvCxnSpPr>
-          <p:cNvPr id="19" name="直接连接符 18"/>
-          <p:cNvCxnSpPr/>
-          <p:nvPr/>
-        </p:nvCxnSpPr>
-        <p:spPr>
-          <a:xfrm>
-            <a:off x="1917192" y="3148586"/>
-            <a:ext cx="7580376" cy="0"/>
-          </a:xfrm>
-          <a:prstGeom prst="line">
-            <a:avLst/>
-          </a:prstGeom>
-        </p:spPr>
-        <p:style>
-          <a:lnRef idx="1">
-            <a:schemeClr val="dk1"/>
-          </a:lnRef>
-          <a:fillRef idx="0">
-            <a:schemeClr val="dk1"/>
-          </a:fillRef>
-          <a:effectRef idx="0">
-            <a:schemeClr val="dk1"/>
-          </a:effectRef>
-          <a:fontRef idx="minor">
-            <a:schemeClr val="tx1"/>
-          </a:fontRef>
-        </p:style>
-      </p:cxnSp>
-      <p:sp>
-        <p:nvSpPr>
-          <p:cNvPr id="20" name="文本框 19"/>
-          <p:cNvSpPr txBox="1"/>
-          <p:nvPr/>
-        </p:nvSpPr>
-        <p:spPr>
-          <a:xfrm>
-            <a:off x="2063496" y="3199873"/>
-            <a:ext cx="7306056" cy="369332"/>
-          </a:xfrm>
-          <a:prstGeom prst="rect">
-            <a:avLst/>
-          </a:prstGeom>
-          <a:noFill/>
-        </p:spPr>
-        <p:txBody>
-          <a:bodyPr wrap="square" rtlCol="0">
-            <a:spAutoFit/>
-          </a:bodyPr>
-          <a:lstStyle/>
-          <a:p>
-            <a:r>
-              <a:rPr lang="en-US" altLang="zh-CN" spc="300" dirty="0">
-                <a:latin typeface="+mn-ea"/>
-              </a:rPr>
-              <a:t>7</a:t>
-            </a:r>
-            <a:r>
-              <a:rPr lang="en-US" altLang="zh-CN" spc="300" dirty="0" smtClean="0">
-                <a:latin typeface="+mn-ea"/>
-              </a:rPr>
-              <a:t>    </a:t>
-            </a:r>
-            <a:r>
-              <a:rPr lang="zh-CN" altLang="en-US" spc="300" dirty="0" smtClean="0">
-                <a:latin typeface="+mn-ea"/>
-              </a:rPr>
-              <a:t>集体</a:t>
-            </a:r>
-            <a:r>
-              <a:rPr lang="en-US" altLang="zh-CN" spc="300" dirty="0" smtClean="0">
-                <a:latin typeface="+mn-ea"/>
-              </a:rPr>
-              <a:t>/</a:t>
-            </a:r>
-            <a:r>
-              <a:rPr lang="zh-CN" altLang="en-US" spc="300" dirty="0" smtClean="0">
-                <a:latin typeface="+mn-ea"/>
-              </a:rPr>
-              <a:t>财产</a:t>
-            </a:r>
-            <a:r>
-              <a:rPr lang="en-US" altLang="zh-CN" spc="300" dirty="0" smtClean="0">
-                <a:latin typeface="+mn-ea"/>
-              </a:rPr>
-              <a:t>/</a:t>
-            </a:r>
-            <a:r>
-              <a:rPr lang="zh-CN" altLang="en-US" spc="300" dirty="0" smtClean="0">
-                <a:latin typeface="+mn-ea"/>
-              </a:rPr>
-              <a:t>所有权</a:t>
-            </a:r>
-            <a:r>
-              <a:rPr lang="en-US" altLang="zh-CN" spc="300" dirty="0" smtClean="0">
-                <a:latin typeface="+mn-ea"/>
-              </a:rPr>
-              <a:t>/</a:t>
-            </a:r>
-            <a:r>
-              <a:rPr lang="zh-CN" altLang="en-US" spc="300" dirty="0" smtClean="0">
-                <a:latin typeface="+mn-ea"/>
-              </a:rPr>
-              <a:t>包含</a:t>
-            </a:r>
-            <a:r>
-              <a:rPr lang="en-US" altLang="zh-CN" spc="300" dirty="0" smtClean="0">
-                <a:latin typeface="+mn-ea"/>
-              </a:rPr>
-              <a:t>/</a:t>
-            </a:r>
-            <a:r>
-              <a:rPr lang="zh-CN" altLang="en-US" spc="300" dirty="0" smtClean="0">
-                <a:latin typeface="+mn-ea"/>
-              </a:rPr>
-              <a:t>哪些</a:t>
-            </a:r>
-            <a:r>
-              <a:rPr lang="en-US" altLang="zh-CN" spc="300" dirty="0" smtClean="0">
-                <a:latin typeface="+mn-ea"/>
-              </a:rPr>
-              <a:t>/</a:t>
-            </a:r>
-            <a:r>
-              <a:rPr lang="zh-CN" altLang="en-US" spc="300" dirty="0" smtClean="0">
-                <a:latin typeface="+mn-ea"/>
-              </a:rPr>
-              <a:t>财产</a:t>
-            </a:r>
-            <a:endParaRPr lang="zh-CN" altLang="en-US" spc="300" dirty="0">
-              <a:latin typeface="+mn-ea"/>
-            </a:endParaRPr>
-          </a:p>
-        </p:txBody>
-      </p:sp>
-      <p:cxnSp>
-        <p:nvCxnSpPr>
-          <p:cNvPr id="21" name="直接连接符 20"/>
-          <p:cNvCxnSpPr/>
-          <p:nvPr/>
-        </p:nvCxnSpPr>
-        <p:spPr>
-          <a:xfrm>
-            <a:off x="1917192" y="1862850"/>
-            <a:ext cx="7580376" cy="0"/>
-          </a:xfrm>
-          <a:prstGeom prst="line">
-            <a:avLst/>
-          </a:prstGeom>
-        </p:spPr>
-        <p:style>
-          <a:lnRef idx="1">
-            <a:schemeClr val="dk1"/>
-          </a:lnRef>
-          <a:fillRef idx="0">
-            <a:schemeClr val="dk1"/>
-          </a:fillRef>
-          <a:effectRef idx="0">
-            <a:schemeClr val="dk1"/>
-          </a:effectRef>
-          <a:fontRef idx="minor">
-            <a:schemeClr val="tx1"/>
-          </a:fontRef>
-        </p:style>
-      </p:cxnSp>
-      <p:sp>
-        <p:nvSpPr>
-          <p:cNvPr id="22" name="文本框 21"/>
-          <p:cNvSpPr txBox="1"/>
-          <p:nvPr/>
-        </p:nvSpPr>
-        <p:spPr>
-          <a:xfrm>
-            <a:off x="2063496" y="1914142"/>
-            <a:ext cx="7306056" cy="369332"/>
-          </a:xfrm>
-          <a:prstGeom prst="rect">
-            <a:avLst/>
-          </a:prstGeom>
-          <a:noFill/>
-        </p:spPr>
-        <p:txBody>
-          <a:bodyPr wrap="square" rtlCol="0">
-            <a:spAutoFit/>
-          </a:bodyPr>
-          <a:lstStyle/>
-          <a:p>
-            <a:r>
-              <a:rPr lang="en-US" altLang="zh-CN" spc="300" dirty="0">
-                <a:latin typeface="+mn-ea"/>
-              </a:rPr>
-              <a:t>4</a:t>
-            </a:r>
-            <a:r>
-              <a:rPr lang="en-US" altLang="zh-CN" spc="300" dirty="0" smtClean="0">
-                <a:latin typeface="+mn-ea"/>
-              </a:rPr>
-              <a:t>    </a:t>
-            </a:r>
-            <a:r>
-              <a:rPr lang="zh-CN" altLang="en-US" spc="300" dirty="0" smtClean="0">
-                <a:latin typeface="+mn-ea"/>
-              </a:rPr>
-              <a:t>集体</a:t>
-            </a:r>
-            <a:r>
-              <a:rPr lang="en-US" altLang="zh-CN" spc="300" dirty="0" smtClean="0">
-                <a:latin typeface="+mn-ea"/>
-              </a:rPr>
-              <a:t>/</a:t>
-            </a:r>
-            <a:r>
-              <a:rPr lang="zh-CN" altLang="en-US" spc="300" dirty="0" smtClean="0">
-                <a:latin typeface="+mn-ea"/>
-              </a:rPr>
-              <a:t>财产</a:t>
-            </a:r>
-            <a:r>
-              <a:rPr lang="en-US" altLang="zh-CN" spc="300" dirty="0" smtClean="0">
-                <a:latin typeface="+mn-ea"/>
-              </a:rPr>
-              <a:t>/</a:t>
-            </a:r>
-            <a:r>
-              <a:rPr lang="zh-CN" altLang="en-US" spc="300" dirty="0" smtClean="0">
-                <a:latin typeface="+mn-ea"/>
-              </a:rPr>
-              <a:t>所有权</a:t>
-            </a:r>
-            <a:r>
-              <a:rPr lang="en-US" altLang="zh-CN" spc="300" dirty="0" smtClean="0">
-                <a:latin typeface="+mn-ea"/>
-              </a:rPr>
-              <a:t>/</a:t>
-            </a:r>
-            <a:r>
-              <a:rPr lang="zh-CN" altLang="en-US" spc="300" dirty="0" smtClean="0">
-                <a:latin typeface="+mn-ea"/>
-              </a:rPr>
-              <a:t>包含</a:t>
-            </a:r>
-            <a:r>
-              <a:rPr lang="en-US" altLang="zh-CN" spc="300" dirty="0" smtClean="0">
-                <a:latin typeface="+mn-ea"/>
-              </a:rPr>
-              <a:t>/</a:t>
-            </a:r>
-            <a:r>
-              <a:rPr lang="zh-CN" altLang="en-US" spc="300" dirty="0" smtClean="0">
-                <a:latin typeface="+mn-ea"/>
-              </a:rPr>
-              <a:t>哪些</a:t>
-            </a:r>
-            <a:r>
-              <a:rPr lang="en-US" altLang="zh-CN" spc="300" dirty="0" smtClean="0">
-                <a:latin typeface="+mn-ea"/>
-              </a:rPr>
-              <a:t>/</a:t>
-            </a:r>
-            <a:r>
-              <a:rPr lang="zh-CN" altLang="en-US" spc="300" dirty="0" smtClean="0">
-                <a:latin typeface="+mn-ea"/>
-              </a:rPr>
-              <a:t>财产</a:t>
-            </a:r>
-            <a:endParaRPr lang="zh-CN" altLang="en-US" spc="300" dirty="0">
-              <a:latin typeface="+mn-ea"/>
-            </a:endParaRPr>
-          </a:p>
-        </p:txBody>
-      </p:sp>
     </p:spTree>
     <p:extLst>
       <p:ext uri="{BB962C8B-B14F-4D97-AF65-F5344CB8AC3E}">
@@ -11321,6 +12327,2526 @@
   <p:clrMapOvr>
     <a:masterClrMapping/>
   </p:clrMapOvr>
+  <p:timing>
+    <p:tnLst>
+      <p:par>
+        <p:cTn id="1" dur="indefinite" restart="never" nodeType="tmRoot"/>
+      </p:par>
+    </p:tnLst>
+  </p:timing>
+</p:sld>
+</file>
+
+<file path=ppt/slides/slide5.xml><?xml version="1.0" encoding="utf-8"?>
+<p:sld xmlns:a="http://schemas.openxmlformats.org/drawingml/2006/main" xmlns:r="http://schemas.openxmlformats.org/officeDocument/2006/relationships" xmlns:p="http://schemas.openxmlformats.org/presentationml/2006/main">
+  <p:cSld>
+    <p:spTree>
+      <p:nvGrpSpPr>
+        <p:cNvPr id="1" name=""/>
+        <p:cNvGrpSpPr/>
+        <p:nvPr/>
+      </p:nvGrpSpPr>
+      <p:grpSpPr>
+        <a:xfrm>
+          <a:off x="0" y="0"/>
+          <a:ext cx="0" cy="0"/>
+          <a:chOff x="0" y="0"/>
+          <a:chExt cx="0" cy="0"/>
+        </a:xfrm>
+      </p:grpSpPr>
+      <p:sp>
+        <p:nvSpPr>
+          <p:cNvPr id="5" name="流程图: 联系 4"/>
+          <p:cNvSpPr/>
+          <p:nvPr/>
+        </p:nvSpPr>
+        <p:spPr>
+          <a:xfrm>
+            <a:off x="4446192" y="3108749"/>
+            <a:ext cx="742450" cy="722798"/>
+          </a:xfrm>
+          <a:prstGeom prst="flowChartConnector">
+            <a:avLst/>
+          </a:prstGeom>
+          <a:solidFill>
+            <a:schemeClr val="accent6"/>
+          </a:solidFill>
+        </p:spPr>
+        <p:style>
+          <a:lnRef idx="2">
+            <a:schemeClr val="accent1">
+              <a:shade val="50000"/>
+            </a:schemeClr>
+          </a:lnRef>
+          <a:fillRef idx="1">
+            <a:schemeClr val="accent1"/>
+          </a:fillRef>
+          <a:effectRef idx="0">
+            <a:schemeClr val="accent1"/>
+          </a:effectRef>
+          <a:fontRef idx="minor">
+            <a:schemeClr val="lt1"/>
+          </a:fontRef>
+        </p:style>
+        <p:txBody>
+          <a:bodyPr rtlCol="0" anchor="ctr"/>
+          <a:lstStyle/>
+          <a:p>
+            <a:pPr algn="ctr"/>
+            <a:endParaRPr lang="zh-CN" altLang="en-US"/>
+          </a:p>
+        </p:txBody>
+      </p:sp>
+      <p:sp>
+        <p:nvSpPr>
+          <p:cNvPr id="6" name="流程图: 联系 5"/>
+          <p:cNvSpPr/>
+          <p:nvPr/>
+        </p:nvSpPr>
+        <p:spPr>
+          <a:xfrm>
+            <a:off x="4565378" y="1770699"/>
+            <a:ext cx="504075" cy="520317"/>
+          </a:xfrm>
+          <a:prstGeom prst="flowChartConnector">
+            <a:avLst/>
+          </a:prstGeom>
+          <a:solidFill>
+            <a:schemeClr val="bg1"/>
+          </a:solidFill>
+          <a:ln w="19050">
+            <a:solidFill>
+              <a:srgbClr val="7030A0"/>
+            </a:solidFill>
+          </a:ln>
+        </p:spPr>
+        <p:style>
+          <a:lnRef idx="2">
+            <a:schemeClr val="accent1">
+              <a:shade val="50000"/>
+            </a:schemeClr>
+          </a:lnRef>
+          <a:fillRef idx="1">
+            <a:schemeClr val="accent1"/>
+          </a:fillRef>
+          <a:effectRef idx="0">
+            <a:schemeClr val="accent1"/>
+          </a:effectRef>
+          <a:fontRef idx="minor">
+            <a:schemeClr val="lt1"/>
+          </a:fontRef>
+        </p:style>
+        <p:txBody>
+          <a:bodyPr rtlCol="0" anchor="ctr"/>
+          <a:lstStyle/>
+          <a:p>
+            <a:pPr algn="ctr"/>
+            <a:endParaRPr lang="zh-CN" altLang="en-US"/>
+          </a:p>
+        </p:txBody>
+      </p:sp>
+      <p:sp>
+        <p:nvSpPr>
+          <p:cNvPr id="7" name="流程图: 联系 6"/>
+          <p:cNvSpPr/>
+          <p:nvPr/>
+        </p:nvSpPr>
+        <p:spPr>
+          <a:xfrm>
+            <a:off x="4562926" y="5652866"/>
+            <a:ext cx="504075" cy="520317"/>
+          </a:xfrm>
+          <a:prstGeom prst="flowChartConnector">
+            <a:avLst/>
+          </a:prstGeom>
+          <a:solidFill>
+            <a:schemeClr val="bg1"/>
+          </a:solidFill>
+          <a:ln w="19050">
+            <a:solidFill>
+              <a:srgbClr val="7030A0"/>
+            </a:solidFill>
+          </a:ln>
+        </p:spPr>
+        <p:style>
+          <a:lnRef idx="2">
+            <a:schemeClr val="accent1">
+              <a:shade val="50000"/>
+            </a:schemeClr>
+          </a:lnRef>
+          <a:fillRef idx="1">
+            <a:schemeClr val="accent1"/>
+          </a:fillRef>
+          <a:effectRef idx="0">
+            <a:schemeClr val="accent1"/>
+          </a:effectRef>
+          <a:fontRef idx="minor">
+            <a:schemeClr val="lt1"/>
+          </a:fontRef>
+        </p:style>
+        <p:txBody>
+          <a:bodyPr rtlCol="0" anchor="ctr"/>
+          <a:lstStyle/>
+          <a:p>
+            <a:pPr algn="ctr"/>
+            <a:endParaRPr lang="zh-CN" altLang="en-US"/>
+          </a:p>
+        </p:txBody>
+      </p:sp>
+      <p:sp>
+        <p:nvSpPr>
+          <p:cNvPr id="8" name="流程图: 联系 7"/>
+          <p:cNvSpPr/>
+          <p:nvPr/>
+        </p:nvSpPr>
+        <p:spPr>
+          <a:xfrm>
+            <a:off x="2645192" y="4462457"/>
+            <a:ext cx="504075" cy="520317"/>
+          </a:xfrm>
+          <a:prstGeom prst="flowChartConnector">
+            <a:avLst/>
+          </a:prstGeom>
+          <a:solidFill>
+            <a:schemeClr val="bg1"/>
+          </a:solidFill>
+          <a:ln w="19050">
+            <a:solidFill>
+              <a:srgbClr val="7030A0"/>
+            </a:solidFill>
+          </a:ln>
+        </p:spPr>
+        <p:style>
+          <a:lnRef idx="2">
+            <a:schemeClr val="accent1">
+              <a:shade val="50000"/>
+            </a:schemeClr>
+          </a:lnRef>
+          <a:fillRef idx="1">
+            <a:schemeClr val="accent1"/>
+          </a:fillRef>
+          <a:effectRef idx="0">
+            <a:schemeClr val="accent1"/>
+          </a:effectRef>
+          <a:fontRef idx="minor">
+            <a:schemeClr val="lt1"/>
+          </a:fontRef>
+        </p:style>
+        <p:txBody>
+          <a:bodyPr rtlCol="0" anchor="ctr"/>
+          <a:lstStyle/>
+          <a:p>
+            <a:pPr algn="ctr"/>
+            <a:endParaRPr lang="zh-CN" altLang="en-US"/>
+          </a:p>
+        </p:txBody>
+      </p:sp>
+      <p:sp>
+        <p:nvSpPr>
+          <p:cNvPr id="9" name="流程图: 联系 8"/>
+          <p:cNvSpPr/>
+          <p:nvPr/>
+        </p:nvSpPr>
+        <p:spPr>
+          <a:xfrm>
+            <a:off x="2645193" y="406461"/>
+            <a:ext cx="504075" cy="520317"/>
+          </a:xfrm>
+          <a:prstGeom prst="flowChartConnector">
+            <a:avLst/>
+          </a:prstGeom>
+          <a:solidFill>
+            <a:schemeClr val="bg1"/>
+          </a:solidFill>
+          <a:ln w="19050">
+            <a:solidFill>
+              <a:srgbClr val="7030A0"/>
+            </a:solidFill>
+          </a:ln>
+        </p:spPr>
+        <p:style>
+          <a:lnRef idx="2">
+            <a:schemeClr val="accent1">
+              <a:shade val="50000"/>
+            </a:schemeClr>
+          </a:lnRef>
+          <a:fillRef idx="1">
+            <a:schemeClr val="accent1"/>
+          </a:fillRef>
+          <a:effectRef idx="0">
+            <a:schemeClr val="accent1"/>
+          </a:effectRef>
+          <a:fontRef idx="minor">
+            <a:schemeClr val="lt1"/>
+          </a:fontRef>
+        </p:style>
+        <p:txBody>
+          <a:bodyPr rtlCol="0" anchor="ctr"/>
+          <a:lstStyle/>
+          <a:p>
+            <a:pPr algn="ctr"/>
+            <a:r>
+              <a:rPr lang="en-US" altLang="zh-CN" b="1" i="1">
+                <a:solidFill>
+                  <a:schemeClr val="tx1"/>
+                </a:solidFill>
+                <a:latin typeface="Times New Roman" panose="02020603050405020304" pitchFamily="18" charset="0"/>
+                <a:cs typeface="Times New Roman" panose="02020603050405020304" pitchFamily="18" charset="0"/>
+              </a:rPr>
+              <a:t>f</a:t>
+            </a:r>
+            <a:endParaRPr lang="zh-CN" altLang="en-US" b="1" i="1">
+              <a:solidFill>
+                <a:schemeClr val="tx1"/>
+              </a:solidFill>
+              <a:latin typeface="Times New Roman" panose="02020603050405020304" pitchFamily="18" charset="0"/>
+              <a:cs typeface="Times New Roman" panose="02020603050405020304" pitchFamily="18" charset="0"/>
+            </a:endParaRPr>
+          </a:p>
+        </p:txBody>
+      </p:sp>
+      <p:sp>
+        <p:nvSpPr>
+          <p:cNvPr id="10" name="流程图: 联系 9"/>
+          <p:cNvSpPr/>
+          <p:nvPr/>
+        </p:nvSpPr>
+        <p:spPr>
+          <a:xfrm>
+            <a:off x="6164367" y="3209987"/>
+            <a:ext cx="504075" cy="520317"/>
+          </a:xfrm>
+          <a:prstGeom prst="flowChartConnector">
+            <a:avLst/>
+          </a:prstGeom>
+          <a:solidFill>
+            <a:schemeClr val="bg1"/>
+          </a:solidFill>
+          <a:ln w="19050">
+            <a:solidFill>
+              <a:srgbClr val="7030A0"/>
+            </a:solidFill>
+          </a:ln>
+        </p:spPr>
+        <p:style>
+          <a:lnRef idx="2">
+            <a:schemeClr val="accent1">
+              <a:shade val="50000"/>
+            </a:schemeClr>
+          </a:lnRef>
+          <a:fillRef idx="1">
+            <a:schemeClr val="accent1"/>
+          </a:fillRef>
+          <a:effectRef idx="0">
+            <a:schemeClr val="accent1"/>
+          </a:effectRef>
+          <a:fontRef idx="minor">
+            <a:schemeClr val="lt1"/>
+          </a:fontRef>
+        </p:style>
+        <p:txBody>
+          <a:bodyPr rtlCol="0" anchor="ctr"/>
+          <a:lstStyle/>
+          <a:p>
+            <a:pPr algn="ctr"/>
+            <a:endParaRPr lang="zh-CN" altLang="en-US"/>
+          </a:p>
+        </p:txBody>
+      </p:sp>
+      <p:sp>
+        <p:nvSpPr>
+          <p:cNvPr id="11" name="矩形 10"/>
+          <p:cNvSpPr/>
+          <p:nvPr/>
+        </p:nvSpPr>
+        <p:spPr>
+          <a:xfrm>
+            <a:off x="2609457" y="374904"/>
+            <a:ext cx="4093095" cy="5952744"/>
+          </a:xfrm>
+          <a:prstGeom prst="rect">
+            <a:avLst/>
+          </a:prstGeom>
+          <a:noFill/>
+          <a:ln w="28575">
+            <a:solidFill>
+              <a:schemeClr val="accent5"/>
+            </a:solidFill>
+          </a:ln>
+        </p:spPr>
+        <p:style>
+          <a:lnRef idx="2">
+            <a:schemeClr val="accent1">
+              <a:shade val="50000"/>
+            </a:schemeClr>
+          </a:lnRef>
+          <a:fillRef idx="1">
+            <a:schemeClr val="accent1"/>
+          </a:fillRef>
+          <a:effectRef idx="0">
+            <a:schemeClr val="accent1"/>
+          </a:effectRef>
+          <a:fontRef idx="minor">
+            <a:schemeClr val="lt1"/>
+          </a:fontRef>
+        </p:style>
+        <p:txBody>
+          <a:bodyPr rtlCol="0" anchor="ctr"/>
+          <a:lstStyle/>
+          <a:p>
+            <a:pPr algn="ctr"/>
+            <a:endParaRPr lang="zh-CN" altLang="en-US"/>
+          </a:p>
+        </p:txBody>
+      </p:sp>
+      <p:sp>
+        <p:nvSpPr>
+          <p:cNvPr id="12" name="流程图: 联系 11"/>
+          <p:cNvSpPr/>
+          <p:nvPr/>
+        </p:nvSpPr>
+        <p:spPr>
+          <a:xfrm>
+            <a:off x="5588653" y="3364545"/>
+            <a:ext cx="209812" cy="211203"/>
+          </a:xfrm>
+          <a:prstGeom prst="flowChartConnector">
+            <a:avLst/>
+          </a:prstGeom>
+        </p:spPr>
+        <p:style>
+          <a:lnRef idx="2">
+            <a:schemeClr val="dk1">
+              <a:shade val="50000"/>
+            </a:schemeClr>
+          </a:lnRef>
+          <a:fillRef idx="1">
+            <a:schemeClr val="dk1"/>
+          </a:fillRef>
+          <a:effectRef idx="0">
+            <a:schemeClr val="dk1"/>
+          </a:effectRef>
+          <a:fontRef idx="minor">
+            <a:schemeClr val="lt1"/>
+          </a:fontRef>
+        </p:style>
+        <p:txBody>
+          <a:bodyPr rtlCol="0" anchor="ctr"/>
+          <a:lstStyle/>
+          <a:p>
+            <a:pPr algn="ctr"/>
+            <a:endParaRPr lang="zh-CN" altLang="en-US"/>
+          </a:p>
+        </p:txBody>
+      </p:sp>
+      <p:sp>
+        <p:nvSpPr>
+          <p:cNvPr id="13" name="流程图: 联系 12"/>
+          <p:cNvSpPr/>
+          <p:nvPr/>
+        </p:nvSpPr>
+        <p:spPr>
+          <a:xfrm>
+            <a:off x="4720179" y="556891"/>
+            <a:ext cx="209812" cy="211203"/>
+          </a:xfrm>
+          <a:prstGeom prst="flowChartConnector">
+            <a:avLst/>
+          </a:prstGeom>
+        </p:spPr>
+        <p:style>
+          <a:lnRef idx="2">
+            <a:schemeClr val="dk1">
+              <a:shade val="50000"/>
+            </a:schemeClr>
+          </a:lnRef>
+          <a:fillRef idx="1">
+            <a:schemeClr val="dk1"/>
+          </a:fillRef>
+          <a:effectRef idx="0">
+            <a:schemeClr val="dk1"/>
+          </a:effectRef>
+          <a:fontRef idx="minor">
+            <a:schemeClr val="lt1"/>
+          </a:fontRef>
+        </p:style>
+        <p:txBody>
+          <a:bodyPr rtlCol="0" anchor="ctr"/>
+          <a:lstStyle/>
+          <a:p>
+            <a:pPr algn="ctr"/>
+            <a:endParaRPr lang="zh-CN" altLang="en-US"/>
+          </a:p>
+        </p:txBody>
+      </p:sp>
+      <p:sp>
+        <p:nvSpPr>
+          <p:cNvPr id="14" name="流程图: 联系 13"/>
+          <p:cNvSpPr/>
+          <p:nvPr/>
+        </p:nvSpPr>
+        <p:spPr>
+          <a:xfrm>
+            <a:off x="4712509" y="4619875"/>
+            <a:ext cx="209812" cy="211203"/>
+          </a:xfrm>
+          <a:prstGeom prst="flowChartConnector">
+            <a:avLst/>
+          </a:prstGeom>
+        </p:spPr>
+        <p:style>
+          <a:lnRef idx="2">
+            <a:schemeClr val="dk1">
+              <a:shade val="50000"/>
+            </a:schemeClr>
+          </a:lnRef>
+          <a:fillRef idx="1">
+            <a:schemeClr val="dk1"/>
+          </a:fillRef>
+          <a:effectRef idx="0">
+            <a:schemeClr val="dk1"/>
+          </a:effectRef>
+          <a:fontRef idx="minor">
+            <a:schemeClr val="lt1"/>
+          </a:fontRef>
+        </p:style>
+        <p:txBody>
+          <a:bodyPr rtlCol="0" anchor="ctr"/>
+          <a:lstStyle/>
+          <a:p>
+            <a:pPr algn="ctr"/>
+            <a:endParaRPr lang="zh-CN" altLang="en-US"/>
+          </a:p>
+        </p:txBody>
+      </p:sp>
+      <p:cxnSp>
+        <p:nvCxnSpPr>
+          <p:cNvPr id="16" name="直接箭头连接符 15"/>
+          <p:cNvCxnSpPr>
+            <a:stCxn id="5" idx="0"/>
+            <a:endCxn id="6" idx="4"/>
+          </p:cNvCxnSpPr>
+          <p:nvPr/>
+        </p:nvCxnSpPr>
+        <p:spPr>
+          <a:xfrm flipH="1" flipV="1">
+            <a:off x="4817416" y="2291016"/>
+            <a:ext cx="1" cy="817733"/>
+          </a:xfrm>
+          <a:prstGeom prst="straightConnector1">
+            <a:avLst/>
+          </a:prstGeom>
+          <a:ln w="28575">
+            <a:solidFill>
+              <a:schemeClr val="tx1"/>
+            </a:solidFill>
+            <a:tailEnd type="triangle"/>
+          </a:ln>
+        </p:spPr>
+        <p:style>
+          <a:lnRef idx="1">
+            <a:schemeClr val="accent1"/>
+          </a:lnRef>
+          <a:fillRef idx="0">
+            <a:schemeClr val="accent1"/>
+          </a:fillRef>
+          <a:effectRef idx="0">
+            <a:schemeClr val="accent1"/>
+          </a:effectRef>
+          <a:fontRef idx="minor">
+            <a:schemeClr val="tx1"/>
+          </a:fontRef>
+        </p:style>
+      </p:cxnSp>
+      <p:cxnSp>
+        <p:nvCxnSpPr>
+          <p:cNvPr id="18" name="直接箭头连接符 17"/>
+          <p:cNvCxnSpPr>
+            <a:endCxn id="13" idx="4"/>
+          </p:cNvCxnSpPr>
+          <p:nvPr/>
+        </p:nvCxnSpPr>
+        <p:spPr>
+          <a:xfrm flipV="1">
+            <a:off x="4817416" y="768094"/>
+            <a:ext cx="7669" cy="1017309"/>
+          </a:xfrm>
+          <a:prstGeom prst="straightConnector1">
+            <a:avLst/>
+          </a:prstGeom>
+          <a:ln w="28575">
+            <a:solidFill>
+              <a:schemeClr val="tx1"/>
+            </a:solidFill>
+            <a:tailEnd type="triangle"/>
+          </a:ln>
+        </p:spPr>
+        <p:style>
+          <a:lnRef idx="1">
+            <a:schemeClr val="accent1"/>
+          </a:lnRef>
+          <a:fillRef idx="0">
+            <a:schemeClr val="accent1"/>
+          </a:fillRef>
+          <a:effectRef idx="0">
+            <a:schemeClr val="accent1"/>
+          </a:effectRef>
+          <a:fontRef idx="minor">
+            <a:schemeClr val="tx1"/>
+          </a:fontRef>
+        </p:style>
+      </p:cxnSp>
+      <p:cxnSp>
+        <p:nvCxnSpPr>
+          <p:cNvPr id="19" name="直接箭头连接符 18"/>
+          <p:cNvCxnSpPr>
+            <a:stCxn id="9" idx="6"/>
+            <a:endCxn id="13" idx="2"/>
+          </p:cNvCxnSpPr>
+          <p:nvPr/>
+        </p:nvCxnSpPr>
+        <p:spPr>
+          <a:xfrm flipV="1">
+            <a:off x="3149268" y="662493"/>
+            <a:ext cx="1570911" cy="4127"/>
+          </a:xfrm>
+          <a:prstGeom prst="straightConnector1">
+            <a:avLst/>
+          </a:prstGeom>
+          <a:ln w="28575">
+            <a:solidFill>
+              <a:schemeClr val="tx1"/>
+            </a:solidFill>
+            <a:tailEnd type="triangle"/>
+          </a:ln>
+        </p:spPr>
+        <p:style>
+          <a:lnRef idx="1">
+            <a:schemeClr val="accent1"/>
+          </a:lnRef>
+          <a:fillRef idx="0">
+            <a:schemeClr val="accent1"/>
+          </a:fillRef>
+          <a:effectRef idx="0">
+            <a:schemeClr val="accent1"/>
+          </a:effectRef>
+          <a:fontRef idx="minor">
+            <a:schemeClr val="tx1"/>
+          </a:fontRef>
+        </p:style>
+      </p:cxnSp>
+      <p:cxnSp>
+        <p:nvCxnSpPr>
+          <p:cNvPr id="20" name="直接箭头连接符 19"/>
+          <p:cNvCxnSpPr/>
+          <p:nvPr/>
+        </p:nvCxnSpPr>
+        <p:spPr>
+          <a:xfrm>
+            <a:off x="2048256" y="118872"/>
+            <a:ext cx="561201" cy="390143"/>
+          </a:xfrm>
+          <a:prstGeom prst="straightConnector1">
+            <a:avLst/>
+          </a:prstGeom>
+          <a:ln w="28575">
+            <a:solidFill>
+              <a:schemeClr val="tx1"/>
+            </a:solidFill>
+            <a:tailEnd type="triangle"/>
+          </a:ln>
+        </p:spPr>
+        <p:style>
+          <a:lnRef idx="1">
+            <a:schemeClr val="accent1"/>
+          </a:lnRef>
+          <a:fillRef idx="0">
+            <a:schemeClr val="accent1"/>
+          </a:fillRef>
+          <a:effectRef idx="0">
+            <a:schemeClr val="accent1"/>
+          </a:effectRef>
+          <a:fontRef idx="minor">
+            <a:schemeClr val="tx1"/>
+          </a:fontRef>
+        </p:style>
+      </p:cxnSp>
+      <p:cxnSp>
+        <p:nvCxnSpPr>
+          <p:cNvPr id="21" name="直接箭头连接符 20"/>
+          <p:cNvCxnSpPr/>
+          <p:nvPr/>
+        </p:nvCxnSpPr>
+        <p:spPr>
+          <a:xfrm>
+            <a:off x="1901952" y="611756"/>
+            <a:ext cx="707505" cy="0"/>
+          </a:xfrm>
+          <a:prstGeom prst="straightConnector1">
+            <a:avLst/>
+          </a:prstGeom>
+          <a:ln w="28575">
+            <a:solidFill>
+              <a:schemeClr val="tx1"/>
+            </a:solidFill>
+            <a:tailEnd type="triangle"/>
+          </a:ln>
+        </p:spPr>
+        <p:style>
+          <a:lnRef idx="1">
+            <a:schemeClr val="accent1"/>
+          </a:lnRef>
+          <a:fillRef idx="0">
+            <a:schemeClr val="accent1"/>
+          </a:fillRef>
+          <a:effectRef idx="0">
+            <a:schemeClr val="accent1"/>
+          </a:effectRef>
+          <a:fontRef idx="minor">
+            <a:schemeClr val="tx1"/>
+          </a:fontRef>
+        </p:style>
+      </p:cxnSp>
+      <p:cxnSp>
+        <p:nvCxnSpPr>
+          <p:cNvPr id="22" name="直接箭头连接符 21"/>
+          <p:cNvCxnSpPr/>
+          <p:nvPr/>
+        </p:nvCxnSpPr>
+        <p:spPr>
+          <a:xfrm flipV="1">
+            <a:off x="1990424" y="739772"/>
+            <a:ext cx="597643" cy="357508"/>
+          </a:xfrm>
+          <a:prstGeom prst="straightConnector1">
+            <a:avLst/>
+          </a:prstGeom>
+          <a:ln w="28575">
+            <a:solidFill>
+              <a:schemeClr val="tx1"/>
+            </a:solidFill>
+            <a:tailEnd type="triangle"/>
+          </a:ln>
+        </p:spPr>
+        <p:style>
+          <a:lnRef idx="1">
+            <a:schemeClr val="accent1"/>
+          </a:lnRef>
+          <a:fillRef idx="0">
+            <a:schemeClr val="accent1"/>
+          </a:fillRef>
+          <a:effectRef idx="0">
+            <a:schemeClr val="accent1"/>
+          </a:effectRef>
+          <a:fontRef idx="minor">
+            <a:schemeClr val="tx1"/>
+          </a:fontRef>
+        </p:style>
+      </p:cxnSp>
+      <p:cxnSp>
+        <p:nvCxnSpPr>
+          <p:cNvPr id="23" name="直接箭头连接符 22"/>
+          <p:cNvCxnSpPr>
+            <a:stCxn id="13" idx="1"/>
+          </p:cNvCxnSpPr>
+          <p:nvPr/>
+        </p:nvCxnSpPr>
+        <p:spPr>
+          <a:xfrm flipH="1" flipV="1">
+            <a:off x="4565378" y="146980"/>
+            <a:ext cx="185527" cy="440841"/>
+          </a:xfrm>
+          <a:prstGeom prst="straightConnector1">
+            <a:avLst/>
+          </a:prstGeom>
+          <a:ln w="28575">
+            <a:solidFill>
+              <a:schemeClr val="tx1"/>
+            </a:solidFill>
+            <a:tailEnd type="triangle"/>
+          </a:ln>
+        </p:spPr>
+        <p:style>
+          <a:lnRef idx="1">
+            <a:schemeClr val="accent1"/>
+          </a:lnRef>
+          <a:fillRef idx="0">
+            <a:schemeClr val="accent1"/>
+          </a:fillRef>
+          <a:effectRef idx="0">
+            <a:schemeClr val="accent1"/>
+          </a:effectRef>
+          <a:fontRef idx="minor">
+            <a:schemeClr val="tx1"/>
+          </a:fontRef>
+        </p:style>
+      </p:cxnSp>
+      <p:cxnSp>
+        <p:nvCxnSpPr>
+          <p:cNvPr id="24" name="直接箭头连接符 23"/>
+          <p:cNvCxnSpPr/>
+          <p:nvPr/>
+        </p:nvCxnSpPr>
+        <p:spPr>
+          <a:xfrm flipH="1" flipV="1">
+            <a:off x="4825085" y="74228"/>
+            <a:ext cx="4574" cy="502031"/>
+          </a:xfrm>
+          <a:prstGeom prst="straightConnector1">
+            <a:avLst/>
+          </a:prstGeom>
+          <a:ln w="28575">
+            <a:solidFill>
+              <a:schemeClr val="tx1"/>
+            </a:solidFill>
+            <a:tailEnd type="triangle"/>
+          </a:ln>
+        </p:spPr>
+        <p:style>
+          <a:lnRef idx="1">
+            <a:schemeClr val="accent1"/>
+          </a:lnRef>
+          <a:fillRef idx="0">
+            <a:schemeClr val="accent1"/>
+          </a:fillRef>
+          <a:effectRef idx="0">
+            <a:schemeClr val="accent1"/>
+          </a:effectRef>
+          <a:fontRef idx="minor">
+            <a:schemeClr val="tx1"/>
+          </a:fontRef>
+        </p:style>
+      </p:cxnSp>
+      <p:cxnSp>
+        <p:nvCxnSpPr>
+          <p:cNvPr id="44" name="直接箭头连接符 43"/>
+          <p:cNvCxnSpPr/>
+          <p:nvPr/>
+        </p:nvCxnSpPr>
+        <p:spPr>
+          <a:xfrm flipV="1">
+            <a:off x="4922321" y="145781"/>
+            <a:ext cx="192223" cy="474251"/>
+          </a:xfrm>
+          <a:prstGeom prst="straightConnector1">
+            <a:avLst/>
+          </a:prstGeom>
+          <a:ln w="28575">
+            <a:solidFill>
+              <a:schemeClr val="tx1"/>
+            </a:solidFill>
+            <a:tailEnd type="triangle"/>
+          </a:ln>
+        </p:spPr>
+        <p:style>
+          <a:lnRef idx="1">
+            <a:schemeClr val="accent1"/>
+          </a:lnRef>
+          <a:fillRef idx="0">
+            <a:schemeClr val="accent1"/>
+          </a:fillRef>
+          <a:effectRef idx="0">
+            <a:schemeClr val="accent1"/>
+          </a:effectRef>
+          <a:fontRef idx="minor">
+            <a:schemeClr val="tx1"/>
+          </a:fontRef>
+        </p:style>
+      </p:cxnSp>
+      <p:cxnSp>
+        <p:nvCxnSpPr>
+          <p:cNvPr id="45" name="直接箭头连接符 44"/>
+          <p:cNvCxnSpPr>
+            <a:stCxn id="10" idx="2"/>
+            <a:endCxn id="12" idx="6"/>
+          </p:cNvCxnSpPr>
+          <p:nvPr/>
+        </p:nvCxnSpPr>
+        <p:spPr>
+          <a:xfrm flipH="1">
+            <a:off x="5798465" y="3470146"/>
+            <a:ext cx="365902" cy="1"/>
+          </a:xfrm>
+          <a:prstGeom prst="straightConnector1">
+            <a:avLst/>
+          </a:prstGeom>
+          <a:ln w="28575">
+            <a:solidFill>
+              <a:schemeClr val="tx1"/>
+            </a:solidFill>
+            <a:tailEnd type="triangle"/>
+          </a:ln>
+        </p:spPr>
+        <p:style>
+          <a:lnRef idx="1">
+            <a:schemeClr val="accent1"/>
+          </a:lnRef>
+          <a:fillRef idx="0">
+            <a:schemeClr val="accent1"/>
+          </a:fillRef>
+          <a:effectRef idx="0">
+            <a:schemeClr val="accent1"/>
+          </a:effectRef>
+          <a:fontRef idx="minor">
+            <a:schemeClr val="tx1"/>
+          </a:fontRef>
+        </p:style>
+      </p:cxnSp>
+      <p:cxnSp>
+        <p:nvCxnSpPr>
+          <p:cNvPr id="46" name="直接箭头连接符 45"/>
+          <p:cNvCxnSpPr/>
+          <p:nvPr/>
+        </p:nvCxnSpPr>
+        <p:spPr>
+          <a:xfrm flipH="1" flipV="1">
+            <a:off x="4817414" y="3831547"/>
+            <a:ext cx="1" cy="817733"/>
+          </a:xfrm>
+          <a:prstGeom prst="straightConnector1">
+            <a:avLst/>
+          </a:prstGeom>
+          <a:ln w="28575">
+            <a:solidFill>
+              <a:schemeClr val="tx1"/>
+            </a:solidFill>
+            <a:tailEnd type="triangle"/>
+          </a:ln>
+        </p:spPr>
+        <p:style>
+          <a:lnRef idx="1">
+            <a:schemeClr val="accent1"/>
+          </a:lnRef>
+          <a:fillRef idx="0">
+            <a:schemeClr val="accent1"/>
+          </a:fillRef>
+          <a:effectRef idx="0">
+            <a:schemeClr val="accent1"/>
+          </a:effectRef>
+          <a:fontRef idx="minor">
+            <a:schemeClr val="tx1"/>
+          </a:fontRef>
+        </p:style>
+      </p:cxnSp>
+      <p:cxnSp>
+        <p:nvCxnSpPr>
+          <p:cNvPr id="47" name="直接箭头连接符 46"/>
+          <p:cNvCxnSpPr>
+            <a:stCxn id="8" idx="6"/>
+            <a:endCxn id="14" idx="2"/>
+          </p:cNvCxnSpPr>
+          <p:nvPr/>
+        </p:nvCxnSpPr>
+        <p:spPr>
+          <a:xfrm>
+            <a:off x="3149267" y="4722616"/>
+            <a:ext cx="1563242" cy="2861"/>
+          </a:xfrm>
+          <a:prstGeom prst="straightConnector1">
+            <a:avLst/>
+          </a:prstGeom>
+          <a:ln w="28575">
+            <a:solidFill>
+              <a:schemeClr val="tx1"/>
+            </a:solidFill>
+            <a:tailEnd type="triangle"/>
+          </a:ln>
+        </p:spPr>
+        <p:style>
+          <a:lnRef idx="1">
+            <a:schemeClr val="accent1"/>
+          </a:lnRef>
+          <a:fillRef idx="0">
+            <a:schemeClr val="accent1"/>
+          </a:fillRef>
+          <a:effectRef idx="0">
+            <a:schemeClr val="accent1"/>
+          </a:effectRef>
+          <a:fontRef idx="minor">
+            <a:schemeClr val="tx1"/>
+          </a:fontRef>
+        </p:style>
+      </p:cxnSp>
+      <p:cxnSp>
+        <p:nvCxnSpPr>
+          <p:cNvPr id="48" name="直接箭头连接符 47"/>
+          <p:cNvCxnSpPr/>
+          <p:nvPr/>
+        </p:nvCxnSpPr>
+        <p:spPr>
+          <a:xfrm flipH="1" flipV="1">
+            <a:off x="4817413" y="4839260"/>
+            <a:ext cx="1" cy="817733"/>
+          </a:xfrm>
+          <a:prstGeom prst="straightConnector1">
+            <a:avLst/>
+          </a:prstGeom>
+          <a:ln w="28575">
+            <a:solidFill>
+              <a:schemeClr val="tx1"/>
+            </a:solidFill>
+            <a:tailEnd type="triangle"/>
+          </a:ln>
+        </p:spPr>
+        <p:style>
+          <a:lnRef idx="1">
+            <a:schemeClr val="accent1"/>
+          </a:lnRef>
+          <a:fillRef idx="0">
+            <a:schemeClr val="accent1"/>
+          </a:fillRef>
+          <a:effectRef idx="0">
+            <a:schemeClr val="accent1"/>
+          </a:effectRef>
+          <a:fontRef idx="minor">
+            <a:schemeClr val="tx1"/>
+          </a:fontRef>
+        </p:style>
+      </p:cxnSp>
+      <p:cxnSp>
+        <p:nvCxnSpPr>
+          <p:cNvPr id="51" name="直接箭头连接符 50"/>
+          <p:cNvCxnSpPr/>
+          <p:nvPr/>
+        </p:nvCxnSpPr>
+        <p:spPr>
+          <a:xfrm>
+            <a:off x="2026866" y="4229732"/>
+            <a:ext cx="561201" cy="390143"/>
+          </a:xfrm>
+          <a:prstGeom prst="straightConnector1">
+            <a:avLst/>
+          </a:prstGeom>
+          <a:ln w="28575">
+            <a:solidFill>
+              <a:schemeClr val="tx1"/>
+            </a:solidFill>
+            <a:tailEnd type="triangle"/>
+          </a:ln>
+        </p:spPr>
+        <p:style>
+          <a:lnRef idx="1">
+            <a:schemeClr val="accent1"/>
+          </a:lnRef>
+          <a:fillRef idx="0">
+            <a:schemeClr val="accent1"/>
+          </a:fillRef>
+          <a:effectRef idx="0">
+            <a:schemeClr val="accent1"/>
+          </a:effectRef>
+          <a:fontRef idx="minor">
+            <a:schemeClr val="tx1"/>
+          </a:fontRef>
+        </p:style>
+      </p:cxnSp>
+      <p:cxnSp>
+        <p:nvCxnSpPr>
+          <p:cNvPr id="52" name="直接箭头连接符 51"/>
+          <p:cNvCxnSpPr/>
+          <p:nvPr/>
+        </p:nvCxnSpPr>
+        <p:spPr>
+          <a:xfrm>
+            <a:off x="1880562" y="4722616"/>
+            <a:ext cx="707505" cy="0"/>
+          </a:xfrm>
+          <a:prstGeom prst="straightConnector1">
+            <a:avLst/>
+          </a:prstGeom>
+          <a:ln w="28575">
+            <a:solidFill>
+              <a:schemeClr val="tx1"/>
+            </a:solidFill>
+            <a:tailEnd type="triangle"/>
+          </a:ln>
+        </p:spPr>
+        <p:style>
+          <a:lnRef idx="1">
+            <a:schemeClr val="accent1"/>
+          </a:lnRef>
+          <a:fillRef idx="0">
+            <a:schemeClr val="accent1"/>
+          </a:fillRef>
+          <a:effectRef idx="0">
+            <a:schemeClr val="accent1"/>
+          </a:effectRef>
+          <a:fontRef idx="minor">
+            <a:schemeClr val="tx1"/>
+          </a:fontRef>
+        </p:style>
+      </p:cxnSp>
+      <p:cxnSp>
+        <p:nvCxnSpPr>
+          <p:cNvPr id="53" name="直接箭头连接符 52"/>
+          <p:cNvCxnSpPr/>
+          <p:nvPr/>
+        </p:nvCxnSpPr>
+        <p:spPr>
+          <a:xfrm flipV="1">
+            <a:off x="2005915" y="4804020"/>
+            <a:ext cx="597643" cy="357508"/>
+          </a:xfrm>
+          <a:prstGeom prst="straightConnector1">
+            <a:avLst/>
+          </a:prstGeom>
+          <a:ln w="28575">
+            <a:solidFill>
+              <a:schemeClr val="tx1"/>
+            </a:solidFill>
+            <a:tailEnd type="triangle"/>
+          </a:ln>
+        </p:spPr>
+        <p:style>
+          <a:lnRef idx="1">
+            <a:schemeClr val="accent1"/>
+          </a:lnRef>
+          <a:fillRef idx="0">
+            <a:schemeClr val="accent1"/>
+          </a:fillRef>
+          <a:effectRef idx="0">
+            <a:schemeClr val="accent1"/>
+          </a:effectRef>
+          <a:fontRef idx="minor">
+            <a:schemeClr val="tx1"/>
+          </a:fontRef>
+        </p:style>
+      </p:cxnSp>
+      <p:cxnSp>
+        <p:nvCxnSpPr>
+          <p:cNvPr id="57" name="直接箭头连接符 56"/>
+          <p:cNvCxnSpPr>
+            <a:endCxn id="11" idx="3"/>
+          </p:cNvCxnSpPr>
+          <p:nvPr/>
+        </p:nvCxnSpPr>
+        <p:spPr>
+          <a:xfrm flipH="1">
+            <a:off x="6702552" y="3108749"/>
+            <a:ext cx="561201" cy="242527"/>
+          </a:xfrm>
+          <a:prstGeom prst="straightConnector1">
+            <a:avLst/>
+          </a:prstGeom>
+          <a:ln w="28575">
+            <a:solidFill>
+              <a:schemeClr val="tx1"/>
+            </a:solidFill>
+            <a:tailEnd type="triangle"/>
+          </a:ln>
+        </p:spPr>
+        <p:style>
+          <a:lnRef idx="1">
+            <a:schemeClr val="accent1"/>
+          </a:lnRef>
+          <a:fillRef idx="0">
+            <a:schemeClr val="accent1"/>
+          </a:fillRef>
+          <a:effectRef idx="0">
+            <a:schemeClr val="accent1"/>
+          </a:effectRef>
+          <a:fontRef idx="minor">
+            <a:schemeClr val="tx1"/>
+          </a:fontRef>
+        </p:style>
+      </p:cxnSp>
+      <p:cxnSp>
+        <p:nvCxnSpPr>
+          <p:cNvPr id="58" name="直接箭头连接符 57"/>
+          <p:cNvCxnSpPr/>
+          <p:nvPr/>
+        </p:nvCxnSpPr>
+        <p:spPr>
+          <a:xfrm flipH="1">
+            <a:off x="6694244" y="3461186"/>
+            <a:ext cx="715813" cy="8960"/>
+          </a:xfrm>
+          <a:prstGeom prst="straightConnector1">
+            <a:avLst/>
+          </a:prstGeom>
+          <a:ln w="28575">
+            <a:solidFill>
+              <a:schemeClr val="tx1"/>
+            </a:solidFill>
+            <a:tailEnd type="triangle"/>
+          </a:ln>
+        </p:spPr>
+        <p:style>
+          <a:lnRef idx="1">
+            <a:schemeClr val="accent1"/>
+          </a:lnRef>
+          <a:fillRef idx="0">
+            <a:schemeClr val="accent1"/>
+          </a:fillRef>
+          <a:effectRef idx="0">
+            <a:schemeClr val="accent1"/>
+          </a:effectRef>
+          <a:fontRef idx="minor">
+            <a:schemeClr val="tx1"/>
+          </a:fontRef>
+        </p:style>
+      </p:cxnSp>
+      <p:cxnSp>
+        <p:nvCxnSpPr>
+          <p:cNvPr id="59" name="直接箭头连接符 58"/>
+          <p:cNvCxnSpPr/>
+          <p:nvPr/>
+        </p:nvCxnSpPr>
+        <p:spPr>
+          <a:xfrm flipH="1" flipV="1">
+            <a:off x="6723942" y="3575748"/>
+            <a:ext cx="539811" cy="255799"/>
+          </a:xfrm>
+          <a:prstGeom prst="straightConnector1">
+            <a:avLst/>
+          </a:prstGeom>
+          <a:ln w="28575">
+            <a:solidFill>
+              <a:schemeClr val="tx1"/>
+            </a:solidFill>
+            <a:tailEnd type="triangle"/>
+          </a:ln>
+        </p:spPr>
+        <p:style>
+          <a:lnRef idx="1">
+            <a:schemeClr val="accent1"/>
+          </a:lnRef>
+          <a:fillRef idx="0">
+            <a:schemeClr val="accent1"/>
+          </a:fillRef>
+          <a:effectRef idx="0">
+            <a:schemeClr val="accent1"/>
+          </a:effectRef>
+          <a:fontRef idx="minor">
+            <a:schemeClr val="tx1"/>
+          </a:fontRef>
+        </p:style>
+      </p:cxnSp>
+      <p:cxnSp>
+        <p:nvCxnSpPr>
+          <p:cNvPr id="71" name="直接箭头连接符 70"/>
+          <p:cNvCxnSpPr>
+            <a:endCxn id="5" idx="6"/>
+          </p:cNvCxnSpPr>
+          <p:nvPr/>
+        </p:nvCxnSpPr>
+        <p:spPr>
+          <a:xfrm flipH="1">
+            <a:off x="5188642" y="3470145"/>
+            <a:ext cx="431364" cy="3"/>
+          </a:xfrm>
+          <a:prstGeom prst="straightConnector1">
+            <a:avLst/>
+          </a:prstGeom>
+          <a:ln w="28575">
+            <a:solidFill>
+              <a:schemeClr val="tx1"/>
+            </a:solidFill>
+            <a:tailEnd type="triangle"/>
+          </a:ln>
+        </p:spPr>
+        <p:style>
+          <a:lnRef idx="1">
+            <a:schemeClr val="accent1"/>
+          </a:lnRef>
+          <a:fillRef idx="0">
+            <a:schemeClr val="accent1"/>
+          </a:fillRef>
+          <a:effectRef idx="0">
+            <a:schemeClr val="accent1"/>
+          </a:effectRef>
+          <a:fontRef idx="minor">
+            <a:schemeClr val="tx1"/>
+          </a:fontRef>
+        </p:style>
+      </p:cxnSp>
+      <p:cxnSp>
+        <p:nvCxnSpPr>
+          <p:cNvPr id="74" name="曲线连接符 73"/>
+          <p:cNvCxnSpPr>
+            <a:stCxn id="5" idx="7"/>
+            <a:endCxn id="12" idx="1"/>
+          </p:cNvCxnSpPr>
+          <p:nvPr/>
+        </p:nvCxnSpPr>
+        <p:spPr>
+          <a:xfrm rot="16200000" flipH="1">
+            <a:off x="5259208" y="3035304"/>
+            <a:ext cx="180875" cy="539466"/>
+          </a:xfrm>
+          <a:prstGeom prst="curvedConnector3">
+            <a:avLst>
+              <a:gd name="adj1" fmla="val -43354"/>
+            </a:avLst>
+          </a:prstGeom>
+          <a:ln w="19050">
+            <a:solidFill>
+              <a:schemeClr val="accent2"/>
+            </a:solidFill>
+            <a:tailEnd type="triangle"/>
+          </a:ln>
+        </p:spPr>
+        <p:style>
+          <a:lnRef idx="1">
+            <a:schemeClr val="accent1"/>
+          </a:lnRef>
+          <a:fillRef idx="0">
+            <a:schemeClr val="accent1"/>
+          </a:fillRef>
+          <a:effectRef idx="0">
+            <a:schemeClr val="accent1"/>
+          </a:effectRef>
+          <a:fontRef idx="minor">
+            <a:schemeClr val="tx1"/>
+          </a:fontRef>
+        </p:style>
+      </p:cxnSp>
+      <p:cxnSp>
+        <p:nvCxnSpPr>
+          <p:cNvPr id="76" name="曲线连接符 75"/>
+          <p:cNvCxnSpPr>
+            <a:stCxn id="12" idx="4"/>
+            <a:endCxn id="5" idx="5"/>
+          </p:cNvCxnSpPr>
+          <p:nvPr/>
+        </p:nvCxnSpPr>
+        <p:spPr>
+          <a:xfrm rot="5400000">
+            <a:off x="5311762" y="3343899"/>
+            <a:ext cx="149948" cy="613646"/>
+          </a:xfrm>
+          <a:prstGeom prst="curvedConnector3">
+            <a:avLst>
+              <a:gd name="adj1" fmla="val 152298"/>
+            </a:avLst>
+          </a:prstGeom>
+          <a:ln w="19050">
+            <a:solidFill>
+              <a:schemeClr val="accent2"/>
+            </a:solidFill>
+            <a:tailEnd type="triangle"/>
+          </a:ln>
+        </p:spPr>
+        <p:style>
+          <a:lnRef idx="1">
+            <a:schemeClr val="accent1"/>
+          </a:lnRef>
+          <a:fillRef idx="0">
+            <a:schemeClr val="accent1"/>
+          </a:fillRef>
+          <a:effectRef idx="0">
+            <a:schemeClr val="accent1"/>
+          </a:effectRef>
+          <a:fontRef idx="minor">
+            <a:schemeClr val="tx1"/>
+          </a:fontRef>
+        </p:style>
+      </p:cxnSp>
+      <p:sp>
+        <p:nvSpPr>
+          <p:cNvPr id="82" name="文本框 81"/>
+          <p:cNvSpPr txBox="1"/>
+          <p:nvPr/>
+        </p:nvSpPr>
+        <p:spPr>
+          <a:xfrm>
+            <a:off x="2760412" y="4537949"/>
+            <a:ext cx="261611" cy="369332"/>
+          </a:xfrm>
+          <a:prstGeom prst="rect">
+            <a:avLst/>
+          </a:prstGeom>
+          <a:noFill/>
+        </p:spPr>
+        <p:txBody>
+          <a:bodyPr wrap="none" rtlCol="0">
+            <a:spAutoFit/>
+          </a:bodyPr>
+          <a:lstStyle/>
+          <a:p>
+            <a:pPr algn="ctr"/>
+            <a:r>
+              <a:rPr lang="en-US" altLang="zh-CN" b="1" i="1">
+                <a:latin typeface="Times New Roman" panose="02020603050405020304" pitchFamily="18" charset="0"/>
+                <a:cs typeface="Times New Roman" panose="02020603050405020304" pitchFamily="18" charset="0"/>
+              </a:rPr>
+              <a:t>f</a:t>
+            </a:r>
+            <a:endParaRPr lang="zh-CN" altLang="en-US" b="1" i="1">
+              <a:latin typeface="Times New Roman" panose="02020603050405020304" pitchFamily="18" charset="0"/>
+              <a:cs typeface="Times New Roman" panose="02020603050405020304" pitchFamily="18" charset="0"/>
+            </a:endParaRPr>
+          </a:p>
+        </p:txBody>
+      </p:sp>
+      <p:sp>
+        <p:nvSpPr>
+          <p:cNvPr id="83" name="文本框 82"/>
+          <p:cNvSpPr txBox="1"/>
+          <p:nvPr/>
+        </p:nvSpPr>
+        <p:spPr>
+          <a:xfrm>
+            <a:off x="4658509" y="1831478"/>
+            <a:ext cx="312906" cy="369332"/>
+          </a:xfrm>
+          <a:prstGeom prst="rect">
+            <a:avLst/>
+          </a:prstGeom>
+          <a:noFill/>
+        </p:spPr>
+        <p:txBody>
+          <a:bodyPr wrap="none" rtlCol="0">
+            <a:spAutoFit/>
+          </a:bodyPr>
+          <a:lstStyle/>
+          <a:p>
+            <a:pPr algn="ctr"/>
+            <a:r>
+              <a:rPr lang="en-US" altLang="zh-CN" b="1" i="1" smtClean="0">
+                <a:latin typeface="Times New Roman" panose="02020603050405020304" pitchFamily="18" charset="0"/>
+                <a:cs typeface="Times New Roman" panose="02020603050405020304" pitchFamily="18" charset="0"/>
+              </a:rPr>
+              <a:t>h</a:t>
+            </a:r>
+            <a:endParaRPr lang="zh-CN" altLang="en-US" b="1" i="1">
+              <a:latin typeface="Times New Roman" panose="02020603050405020304" pitchFamily="18" charset="0"/>
+              <a:cs typeface="Times New Roman" panose="02020603050405020304" pitchFamily="18" charset="0"/>
+            </a:endParaRPr>
+          </a:p>
+        </p:txBody>
+      </p:sp>
+      <p:sp>
+        <p:nvSpPr>
+          <p:cNvPr id="84" name="文本框 83"/>
+          <p:cNvSpPr txBox="1"/>
+          <p:nvPr/>
+        </p:nvSpPr>
+        <p:spPr>
+          <a:xfrm>
+            <a:off x="6270258" y="3285479"/>
+            <a:ext cx="261611" cy="369332"/>
+          </a:xfrm>
+          <a:prstGeom prst="rect">
+            <a:avLst/>
+          </a:prstGeom>
+          <a:noFill/>
+        </p:spPr>
+        <p:txBody>
+          <a:bodyPr wrap="none" rtlCol="0">
+            <a:spAutoFit/>
+          </a:bodyPr>
+          <a:lstStyle/>
+          <a:p>
+            <a:pPr algn="ctr"/>
+            <a:r>
+              <a:rPr lang="en-US" altLang="zh-CN" b="1" i="1">
+                <a:latin typeface="Times New Roman" panose="02020603050405020304" pitchFamily="18" charset="0"/>
+                <a:cs typeface="Times New Roman" panose="02020603050405020304" pitchFamily="18" charset="0"/>
+              </a:rPr>
+              <a:t>f</a:t>
+            </a:r>
+            <a:endParaRPr lang="zh-CN" altLang="en-US" b="1" i="1">
+              <a:latin typeface="Times New Roman" panose="02020603050405020304" pitchFamily="18" charset="0"/>
+              <a:cs typeface="Times New Roman" panose="02020603050405020304" pitchFamily="18" charset="0"/>
+            </a:endParaRPr>
+          </a:p>
+        </p:txBody>
+      </p:sp>
+      <p:sp>
+        <p:nvSpPr>
+          <p:cNvPr id="85" name="文本框 84"/>
+          <p:cNvSpPr txBox="1"/>
+          <p:nvPr/>
+        </p:nvSpPr>
+        <p:spPr>
+          <a:xfrm>
+            <a:off x="4666044" y="5734086"/>
+            <a:ext cx="300082" cy="369332"/>
+          </a:xfrm>
+          <a:prstGeom prst="rect">
+            <a:avLst/>
+          </a:prstGeom>
+          <a:noFill/>
+        </p:spPr>
+        <p:txBody>
+          <a:bodyPr wrap="none" rtlCol="0">
+            <a:spAutoFit/>
+          </a:bodyPr>
+          <a:lstStyle/>
+          <a:p>
+            <a:pPr algn="ctr"/>
+            <a:r>
+              <a:rPr lang="en-US" altLang="zh-CN" b="1" i="1" smtClean="0">
+                <a:latin typeface="Times New Roman" panose="02020603050405020304" pitchFamily="18" charset="0"/>
+                <a:cs typeface="Times New Roman" panose="02020603050405020304" pitchFamily="18" charset="0"/>
+              </a:rPr>
+              <a:t>g</a:t>
+            </a:r>
+            <a:endParaRPr lang="zh-CN" altLang="en-US" b="1" i="1">
+              <a:latin typeface="Times New Roman" panose="02020603050405020304" pitchFamily="18" charset="0"/>
+              <a:cs typeface="Times New Roman" panose="02020603050405020304" pitchFamily="18" charset="0"/>
+            </a:endParaRPr>
+          </a:p>
+        </p:txBody>
+      </p:sp>
+      <p:sp>
+        <p:nvSpPr>
+          <p:cNvPr id="86" name="文本框 85"/>
+          <p:cNvSpPr txBox="1"/>
+          <p:nvPr/>
+        </p:nvSpPr>
+        <p:spPr>
+          <a:xfrm>
+            <a:off x="4548562" y="3242207"/>
+            <a:ext cx="518091" cy="369332"/>
+          </a:xfrm>
+          <a:prstGeom prst="rect">
+            <a:avLst/>
+          </a:prstGeom>
+          <a:noFill/>
+        </p:spPr>
+        <p:txBody>
+          <a:bodyPr wrap="none" rtlCol="0">
+            <a:spAutoFit/>
+          </a:bodyPr>
+          <a:lstStyle/>
+          <a:p>
+            <a:pPr algn="ctr"/>
+            <a:r>
+              <a:rPr lang="en-US" altLang="zh-CN" b="1" i="1" smtClean="0">
+                <a:latin typeface="Times New Roman" panose="02020603050405020304" pitchFamily="18" charset="0"/>
+                <a:cs typeface="Times New Roman" panose="02020603050405020304" pitchFamily="18" charset="0"/>
+              </a:rPr>
+              <a:t>cell</a:t>
+            </a:r>
+            <a:endParaRPr lang="zh-CN" altLang="en-US" b="1" i="1">
+              <a:latin typeface="Times New Roman" panose="02020603050405020304" pitchFamily="18" charset="0"/>
+              <a:cs typeface="Times New Roman" panose="02020603050405020304" pitchFamily="18" charset="0"/>
+            </a:endParaRPr>
+          </a:p>
+        </p:txBody>
+      </p:sp>
+      <p:cxnSp>
+        <p:nvCxnSpPr>
+          <p:cNvPr id="87" name="直接箭头连接符 86"/>
+          <p:cNvCxnSpPr>
+            <a:stCxn id="5" idx="1"/>
+            <a:endCxn id="9" idx="5"/>
+          </p:cNvCxnSpPr>
+          <p:nvPr/>
+        </p:nvCxnSpPr>
+        <p:spPr>
+          <a:xfrm flipH="1" flipV="1">
+            <a:off x="3075448" y="850579"/>
+            <a:ext cx="1479473" cy="2364021"/>
+          </a:xfrm>
+          <a:prstGeom prst="straightConnector1">
+            <a:avLst/>
+          </a:prstGeom>
+          <a:ln w="28575">
+            <a:solidFill>
+              <a:schemeClr val="bg2">
+                <a:lumMod val="50000"/>
+              </a:schemeClr>
+            </a:solidFill>
+            <a:prstDash val="sysDash"/>
+            <a:tailEnd type="triangle"/>
+          </a:ln>
+        </p:spPr>
+        <p:style>
+          <a:lnRef idx="1">
+            <a:schemeClr val="accent1"/>
+          </a:lnRef>
+          <a:fillRef idx="0">
+            <a:schemeClr val="accent1"/>
+          </a:fillRef>
+          <a:effectRef idx="0">
+            <a:schemeClr val="accent1"/>
+          </a:effectRef>
+          <a:fontRef idx="minor">
+            <a:schemeClr val="tx1"/>
+          </a:fontRef>
+        </p:style>
+      </p:cxnSp>
+      <p:cxnSp>
+        <p:nvCxnSpPr>
+          <p:cNvPr id="92" name="直接箭头连接符 91"/>
+          <p:cNvCxnSpPr>
+            <a:stCxn id="5" idx="3"/>
+            <a:endCxn id="8" idx="7"/>
+          </p:cNvCxnSpPr>
+          <p:nvPr/>
+        </p:nvCxnSpPr>
+        <p:spPr>
+          <a:xfrm flipH="1">
+            <a:off x="3075447" y="3725696"/>
+            <a:ext cx="1479474" cy="812960"/>
+          </a:xfrm>
+          <a:prstGeom prst="straightConnector1">
+            <a:avLst/>
+          </a:prstGeom>
+          <a:ln w="28575">
+            <a:solidFill>
+              <a:schemeClr val="bg2">
+                <a:lumMod val="50000"/>
+              </a:schemeClr>
+            </a:solidFill>
+            <a:prstDash val="sysDash"/>
+            <a:tailEnd type="triangle"/>
+          </a:ln>
+        </p:spPr>
+        <p:style>
+          <a:lnRef idx="1">
+            <a:schemeClr val="accent1"/>
+          </a:lnRef>
+          <a:fillRef idx="0">
+            <a:schemeClr val="accent1"/>
+          </a:fillRef>
+          <a:effectRef idx="0">
+            <a:schemeClr val="accent1"/>
+          </a:effectRef>
+          <a:fontRef idx="minor">
+            <a:schemeClr val="tx1"/>
+          </a:fontRef>
+        </p:style>
+      </p:cxnSp>
+      <p:cxnSp>
+        <p:nvCxnSpPr>
+          <p:cNvPr id="96" name="曲线连接符 95"/>
+          <p:cNvCxnSpPr>
+            <a:stCxn id="5" idx="5"/>
+            <a:endCxn id="10" idx="4"/>
+          </p:cNvCxnSpPr>
+          <p:nvPr/>
+        </p:nvCxnSpPr>
+        <p:spPr>
+          <a:xfrm rot="16200000" flipH="1">
+            <a:off x="5745855" y="3059754"/>
+            <a:ext cx="4608" cy="1336492"/>
+          </a:xfrm>
+          <a:prstGeom prst="curvedConnector3">
+            <a:avLst>
+              <a:gd name="adj1" fmla="val 10234614"/>
+            </a:avLst>
+          </a:prstGeom>
+          <a:ln w="28575">
+            <a:solidFill>
+              <a:schemeClr val="bg2">
+                <a:lumMod val="50000"/>
+              </a:schemeClr>
+            </a:solidFill>
+            <a:prstDash val="sysDash"/>
+            <a:tailEnd type="triangle"/>
+          </a:ln>
+        </p:spPr>
+        <p:style>
+          <a:lnRef idx="1">
+            <a:schemeClr val="accent1"/>
+          </a:lnRef>
+          <a:fillRef idx="0">
+            <a:schemeClr val="accent1"/>
+          </a:fillRef>
+          <a:effectRef idx="0">
+            <a:schemeClr val="accent1"/>
+          </a:effectRef>
+          <a:fontRef idx="minor">
+            <a:schemeClr val="tx1"/>
+          </a:fontRef>
+        </p:style>
+      </p:cxnSp>
+      <p:sp>
+        <p:nvSpPr>
+          <p:cNvPr id="107" name="文本框 106"/>
+          <p:cNvSpPr txBox="1"/>
+          <p:nvPr/>
+        </p:nvSpPr>
+        <p:spPr>
+          <a:xfrm>
+            <a:off x="2858045" y="5001643"/>
+            <a:ext cx="1181927" cy="369332"/>
+          </a:xfrm>
+          <a:prstGeom prst="rect">
+            <a:avLst/>
+          </a:prstGeom>
+          <a:noFill/>
+        </p:spPr>
+        <p:txBody>
+          <a:bodyPr wrap="none" rtlCol="0">
+            <a:spAutoFit/>
+          </a:bodyPr>
+          <a:lstStyle/>
+          <a:p>
+            <a:r>
+              <a:rPr lang="en-US" altLang="zh-CN" smtClean="0"/>
+              <a:t>Input Gate</a:t>
+            </a:r>
+            <a:endParaRPr lang="zh-CN" altLang="en-US"/>
+          </a:p>
+        </p:txBody>
+      </p:sp>
+      <p:sp>
+        <p:nvSpPr>
+          <p:cNvPr id="108" name="文本框 107"/>
+          <p:cNvSpPr txBox="1"/>
+          <p:nvPr/>
+        </p:nvSpPr>
+        <p:spPr>
+          <a:xfrm>
+            <a:off x="3110216" y="735348"/>
+            <a:ext cx="1353447" cy="369332"/>
+          </a:xfrm>
+          <a:prstGeom prst="rect">
+            <a:avLst/>
+          </a:prstGeom>
+          <a:noFill/>
+        </p:spPr>
+        <p:txBody>
+          <a:bodyPr wrap="none" rtlCol="0">
+            <a:spAutoFit/>
+          </a:bodyPr>
+          <a:lstStyle/>
+          <a:p>
+            <a:r>
+              <a:rPr lang="en-US" altLang="zh-CN" smtClean="0"/>
+              <a:t>Output Gate</a:t>
+            </a:r>
+            <a:endParaRPr lang="zh-CN" altLang="en-US"/>
+          </a:p>
+        </p:txBody>
+      </p:sp>
+      <p:sp>
+        <p:nvSpPr>
+          <p:cNvPr id="109" name="文本框 108"/>
+          <p:cNvSpPr txBox="1"/>
+          <p:nvPr/>
+        </p:nvSpPr>
+        <p:spPr>
+          <a:xfrm>
+            <a:off x="5442437" y="2715839"/>
+            <a:ext cx="1281505" cy="369332"/>
+          </a:xfrm>
+          <a:prstGeom prst="rect">
+            <a:avLst/>
+          </a:prstGeom>
+          <a:noFill/>
+        </p:spPr>
+        <p:txBody>
+          <a:bodyPr wrap="none" rtlCol="0">
+            <a:spAutoFit/>
+          </a:bodyPr>
+          <a:lstStyle/>
+          <a:p>
+            <a:r>
+              <a:rPr lang="en-US" altLang="zh-CN" smtClean="0"/>
+              <a:t>Forget Gate</a:t>
+            </a:r>
+            <a:endParaRPr lang="zh-CN" altLang="en-US"/>
+          </a:p>
+        </p:txBody>
+      </p:sp>
+      <p:cxnSp>
+        <p:nvCxnSpPr>
+          <p:cNvPr id="110" name="直接箭头连接符 109"/>
+          <p:cNvCxnSpPr/>
+          <p:nvPr/>
+        </p:nvCxnSpPr>
+        <p:spPr>
+          <a:xfrm flipV="1">
+            <a:off x="4407561" y="6133868"/>
+            <a:ext cx="304832" cy="449812"/>
+          </a:xfrm>
+          <a:prstGeom prst="straightConnector1">
+            <a:avLst/>
+          </a:prstGeom>
+          <a:ln w="28575">
+            <a:solidFill>
+              <a:schemeClr val="tx1"/>
+            </a:solidFill>
+            <a:tailEnd type="triangle"/>
+          </a:ln>
+        </p:spPr>
+        <p:style>
+          <a:lnRef idx="1">
+            <a:schemeClr val="accent1"/>
+          </a:lnRef>
+          <a:fillRef idx="0">
+            <a:schemeClr val="accent1"/>
+          </a:fillRef>
+          <a:effectRef idx="0">
+            <a:schemeClr val="accent1"/>
+          </a:effectRef>
+          <a:fontRef idx="minor">
+            <a:schemeClr val="tx1"/>
+          </a:fontRef>
+        </p:style>
+      </p:cxnSp>
+      <p:cxnSp>
+        <p:nvCxnSpPr>
+          <p:cNvPr id="111" name="直接箭头连接符 110"/>
+          <p:cNvCxnSpPr>
+            <a:endCxn id="7" idx="4"/>
+          </p:cNvCxnSpPr>
+          <p:nvPr/>
+        </p:nvCxnSpPr>
+        <p:spPr>
+          <a:xfrm flipV="1">
+            <a:off x="4799076" y="6173183"/>
+            <a:ext cx="15888" cy="479214"/>
+          </a:xfrm>
+          <a:prstGeom prst="straightConnector1">
+            <a:avLst/>
+          </a:prstGeom>
+          <a:ln w="28575">
+            <a:solidFill>
+              <a:schemeClr val="tx1"/>
+            </a:solidFill>
+            <a:tailEnd type="triangle"/>
+          </a:ln>
+        </p:spPr>
+        <p:style>
+          <a:lnRef idx="1">
+            <a:schemeClr val="accent1"/>
+          </a:lnRef>
+          <a:fillRef idx="0">
+            <a:schemeClr val="accent1"/>
+          </a:fillRef>
+          <a:effectRef idx="0">
+            <a:schemeClr val="accent1"/>
+          </a:effectRef>
+          <a:fontRef idx="minor">
+            <a:schemeClr val="tx1"/>
+          </a:fontRef>
+        </p:style>
+      </p:cxnSp>
+      <p:cxnSp>
+        <p:nvCxnSpPr>
+          <p:cNvPr id="112" name="直接箭头连接符 111"/>
+          <p:cNvCxnSpPr/>
+          <p:nvPr/>
+        </p:nvCxnSpPr>
+        <p:spPr>
+          <a:xfrm flipH="1" flipV="1">
+            <a:off x="4893116" y="6132629"/>
+            <a:ext cx="295526" cy="422943"/>
+          </a:xfrm>
+          <a:prstGeom prst="straightConnector1">
+            <a:avLst/>
+          </a:prstGeom>
+          <a:ln w="28575">
+            <a:solidFill>
+              <a:schemeClr val="tx1"/>
+            </a:solidFill>
+            <a:tailEnd type="triangle"/>
+          </a:ln>
+        </p:spPr>
+        <p:style>
+          <a:lnRef idx="1">
+            <a:schemeClr val="accent1"/>
+          </a:lnRef>
+          <a:fillRef idx="0">
+            <a:schemeClr val="accent1"/>
+          </a:fillRef>
+          <a:effectRef idx="0">
+            <a:schemeClr val="accent1"/>
+          </a:effectRef>
+          <a:fontRef idx="minor">
+            <a:schemeClr val="tx1"/>
+          </a:fontRef>
+        </p:style>
+      </p:cxnSp>
+    </p:spTree>
+    <p:extLst>
+      <p:ext uri="{BB962C8B-B14F-4D97-AF65-F5344CB8AC3E}">
+        <p14:creationId xmlns:p14="http://schemas.microsoft.com/office/powerpoint/2010/main" val="1595133985"/>
+      </p:ext>
+    </p:extLst>
+  </p:cSld>
+  <p:clrMapOvr>
+    <a:masterClrMapping/>
+  </p:clrMapOvr>
+  <p:timing>
+    <p:tnLst>
+      <p:par>
+        <p:cTn id="1" dur="indefinite" restart="never" nodeType="tmRoot"/>
+      </p:par>
+    </p:tnLst>
+  </p:timing>
+</p:sld>
+</file>
+
+<file path=ppt/slides/slide6.xml><?xml version="1.0" encoding="utf-8"?>
+<p:sld xmlns:a="http://schemas.openxmlformats.org/drawingml/2006/main" xmlns:r="http://schemas.openxmlformats.org/officeDocument/2006/relationships" xmlns:p="http://schemas.openxmlformats.org/presentationml/2006/main">
+  <p:cSld>
+    <p:spTree>
+      <p:nvGrpSpPr>
+        <p:cNvPr id="1" name=""/>
+        <p:cNvGrpSpPr/>
+        <p:nvPr/>
+      </p:nvGrpSpPr>
+      <p:grpSpPr>
+        <a:xfrm>
+          <a:off x="0" y="0"/>
+          <a:ext cx="0" cy="0"/>
+          <a:chOff x="0" y="0"/>
+          <a:chExt cx="0" cy="0"/>
+        </a:xfrm>
+      </p:grpSpPr>
+      <p:pic>
+        <p:nvPicPr>
+          <p:cNvPr id="4" name="图片 3"/>
+          <p:cNvPicPr>
+            <a:picLocks noChangeAspect="1"/>
+          </p:cNvPicPr>
+          <p:nvPr/>
+        </p:nvPicPr>
+        <p:blipFill>
+          <a:blip r:embed="rId3">
+            <a:extLst>
+              <a:ext uri="{28A0092B-C50C-407E-A947-70E740481C1C}">
+                <a14:useLocalDpi xmlns:a14="http://schemas.microsoft.com/office/drawing/2010/main" val="0"/>
+              </a:ext>
+            </a:extLst>
+          </a:blip>
+          <a:stretch>
+            <a:fillRect/>
+          </a:stretch>
+        </p:blipFill>
+        <p:spPr>
+          <a:xfrm>
+            <a:off x="190500" y="1209675"/>
+            <a:ext cx="11811000" cy="4658388"/>
+          </a:xfrm>
+          <a:prstGeom prst="rect">
+            <a:avLst/>
+          </a:prstGeom>
+        </p:spPr>
+      </p:pic>
+      <p:sp>
+        <p:nvSpPr>
+          <p:cNvPr id="5" name="文本框 4"/>
+          <p:cNvSpPr txBox="1"/>
+          <p:nvPr/>
+        </p:nvSpPr>
+        <p:spPr>
+          <a:xfrm>
+            <a:off x="3712464" y="3777353"/>
+            <a:ext cx="530851" cy="369332"/>
+          </a:xfrm>
+          <a:prstGeom prst="rect">
+            <a:avLst/>
+          </a:prstGeom>
+          <a:noFill/>
+        </p:spPr>
+        <p:txBody>
+          <a:bodyPr wrap="none" rtlCol="0">
+            <a:spAutoFit/>
+          </a:bodyPr>
+          <a:lstStyle/>
+          <a:p>
+            <a:r>
+              <a:rPr lang="en-US" altLang="zh-CN" b="1" i="1" spc="100" smtClean="0">
+                <a:latin typeface="Times New Roman" panose="02020603050405020304" pitchFamily="18" charset="0"/>
+                <a:cs typeface="Times New Roman" panose="02020603050405020304" pitchFamily="18" charset="0"/>
+              </a:rPr>
+              <a:t>h</a:t>
+            </a:r>
+            <a:r>
+              <a:rPr lang="en-US" altLang="zh-CN" b="1" spc="100" baseline="-25000" smtClean="0">
+                <a:latin typeface="Times New Roman" panose="02020603050405020304" pitchFamily="18" charset="0"/>
+                <a:cs typeface="Times New Roman" panose="02020603050405020304" pitchFamily="18" charset="0"/>
+              </a:rPr>
+              <a:t>t-1</a:t>
+            </a:r>
+            <a:endParaRPr lang="zh-CN" altLang="en-US" b="1" spc="100" baseline="-25000">
+              <a:latin typeface="Times New Roman" panose="02020603050405020304" pitchFamily="18" charset="0"/>
+              <a:cs typeface="Times New Roman" panose="02020603050405020304" pitchFamily="18" charset="0"/>
+            </a:endParaRPr>
+          </a:p>
+        </p:txBody>
+      </p:sp>
+      <p:sp>
+        <p:nvSpPr>
+          <p:cNvPr id="7" name="文本框 6"/>
+          <p:cNvSpPr txBox="1"/>
+          <p:nvPr/>
+        </p:nvSpPr>
+        <p:spPr>
+          <a:xfrm>
+            <a:off x="4221480" y="3344537"/>
+            <a:ext cx="334259" cy="369332"/>
+          </a:xfrm>
+          <a:prstGeom prst="rect">
+            <a:avLst/>
+          </a:prstGeom>
+          <a:noFill/>
+        </p:spPr>
+        <p:txBody>
+          <a:bodyPr wrap="none" rtlCol="0">
+            <a:spAutoFit/>
+          </a:bodyPr>
+          <a:lstStyle/>
+          <a:p>
+            <a:r>
+              <a:rPr lang="en-US" altLang="zh-CN" b="1" i="1" spc="100" err="1" smtClean="0">
+                <a:latin typeface="Times New Roman" panose="02020603050405020304" pitchFamily="18" charset="0"/>
+                <a:cs typeface="Times New Roman" panose="02020603050405020304" pitchFamily="18" charset="0"/>
+              </a:rPr>
+              <a:t>f</a:t>
+            </a:r>
+            <a:r>
+              <a:rPr lang="en-US" altLang="zh-CN" b="1" spc="100" baseline="-25000" err="1">
+                <a:latin typeface="Times New Roman" panose="02020603050405020304" pitchFamily="18" charset="0"/>
+                <a:cs typeface="Times New Roman" panose="02020603050405020304" pitchFamily="18" charset="0"/>
+              </a:rPr>
+              <a:t>t</a:t>
+            </a:r>
+            <a:endParaRPr lang="zh-CN" altLang="en-US" b="1" spc="100" baseline="-25000">
+              <a:latin typeface="Times New Roman" panose="02020603050405020304" pitchFamily="18" charset="0"/>
+              <a:cs typeface="Times New Roman" panose="02020603050405020304" pitchFamily="18" charset="0"/>
+            </a:endParaRPr>
+          </a:p>
+        </p:txBody>
+      </p:sp>
+      <p:sp>
+        <p:nvSpPr>
+          <p:cNvPr id="8" name="文本框 7"/>
+          <p:cNvSpPr txBox="1"/>
+          <p:nvPr/>
+        </p:nvSpPr>
+        <p:spPr>
+          <a:xfrm>
+            <a:off x="4885944" y="3359777"/>
+            <a:ext cx="321435" cy="369332"/>
+          </a:xfrm>
+          <a:prstGeom prst="rect">
+            <a:avLst/>
+          </a:prstGeom>
+          <a:noFill/>
+        </p:spPr>
+        <p:txBody>
+          <a:bodyPr wrap="none" rtlCol="0">
+            <a:spAutoFit/>
+          </a:bodyPr>
+          <a:lstStyle/>
+          <a:p>
+            <a:r>
+              <a:rPr lang="en-US" altLang="zh-CN" b="1" i="1" spc="100" smtClean="0">
+                <a:latin typeface="Times New Roman" panose="02020603050405020304" pitchFamily="18" charset="0"/>
+                <a:cs typeface="Times New Roman" panose="02020603050405020304" pitchFamily="18" charset="0"/>
+              </a:rPr>
+              <a:t>i</a:t>
+            </a:r>
+            <a:r>
+              <a:rPr lang="en-US" altLang="zh-CN" b="1" spc="100" baseline="-25000" smtClean="0">
+                <a:latin typeface="Times New Roman" panose="02020603050405020304" pitchFamily="18" charset="0"/>
+                <a:cs typeface="Times New Roman" panose="02020603050405020304" pitchFamily="18" charset="0"/>
+              </a:rPr>
+              <a:t>t</a:t>
+            </a:r>
+            <a:endParaRPr lang="zh-CN" altLang="en-US" b="1" spc="100" baseline="-25000">
+              <a:latin typeface="Times New Roman" panose="02020603050405020304" pitchFamily="18" charset="0"/>
+              <a:cs typeface="Times New Roman" panose="02020603050405020304" pitchFamily="18" charset="0"/>
+            </a:endParaRPr>
+          </a:p>
+        </p:txBody>
+      </p:sp>
+      <p:sp>
+        <p:nvSpPr>
+          <p:cNvPr id="10" name="文本框 9"/>
+          <p:cNvSpPr txBox="1"/>
+          <p:nvPr/>
+        </p:nvSpPr>
+        <p:spPr>
+          <a:xfrm>
+            <a:off x="6327120" y="3129093"/>
+            <a:ext cx="391967" cy="400110"/>
+          </a:xfrm>
+          <a:prstGeom prst="rect">
+            <a:avLst/>
+          </a:prstGeom>
+          <a:noFill/>
+        </p:spPr>
+        <p:txBody>
+          <a:bodyPr wrap="none" rtlCol="0">
+            <a:spAutoFit/>
+          </a:bodyPr>
+          <a:lstStyle/>
+          <a:p>
+            <a:r>
+              <a:rPr lang="en-US" altLang="zh-CN" sz="2000" b="1" i="1" spc="100" err="1">
+                <a:latin typeface="Times New Roman" panose="02020603050405020304" pitchFamily="18" charset="0"/>
+                <a:cs typeface="Times New Roman" panose="02020603050405020304" pitchFamily="18" charset="0"/>
+              </a:rPr>
+              <a:t>o</a:t>
+            </a:r>
+            <a:r>
+              <a:rPr lang="en-US" altLang="zh-CN" sz="2000" b="1" spc="100" baseline="-25000" err="1" smtClean="0">
+                <a:latin typeface="Times New Roman" panose="02020603050405020304" pitchFamily="18" charset="0"/>
+                <a:cs typeface="Times New Roman" panose="02020603050405020304" pitchFamily="18" charset="0"/>
+              </a:rPr>
+              <a:t>t</a:t>
+            </a:r>
+            <a:endParaRPr lang="zh-CN" altLang="en-US" sz="2000" b="1" spc="100" baseline="-25000">
+              <a:latin typeface="Times New Roman" panose="02020603050405020304" pitchFamily="18" charset="0"/>
+              <a:cs typeface="Times New Roman" panose="02020603050405020304" pitchFamily="18" charset="0"/>
+            </a:endParaRPr>
+          </a:p>
+        </p:txBody>
+      </p:sp>
+      <p:graphicFrame>
+        <p:nvGraphicFramePr>
+          <p:cNvPr id="12" name="对象 11"/>
+          <p:cNvGraphicFramePr>
+            <a:graphicFrameLocks noChangeAspect="1"/>
+          </p:cNvGraphicFramePr>
+          <p:nvPr>
+            <p:extLst>
+              <p:ext uri="{D42A27DB-BD31-4B8C-83A1-F6EECF244321}">
+                <p14:modId xmlns:p14="http://schemas.microsoft.com/office/powerpoint/2010/main" val="1341071047"/>
+              </p:ext>
+            </p:extLst>
+          </p:nvPr>
+        </p:nvGraphicFramePr>
+        <p:xfrm>
+          <a:off x="5871464" y="3210695"/>
+          <a:ext cx="319024" cy="518414"/>
+        </p:xfrm>
+        <a:graphic>
+          <a:graphicData uri="http://schemas.openxmlformats.org/presentationml/2006/ole">
+            <mc:AlternateContent xmlns:mc="http://schemas.openxmlformats.org/markup-compatibility/2006">
+              <mc:Choice xmlns:v="urn:schemas-microsoft-com:vml" Requires="v">
+                <p:oleObj spid="_x0000_s1033" name="Equation" r:id="rId4" imgW="203040" imgH="330120" progId="Equation.DSMT4">
+                  <p:embed/>
+                </p:oleObj>
+              </mc:Choice>
+              <mc:Fallback>
+                <p:oleObj name="Equation" r:id="rId4" imgW="203040" imgH="330120" progId="Equation.DSMT4">
+                  <p:embed/>
+                  <p:pic>
+                    <p:nvPicPr>
+                      <p:cNvPr id="0" name=""/>
+                      <p:cNvPicPr/>
+                      <p:nvPr/>
+                    </p:nvPicPr>
+                    <p:blipFill>
+                      <a:blip r:embed="rId5"/>
+                      <a:stretch>
+                        <a:fillRect/>
+                      </a:stretch>
+                    </p:blipFill>
+                    <p:spPr>
+                      <a:xfrm>
+                        <a:off x="5871464" y="3210695"/>
+                        <a:ext cx="319024" cy="518414"/>
+                      </a:xfrm>
+                      <a:prstGeom prst="rect">
+                        <a:avLst/>
+                      </a:prstGeom>
+                    </p:spPr>
+                  </p:pic>
+                </p:oleObj>
+              </mc:Fallback>
+            </mc:AlternateContent>
+          </a:graphicData>
+        </a:graphic>
+      </p:graphicFrame>
+      <p:sp>
+        <p:nvSpPr>
+          <p:cNvPr id="14" name="文本框 13"/>
+          <p:cNvSpPr txBox="1"/>
+          <p:nvPr/>
+        </p:nvSpPr>
+        <p:spPr>
+          <a:xfrm>
+            <a:off x="4423124" y="4383086"/>
+            <a:ext cx="347083" cy="646331"/>
+          </a:xfrm>
+          <a:prstGeom prst="rect">
+            <a:avLst/>
+          </a:prstGeom>
+          <a:noFill/>
+        </p:spPr>
+        <p:txBody>
+          <a:bodyPr wrap="none" rtlCol="0">
+            <a:spAutoFit/>
+          </a:bodyPr>
+          <a:lstStyle/>
+          <a:p>
+            <a:r>
+              <a:rPr lang="zh-CN" altLang="en-US" b="1" spc="100" baseline="-25000" smtClean="0">
+                <a:latin typeface="黑体" panose="02010609060101010101" pitchFamily="49" charset="-122"/>
+                <a:ea typeface="黑体" panose="02010609060101010101" pitchFamily="49" charset="-122"/>
+                <a:cs typeface="Times New Roman" panose="02020603050405020304" pitchFamily="18" charset="0"/>
+              </a:rPr>
+              <a:t>遗</a:t>
+            </a:r>
+            <a:endParaRPr lang="en-US" altLang="zh-CN" b="1" spc="100" baseline="-25000" smtClean="0">
+              <a:latin typeface="黑体" panose="02010609060101010101" pitchFamily="49" charset="-122"/>
+              <a:ea typeface="黑体" panose="02010609060101010101" pitchFamily="49" charset="-122"/>
+              <a:cs typeface="Times New Roman" panose="02020603050405020304" pitchFamily="18" charset="0"/>
+            </a:endParaRPr>
+          </a:p>
+          <a:p>
+            <a:r>
+              <a:rPr lang="zh-CN" altLang="en-US" b="1" spc="100" baseline="-25000" smtClean="0">
+                <a:latin typeface="黑体" panose="02010609060101010101" pitchFamily="49" charset="-122"/>
+                <a:ea typeface="黑体" panose="02010609060101010101" pitchFamily="49" charset="-122"/>
+                <a:cs typeface="Times New Roman" panose="02020603050405020304" pitchFamily="18" charset="0"/>
+              </a:rPr>
+              <a:t>忘</a:t>
+            </a:r>
+            <a:endParaRPr lang="en-US" altLang="zh-CN" b="1" spc="100" baseline="-25000" smtClean="0">
+              <a:latin typeface="黑体" panose="02010609060101010101" pitchFamily="49" charset="-122"/>
+              <a:ea typeface="黑体" panose="02010609060101010101" pitchFamily="49" charset="-122"/>
+              <a:cs typeface="Times New Roman" panose="02020603050405020304" pitchFamily="18" charset="0"/>
+            </a:endParaRPr>
+          </a:p>
+          <a:p>
+            <a:r>
+              <a:rPr lang="zh-CN" altLang="en-US" b="1" spc="100" baseline="-25000" smtClean="0">
+                <a:latin typeface="黑体" panose="02010609060101010101" pitchFamily="49" charset="-122"/>
+                <a:ea typeface="黑体" panose="02010609060101010101" pitchFamily="49" charset="-122"/>
+                <a:cs typeface="Times New Roman" panose="02020603050405020304" pitchFamily="18" charset="0"/>
+              </a:rPr>
+              <a:t>门</a:t>
+            </a:r>
+            <a:endParaRPr lang="zh-CN" altLang="en-US" b="1" spc="100" baseline="-25000">
+              <a:latin typeface="黑体" panose="02010609060101010101" pitchFamily="49" charset="-122"/>
+              <a:ea typeface="黑体" panose="02010609060101010101" pitchFamily="49" charset="-122"/>
+              <a:cs typeface="Times New Roman" panose="02020603050405020304" pitchFamily="18" charset="0"/>
+            </a:endParaRPr>
+          </a:p>
+        </p:txBody>
+      </p:sp>
+      <p:sp>
+        <p:nvSpPr>
+          <p:cNvPr id="18" name="文本框 17"/>
+          <p:cNvSpPr txBox="1"/>
+          <p:nvPr/>
+        </p:nvSpPr>
+        <p:spPr>
+          <a:xfrm>
+            <a:off x="4991565" y="4372703"/>
+            <a:ext cx="347083" cy="830997"/>
+          </a:xfrm>
+          <a:prstGeom prst="rect">
+            <a:avLst/>
+          </a:prstGeom>
+          <a:noFill/>
+        </p:spPr>
+        <p:txBody>
+          <a:bodyPr wrap="none" rtlCol="0">
+            <a:spAutoFit/>
+          </a:bodyPr>
+          <a:lstStyle/>
+          <a:p>
+            <a:r>
+              <a:rPr lang="zh-CN" altLang="en-US" b="1" spc="100" baseline="-25000" smtClean="0">
+                <a:latin typeface="黑体" panose="02010609060101010101" pitchFamily="49" charset="-122"/>
+                <a:ea typeface="黑体" panose="02010609060101010101" pitchFamily="49" charset="-122"/>
+                <a:cs typeface="Times New Roman" panose="02020603050405020304" pitchFamily="18" charset="0"/>
+              </a:rPr>
+              <a:t>输</a:t>
+            </a:r>
+            <a:endParaRPr lang="en-US" altLang="zh-CN" b="1" spc="100" baseline="-25000" smtClean="0">
+              <a:latin typeface="黑体" panose="02010609060101010101" pitchFamily="49" charset="-122"/>
+              <a:ea typeface="黑体" panose="02010609060101010101" pitchFamily="49" charset="-122"/>
+              <a:cs typeface="Times New Roman" panose="02020603050405020304" pitchFamily="18" charset="0"/>
+            </a:endParaRPr>
+          </a:p>
+          <a:p>
+            <a:r>
+              <a:rPr lang="zh-CN" altLang="en-US" b="1" spc="100" baseline="-25000" smtClean="0">
+                <a:latin typeface="黑体" panose="02010609060101010101" pitchFamily="49" charset="-122"/>
+                <a:ea typeface="黑体" panose="02010609060101010101" pitchFamily="49" charset="-122"/>
+                <a:cs typeface="Times New Roman" panose="02020603050405020304" pitchFamily="18" charset="0"/>
+              </a:rPr>
+              <a:t>入</a:t>
+            </a:r>
+            <a:endParaRPr lang="en-US" altLang="zh-CN" b="1" spc="100" baseline="-25000" smtClean="0">
+              <a:latin typeface="黑体" panose="02010609060101010101" pitchFamily="49" charset="-122"/>
+              <a:ea typeface="黑体" panose="02010609060101010101" pitchFamily="49" charset="-122"/>
+              <a:cs typeface="Times New Roman" panose="02020603050405020304" pitchFamily="18" charset="0"/>
+            </a:endParaRPr>
+          </a:p>
+          <a:p>
+            <a:r>
+              <a:rPr lang="zh-CN" altLang="en-US" b="1" spc="100" baseline="-25000" smtClean="0">
+                <a:latin typeface="黑体" panose="02010609060101010101" pitchFamily="49" charset="-122"/>
+                <a:ea typeface="黑体" panose="02010609060101010101" pitchFamily="49" charset="-122"/>
+                <a:cs typeface="Times New Roman" panose="02020603050405020304" pitchFamily="18" charset="0"/>
+              </a:rPr>
+              <a:t>门</a:t>
+            </a:r>
+            <a:endParaRPr lang="en-US" altLang="zh-CN" b="1" spc="100" baseline="-25000" smtClean="0">
+              <a:latin typeface="黑体" panose="02010609060101010101" pitchFamily="49" charset="-122"/>
+              <a:ea typeface="黑体" panose="02010609060101010101" pitchFamily="49" charset="-122"/>
+              <a:cs typeface="Times New Roman" panose="02020603050405020304" pitchFamily="18" charset="0"/>
+            </a:endParaRPr>
+          </a:p>
+          <a:p>
+            <a:endParaRPr lang="zh-CN" altLang="en-US" b="1" spc="100" baseline="-25000">
+              <a:latin typeface="黑体" panose="02010609060101010101" pitchFamily="49" charset="-122"/>
+              <a:ea typeface="黑体" panose="02010609060101010101" pitchFamily="49" charset="-122"/>
+              <a:cs typeface="Times New Roman" panose="02020603050405020304" pitchFamily="18" charset="0"/>
+            </a:endParaRPr>
+          </a:p>
+        </p:txBody>
+      </p:sp>
+      <p:sp>
+        <p:nvSpPr>
+          <p:cNvPr id="19" name="文本框 18"/>
+          <p:cNvSpPr txBox="1"/>
+          <p:nvPr/>
+        </p:nvSpPr>
+        <p:spPr>
+          <a:xfrm>
+            <a:off x="5612444" y="4364719"/>
+            <a:ext cx="347083" cy="830997"/>
+          </a:xfrm>
+          <a:prstGeom prst="rect">
+            <a:avLst/>
+          </a:prstGeom>
+          <a:noFill/>
+        </p:spPr>
+        <p:txBody>
+          <a:bodyPr wrap="none" rtlCol="0">
+            <a:spAutoFit/>
+          </a:bodyPr>
+          <a:lstStyle/>
+          <a:p>
+            <a:r>
+              <a:rPr lang="zh-CN" altLang="en-US" b="1" spc="100" baseline="-25000" smtClean="0">
+                <a:latin typeface="黑体" panose="02010609060101010101" pitchFamily="49" charset="-122"/>
+                <a:ea typeface="黑体" panose="02010609060101010101" pitchFamily="49" charset="-122"/>
+                <a:cs typeface="Times New Roman" panose="02020603050405020304" pitchFamily="18" charset="0"/>
+              </a:rPr>
+              <a:t>记</a:t>
+            </a:r>
+            <a:endParaRPr lang="en-US" altLang="zh-CN" b="1" spc="100" baseline="-25000" smtClean="0">
+              <a:latin typeface="黑体" panose="02010609060101010101" pitchFamily="49" charset="-122"/>
+              <a:ea typeface="黑体" panose="02010609060101010101" pitchFamily="49" charset="-122"/>
+              <a:cs typeface="Times New Roman" panose="02020603050405020304" pitchFamily="18" charset="0"/>
+            </a:endParaRPr>
+          </a:p>
+          <a:p>
+            <a:r>
+              <a:rPr lang="zh-CN" altLang="en-US" b="1" spc="100" baseline="-25000" smtClean="0">
+                <a:latin typeface="黑体" panose="02010609060101010101" pitchFamily="49" charset="-122"/>
+                <a:ea typeface="黑体" panose="02010609060101010101" pitchFamily="49" charset="-122"/>
+                <a:cs typeface="Times New Roman" panose="02020603050405020304" pitchFamily="18" charset="0"/>
+              </a:rPr>
+              <a:t>忆</a:t>
+            </a:r>
+            <a:endParaRPr lang="en-US" altLang="zh-CN" b="1" spc="100" baseline="-25000" smtClean="0">
+              <a:latin typeface="黑体" panose="02010609060101010101" pitchFamily="49" charset="-122"/>
+              <a:ea typeface="黑体" panose="02010609060101010101" pitchFamily="49" charset="-122"/>
+              <a:cs typeface="Times New Roman" panose="02020603050405020304" pitchFamily="18" charset="0"/>
+            </a:endParaRPr>
+          </a:p>
+          <a:p>
+            <a:r>
+              <a:rPr lang="zh-CN" altLang="en-US" b="1" spc="100" baseline="-25000" smtClean="0">
+                <a:latin typeface="黑体" panose="02010609060101010101" pitchFamily="49" charset="-122"/>
+                <a:ea typeface="黑体" panose="02010609060101010101" pitchFamily="49" charset="-122"/>
+                <a:cs typeface="Times New Roman" panose="02020603050405020304" pitchFamily="18" charset="0"/>
+              </a:rPr>
+              <a:t>单</a:t>
+            </a:r>
+            <a:endParaRPr lang="en-US" altLang="zh-CN" b="1" spc="100" baseline="-25000" smtClean="0">
+              <a:latin typeface="黑体" panose="02010609060101010101" pitchFamily="49" charset="-122"/>
+              <a:ea typeface="黑体" panose="02010609060101010101" pitchFamily="49" charset="-122"/>
+              <a:cs typeface="Times New Roman" panose="02020603050405020304" pitchFamily="18" charset="0"/>
+            </a:endParaRPr>
+          </a:p>
+          <a:p>
+            <a:r>
+              <a:rPr lang="zh-CN" altLang="en-US" b="1" spc="100" baseline="-25000" smtClean="0">
+                <a:latin typeface="黑体" panose="02010609060101010101" pitchFamily="49" charset="-122"/>
+                <a:ea typeface="黑体" panose="02010609060101010101" pitchFamily="49" charset="-122"/>
+                <a:cs typeface="Times New Roman" panose="02020603050405020304" pitchFamily="18" charset="0"/>
+              </a:rPr>
+              <a:t>元</a:t>
+            </a:r>
+            <a:endParaRPr lang="en-US" altLang="zh-CN" b="1" spc="100" baseline="-25000" smtClean="0">
+              <a:latin typeface="黑体" panose="02010609060101010101" pitchFamily="49" charset="-122"/>
+              <a:ea typeface="黑体" panose="02010609060101010101" pitchFamily="49" charset="-122"/>
+              <a:cs typeface="Times New Roman" panose="02020603050405020304" pitchFamily="18" charset="0"/>
+            </a:endParaRPr>
+          </a:p>
+        </p:txBody>
+      </p:sp>
+      <p:sp>
+        <p:nvSpPr>
+          <p:cNvPr id="20" name="文本框 19"/>
+          <p:cNvSpPr txBox="1"/>
+          <p:nvPr/>
+        </p:nvSpPr>
+        <p:spPr>
+          <a:xfrm>
+            <a:off x="6127080" y="4364720"/>
+            <a:ext cx="347083" cy="646331"/>
+          </a:xfrm>
+          <a:prstGeom prst="rect">
+            <a:avLst/>
+          </a:prstGeom>
+          <a:noFill/>
+        </p:spPr>
+        <p:txBody>
+          <a:bodyPr wrap="none" rtlCol="0">
+            <a:spAutoFit/>
+          </a:bodyPr>
+          <a:lstStyle/>
+          <a:p>
+            <a:r>
+              <a:rPr lang="zh-CN" altLang="en-US" b="1" spc="100" baseline="-25000">
+                <a:latin typeface="黑体" panose="02010609060101010101" pitchFamily="49" charset="-122"/>
+                <a:ea typeface="黑体" panose="02010609060101010101" pitchFamily="49" charset="-122"/>
+                <a:cs typeface="Times New Roman" panose="02020603050405020304" pitchFamily="18" charset="0"/>
+              </a:rPr>
+              <a:t>输</a:t>
+            </a:r>
+            <a:endParaRPr lang="en-US" altLang="zh-CN" b="1" spc="100" baseline="-25000" smtClean="0">
+              <a:latin typeface="黑体" panose="02010609060101010101" pitchFamily="49" charset="-122"/>
+              <a:ea typeface="黑体" panose="02010609060101010101" pitchFamily="49" charset="-122"/>
+              <a:cs typeface="Times New Roman" panose="02020603050405020304" pitchFamily="18" charset="0"/>
+            </a:endParaRPr>
+          </a:p>
+          <a:p>
+            <a:r>
+              <a:rPr lang="zh-CN" altLang="en-US" b="1" spc="100" baseline="-25000">
+                <a:latin typeface="黑体" panose="02010609060101010101" pitchFamily="49" charset="-122"/>
+                <a:ea typeface="黑体" panose="02010609060101010101" pitchFamily="49" charset="-122"/>
+                <a:cs typeface="Times New Roman" panose="02020603050405020304" pitchFamily="18" charset="0"/>
+              </a:rPr>
+              <a:t>出</a:t>
+            </a:r>
+            <a:endParaRPr lang="en-US" altLang="zh-CN" b="1" spc="100" baseline="-25000" smtClean="0">
+              <a:latin typeface="黑体" panose="02010609060101010101" pitchFamily="49" charset="-122"/>
+              <a:ea typeface="黑体" panose="02010609060101010101" pitchFamily="49" charset="-122"/>
+              <a:cs typeface="Times New Roman" panose="02020603050405020304" pitchFamily="18" charset="0"/>
+            </a:endParaRPr>
+          </a:p>
+          <a:p>
+            <a:r>
+              <a:rPr lang="zh-CN" altLang="en-US" b="1" spc="100" baseline="-25000" smtClean="0">
+                <a:latin typeface="黑体" panose="02010609060101010101" pitchFamily="49" charset="-122"/>
+                <a:ea typeface="黑体" panose="02010609060101010101" pitchFamily="49" charset="-122"/>
+                <a:cs typeface="Times New Roman" panose="02020603050405020304" pitchFamily="18" charset="0"/>
+              </a:rPr>
+              <a:t>门</a:t>
+            </a:r>
+            <a:endParaRPr lang="zh-CN" altLang="en-US" b="1" spc="100" baseline="-25000">
+              <a:latin typeface="黑体" panose="02010609060101010101" pitchFamily="49" charset="-122"/>
+              <a:ea typeface="黑体" panose="02010609060101010101" pitchFamily="49" charset="-122"/>
+              <a:cs typeface="Times New Roman" panose="02020603050405020304" pitchFamily="18" charset="0"/>
+            </a:endParaRPr>
+          </a:p>
+        </p:txBody>
+      </p:sp>
+      <p:sp>
+        <p:nvSpPr>
+          <p:cNvPr id="21" name="文本框 20"/>
+          <p:cNvSpPr txBox="1"/>
+          <p:nvPr/>
+        </p:nvSpPr>
+        <p:spPr>
+          <a:xfrm>
+            <a:off x="7618013" y="2526879"/>
+            <a:ext cx="411203" cy="369332"/>
+          </a:xfrm>
+          <a:prstGeom prst="rect">
+            <a:avLst/>
+          </a:prstGeom>
+          <a:noFill/>
+        </p:spPr>
+        <p:txBody>
+          <a:bodyPr wrap="none" rtlCol="0">
+            <a:spAutoFit/>
+          </a:bodyPr>
+          <a:lstStyle/>
+          <a:p>
+            <a:r>
+              <a:rPr lang="en-US" altLang="zh-CN" b="1" i="1" spc="100" err="1">
+                <a:latin typeface="Times New Roman" panose="02020603050405020304" pitchFamily="18" charset="0"/>
+                <a:cs typeface="Times New Roman" panose="02020603050405020304" pitchFamily="18" charset="0"/>
+              </a:rPr>
+              <a:t>C</a:t>
+            </a:r>
+            <a:r>
+              <a:rPr lang="en-US" altLang="zh-CN" b="1" spc="100" baseline="-25000" smtClean="0">
+                <a:latin typeface="Times New Roman" panose="02020603050405020304" pitchFamily="18" charset="0"/>
+                <a:cs typeface="Times New Roman" panose="02020603050405020304" pitchFamily="18" charset="0"/>
+              </a:rPr>
+              <a:t>t</a:t>
+            </a:r>
+            <a:endParaRPr lang="zh-CN" altLang="en-US" b="1" spc="100" baseline="-25000">
+              <a:latin typeface="Times New Roman" panose="02020603050405020304" pitchFamily="18" charset="0"/>
+              <a:cs typeface="Times New Roman" panose="02020603050405020304" pitchFamily="18" charset="0"/>
+            </a:endParaRPr>
+          </a:p>
+        </p:txBody>
+      </p:sp>
+      <p:sp>
+        <p:nvSpPr>
+          <p:cNvPr id="22" name="文本框 21"/>
+          <p:cNvSpPr txBox="1"/>
+          <p:nvPr/>
+        </p:nvSpPr>
+        <p:spPr>
+          <a:xfrm>
+            <a:off x="3686816" y="2432785"/>
+            <a:ext cx="556499" cy="369332"/>
+          </a:xfrm>
+          <a:prstGeom prst="rect">
+            <a:avLst/>
+          </a:prstGeom>
+          <a:noFill/>
+        </p:spPr>
+        <p:txBody>
+          <a:bodyPr wrap="none" rtlCol="0">
+            <a:spAutoFit/>
+          </a:bodyPr>
+          <a:lstStyle/>
+          <a:p>
+            <a:r>
+              <a:rPr lang="en-US" altLang="zh-CN" b="1" i="1" spc="100" smtClean="0">
+                <a:latin typeface="Times New Roman" panose="02020603050405020304" pitchFamily="18" charset="0"/>
+                <a:cs typeface="Times New Roman" panose="02020603050405020304" pitchFamily="18" charset="0"/>
+              </a:rPr>
+              <a:t>C</a:t>
+            </a:r>
+            <a:r>
+              <a:rPr lang="en-US" altLang="zh-CN" b="1" spc="100" baseline="-25000" smtClean="0">
+                <a:latin typeface="Times New Roman" panose="02020603050405020304" pitchFamily="18" charset="0"/>
+                <a:cs typeface="Times New Roman" panose="02020603050405020304" pitchFamily="18" charset="0"/>
+              </a:rPr>
+              <a:t>t-1</a:t>
+            </a:r>
+            <a:endParaRPr lang="zh-CN" altLang="en-US" b="1" spc="100" baseline="-25000">
+              <a:latin typeface="Times New Roman" panose="02020603050405020304" pitchFamily="18" charset="0"/>
+              <a:cs typeface="Times New Roman" panose="02020603050405020304" pitchFamily="18" charset="0"/>
+            </a:endParaRPr>
+          </a:p>
+        </p:txBody>
+      </p:sp>
+    </p:spTree>
+    <p:extLst>
+      <p:ext uri="{BB962C8B-B14F-4D97-AF65-F5344CB8AC3E}">
+        <p14:creationId xmlns:p14="http://schemas.microsoft.com/office/powerpoint/2010/main" val="4261561744"/>
+      </p:ext>
+    </p:extLst>
+  </p:cSld>
+  <p:clrMapOvr>
+    <a:masterClrMapping/>
+  </p:clrMapOvr>
+  <p:timing>
+    <p:tnLst>
+      <p:par>
+        <p:cTn id="1" dur="indefinite" restart="never" nodeType="tmRoot"/>
+      </p:par>
+    </p:tnLst>
+  </p:timing>
 </p:sld>
 </file>
 
